--- a/Lennard-Jones Structures.pptx
+++ b/Lennard-Jones Structures.pptx
@@ -14,37 +14,40 @@
     <p:sldId id="294" r:id="rId8"/>
     <p:sldId id="295" r:id="rId9"/>
     <p:sldId id="260" r:id="rId10"/>
-    <p:sldId id="296" r:id="rId11"/>
-    <p:sldId id="297" r:id="rId12"/>
-    <p:sldId id="285" r:id="rId13"/>
-    <p:sldId id="287" r:id="rId14"/>
-    <p:sldId id="262" r:id="rId15"/>
-    <p:sldId id="263" r:id="rId16"/>
-    <p:sldId id="264" r:id="rId17"/>
-    <p:sldId id="265" r:id="rId18"/>
-    <p:sldId id="266" r:id="rId19"/>
-    <p:sldId id="267" r:id="rId20"/>
-    <p:sldId id="258" r:id="rId21"/>
-    <p:sldId id="270" r:id="rId22"/>
-    <p:sldId id="271" r:id="rId23"/>
-    <p:sldId id="272" r:id="rId24"/>
-    <p:sldId id="269" r:id="rId25"/>
-    <p:sldId id="278" r:id="rId26"/>
-    <p:sldId id="273" r:id="rId27"/>
-    <p:sldId id="275" r:id="rId28"/>
-    <p:sldId id="276" r:id="rId29"/>
-    <p:sldId id="277" r:id="rId30"/>
-    <p:sldId id="279" r:id="rId31"/>
-    <p:sldId id="280" r:id="rId32"/>
-    <p:sldId id="274" r:id="rId33"/>
-    <p:sldId id="281" r:id="rId34"/>
-    <p:sldId id="282" r:id="rId35"/>
-    <p:sldId id="283" r:id="rId36"/>
-    <p:sldId id="284" r:id="rId37"/>
-    <p:sldId id="288" r:id="rId38"/>
-    <p:sldId id="289" r:id="rId39"/>
-    <p:sldId id="291" r:id="rId40"/>
-    <p:sldId id="292" r:id="rId41"/>
+    <p:sldId id="300" r:id="rId11"/>
+    <p:sldId id="296" r:id="rId12"/>
+    <p:sldId id="297" r:id="rId13"/>
+    <p:sldId id="298" r:id="rId14"/>
+    <p:sldId id="299" r:id="rId15"/>
+    <p:sldId id="285" r:id="rId16"/>
+    <p:sldId id="287" r:id="rId17"/>
+    <p:sldId id="262" r:id="rId18"/>
+    <p:sldId id="263" r:id="rId19"/>
+    <p:sldId id="264" r:id="rId20"/>
+    <p:sldId id="265" r:id="rId21"/>
+    <p:sldId id="266" r:id="rId22"/>
+    <p:sldId id="267" r:id="rId23"/>
+    <p:sldId id="258" r:id="rId24"/>
+    <p:sldId id="270" r:id="rId25"/>
+    <p:sldId id="271" r:id="rId26"/>
+    <p:sldId id="272" r:id="rId27"/>
+    <p:sldId id="269" r:id="rId28"/>
+    <p:sldId id="278" r:id="rId29"/>
+    <p:sldId id="273" r:id="rId30"/>
+    <p:sldId id="275" r:id="rId31"/>
+    <p:sldId id="276" r:id="rId32"/>
+    <p:sldId id="277" r:id="rId33"/>
+    <p:sldId id="279" r:id="rId34"/>
+    <p:sldId id="280" r:id="rId35"/>
+    <p:sldId id="274" r:id="rId36"/>
+    <p:sldId id="281" r:id="rId37"/>
+    <p:sldId id="282" r:id="rId38"/>
+    <p:sldId id="283" r:id="rId39"/>
+    <p:sldId id="284" r:id="rId40"/>
+    <p:sldId id="288" r:id="rId41"/>
+    <p:sldId id="289" r:id="rId42"/>
+    <p:sldId id="291" r:id="rId43"/>
+    <p:sldId id="292" r:id="rId44"/>
   </p:sldIdLst>
   <p:sldSz cx="12192000" cy="6858000"/>
   <p:notesSz cx="6858000" cy="9144000"/>
@@ -298,7 +301,7 @@
           <a:p>
             <a:fld id="{D98CC9B8-005D-43F6-BEF0-231DC299DBD4}" type="datetimeFigureOut">
               <a:rPr lang="en-US" smtClean="0"/>
-              <a:t>4/1/2018</a:t>
+              <a:t>4/8/2018</a:t>
             </a:fld>
             <a:endParaRPr lang="en-US"/>
           </a:p>
@@ -496,7 +499,7 @@
           <a:p>
             <a:fld id="{D98CC9B8-005D-43F6-BEF0-231DC299DBD4}" type="datetimeFigureOut">
               <a:rPr lang="en-US" smtClean="0"/>
-              <a:t>4/1/2018</a:t>
+              <a:t>4/8/2018</a:t>
             </a:fld>
             <a:endParaRPr lang="en-US"/>
           </a:p>
@@ -704,7 +707,7 @@
           <a:p>
             <a:fld id="{D98CC9B8-005D-43F6-BEF0-231DC299DBD4}" type="datetimeFigureOut">
               <a:rPr lang="en-US" smtClean="0"/>
-              <a:t>4/1/2018</a:t>
+              <a:t>4/8/2018</a:t>
             </a:fld>
             <a:endParaRPr lang="en-US"/>
           </a:p>
@@ -902,7 +905,7 @@
           <a:p>
             <a:fld id="{D98CC9B8-005D-43F6-BEF0-231DC299DBD4}" type="datetimeFigureOut">
               <a:rPr lang="en-US" smtClean="0"/>
-              <a:t>4/1/2018</a:t>
+              <a:t>4/8/2018</a:t>
             </a:fld>
             <a:endParaRPr lang="en-US"/>
           </a:p>
@@ -1177,7 +1180,7 @@
           <a:p>
             <a:fld id="{D98CC9B8-005D-43F6-BEF0-231DC299DBD4}" type="datetimeFigureOut">
               <a:rPr lang="en-US" smtClean="0"/>
-              <a:t>4/1/2018</a:t>
+              <a:t>4/8/2018</a:t>
             </a:fld>
             <a:endParaRPr lang="en-US"/>
           </a:p>
@@ -1442,7 +1445,7 @@
           <a:p>
             <a:fld id="{D98CC9B8-005D-43F6-BEF0-231DC299DBD4}" type="datetimeFigureOut">
               <a:rPr lang="en-US" smtClean="0"/>
-              <a:t>4/1/2018</a:t>
+              <a:t>4/8/2018</a:t>
             </a:fld>
             <a:endParaRPr lang="en-US"/>
           </a:p>
@@ -1854,7 +1857,7 @@
           <a:p>
             <a:fld id="{D98CC9B8-005D-43F6-BEF0-231DC299DBD4}" type="datetimeFigureOut">
               <a:rPr lang="en-US" smtClean="0"/>
-              <a:t>4/1/2018</a:t>
+              <a:t>4/8/2018</a:t>
             </a:fld>
             <a:endParaRPr lang="en-US"/>
           </a:p>
@@ -1995,7 +1998,7 @@
           <a:p>
             <a:fld id="{D98CC9B8-005D-43F6-BEF0-231DC299DBD4}" type="datetimeFigureOut">
               <a:rPr lang="en-US" smtClean="0"/>
-              <a:t>4/1/2018</a:t>
+              <a:t>4/8/2018</a:t>
             </a:fld>
             <a:endParaRPr lang="en-US"/>
           </a:p>
@@ -2108,7 +2111,7 @@
           <a:p>
             <a:fld id="{D98CC9B8-005D-43F6-BEF0-231DC299DBD4}" type="datetimeFigureOut">
               <a:rPr lang="en-US" smtClean="0"/>
-              <a:t>4/1/2018</a:t>
+              <a:t>4/8/2018</a:t>
             </a:fld>
             <a:endParaRPr lang="en-US"/>
           </a:p>
@@ -2419,7 +2422,7 @@
           <a:p>
             <a:fld id="{D98CC9B8-005D-43F6-BEF0-231DC299DBD4}" type="datetimeFigureOut">
               <a:rPr lang="en-US" smtClean="0"/>
-              <a:t>4/1/2018</a:t>
+              <a:t>4/8/2018</a:t>
             </a:fld>
             <a:endParaRPr lang="en-US"/>
           </a:p>
@@ -2707,7 +2710,7 @@
           <a:p>
             <a:fld id="{D98CC9B8-005D-43F6-BEF0-231DC299DBD4}" type="datetimeFigureOut">
               <a:rPr lang="en-US" smtClean="0"/>
-              <a:t>4/1/2018</a:t>
+              <a:t>4/8/2018</a:t>
             </a:fld>
             <a:endParaRPr lang="en-US"/>
           </a:p>
@@ -2948,7 +2951,7 @@
           <a:p>
             <a:fld id="{D98CC9B8-005D-43F6-BEF0-231DC299DBD4}" type="datetimeFigureOut">
               <a:rPr lang="en-US" smtClean="0"/>
-              <a:t>4/1/2018</a:t>
+              <a:t>4/8/2018</a:t>
             </a:fld>
             <a:endParaRPr lang="en-US"/>
           </a:p>
@@ -3486,7 +3489,7 @@
         </p:nvSpPr>
         <p:spPr>
           <a:xfrm>
-            <a:off x="1524000" y="1692814"/>
+            <a:off x="1524000" y="1122363"/>
             <a:ext cx="9144000" cy="1922842"/>
           </a:xfrm>
         </p:spPr>
@@ -3504,15 +3507,89 @@
                 <a:latin typeface="Cambria Math" panose="02040503050406030204" pitchFamily="18" charset="0"/>
                 <a:ea typeface="Cambria Math" panose="02040503050406030204" pitchFamily="18" charset="0"/>
               </a:rPr>
-              <a:t>Are we out of luck?</a:t>
-            </a:r>
+              <a:t>Steepest descent with Weakest Line Search:</a:t>
+            </a:r>
+          </a:p>
+        </p:txBody>
+      </p:sp>
+      <p:sp>
+        <p:nvSpPr>
+          <p:cNvPr id="4" name="TextBox 3">
+            <a:extLst>
+              <a:ext uri="{FF2B5EF4-FFF2-40B4-BE49-F238E27FC236}">
+                <a16:creationId xmlns:a16="http://schemas.microsoft.com/office/drawing/2014/main" id="{46675484-E5FC-4A5F-B596-9D80FE1134EB}"/>
+              </a:ext>
+            </a:extLst>
+          </p:cNvPr>
+          <p:cNvSpPr txBox="1"/>
+          <p:nvPr/>
+        </p:nvSpPr>
+        <p:spPr>
+          <a:xfrm>
+            <a:off x="1855301" y="3429000"/>
+            <a:ext cx="9388468" cy="1569660"/>
+          </a:xfrm>
+          <a:prstGeom prst="rect">
+            <a:avLst/>
+          </a:prstGeom>
+          <a:noFill/>
+        </p:spPr>
+        <p:txBody>
+          <a:bodyPr wrap="none" rtlCol="0">
+            <a:spAutoFit/>
+          </a:bodyPr>
+          <a:lstStyle/>
+          <a:p>
+            <a:r>
+              <a:rPr lang="en-US" sz="3200" dirty="0">
+                <a:solidFill>
+                  <a:schemeClr val="bg1"/>
+                </a:solidFill>
+                <a:latin typeface="Cambria Math" panose="02040503050406030204" pitchFamily="18" charset="0"/>
+                <a:ea typeface="Cambria Math" panose="02040503050406030204" pitchFamily="18" charset="0"/>
+              </a:rPr>
+              <a:t>Fails to:</a:t>
+            </a:r>
+          </a:p>
+          <a:p>
+            <a:pPr marL="514350" indent="-514350">
+              <a:buFont typeface="+mj-lt"/>
+              <a:buAutoNum type="arabicPeriod"/>
+            </a:pPr>
+            <a:r>
+              <a:rPr lang="en-US" sz="3200" dirty="0">
+                <a:solidFill>
+                  <a:schemeClr val="bg1"/>
+                </a:solidFill>
+                <a:latin typeface="Cambria Math" panose="02040503050406030204" pitchFamily="18" charset="0"/>
+                <a:ea typeface="Cambria Math" panose="02040503050406030204" pitchFamily="18" charset="0"/>
+              </a:rPr>
+              <a:t>Find the minimum structure for even very small n</a:t>
+            </a:r>
+          </a:p>
+          <a:p>
+            <a:pPr marL="514350" indent="-514350">
+              <a:buFont typeface="+mj-lt"/>
+              <a:buAutoNum type="arabicPeriod"/>
+            </a:pPr>
+            <a:r>
+              <a:rPr lang="en-US" sz="3200" dirty="0">
+                <a:solidFill>
+                  <a:schemeClr val="bg1"/>
+                </a:solidFill>
+                <a:latin typeface="Cambria Math" panose="02040503050406030204" pitchFamily="18" charset="0"/>
+                <a:ea typeface="Cambria Math" panose="02040503050406030204" pitchFamily="18" charset="0"/>
+              </a:rPr>
+              <a:t>Do so in a reasonable amount of time…</a:t>
+            </a:r>
+            <a:endParaRPr lang="en-US" sz="3200" dirty="0"/>
           </a:p>
         </p:txBody>
       </p:sp>
     </p:spTree>
     <p:extLst>
       <p:ext uri="{BB962C8B-B14F-4D97-AF65-F5344CB8AC3E}">
-        <p14:creationId xmlns:p14="http://schemas.microsoft.com/office/powerpoint/2010/main" val="1375302785"/>
+        <p14:creationId xmlns:p14="http://schemas.microsoft.com/office/powerpoint/2010/main" val="721926901"/>
       </p:ext>
     </p:extLst>
   </p:cSld>
@@ -3565,7 +3642,7 @@
         </p:nvSpPr>
         <p:spPr>
           <a:xfrm>
-            <a:off x="1524000" y="1122363"/>
+            <a:off x="1524000" y="1692814"/>
             <a:ext cx="9144000" cy="1922842"/>
           </a:xfrm>
         </p:spPr>
@@ -3583,144 +3660,7 @@
                 <a:latin typeface="Cambria Math" panose="02040503050406030204" pitchFamily="18" charset="0"/>
                 <a:ea typeface="Cambria Math" panose="02040503050406030204" pitchFamily="18" charset="0"/>
               </a:rPr>
-              <a:t>A Jacobian Free Method:</a:t>
-            </a:r>
-            <a:br>
-              <a:rPr lang="en-US" dirty="0">
-                <a:solidFill>
-                  <a:schemeClr val="bg1"/>
-                </a:solidFill>
-                <a:latin typeface="Cambria Math" panose="02040503050406030204" pitchFamily="18" charset="0"/>
-                <a:ea typeface="Cambria Math" panose="02040503050406030204" pitchFamily="18" charset="0"/>
-              </a:rPr>
-            </a:br>
-            <a:r>
-              <a:rPr lang="en-US" dirty="0">
-                <a:solidFill>
-                  <a:schemeClr val="bg1"/>
-                </a:solidFill>
-                <a:latin typeface="Cambria Math" panose="02040503050406030204" pitchFamily="18" charset="0"/>
-                <a:ea typeface="Cambria Math" panose="02040503050406030204" pitchFamily="18" charset="0"/>
-              </a:rPr>
-              <a:t>Nelder-Mead</a:t>
-            </a:r>
-          </a:p>
-        </p:txBody>
-      </p:sp>
-      <p:sp>
-        <p:nvSpPr>
-          <p:cNvPr id="4" name="TextBox 3">
-            <a:extLst>
-              <a:ext uri="{FF2B5EF4-FFF2-40B4-BE49-F238E27FC236}">
-                <a16:creationId xmlns:a16="http://schemas.microsoft.com/office/drawing/2014/main" id="{46675484-E5FC-4A5F-B596-9D80FE1134EB}"/>
-              </a:ext>
-            </a:extLst>
-          </p:cNvPr>
-          <p:cNvSpPr txBox="1"/>
-          <p:nvPr/>
-        </p:nvSpPr>
-        <p:spPr>
-          <a:xfrm>
-            <a:off x="635723" y="3429000"/>
-            <a:ext cx="10315260" cy="2062103"/>
-          </a:xfrm>
-          <a:prstGeom prst="rect">
-            <a:avLst/>
-          </a:prstGeom>
-          <a:noFill/>
-        </p:spPr>
-        <p:txBody>
-          <a:bodyPr wrap="none" rtlCol="0">
-            <a:spAutoFit/>
-          </a:bodyPr>
-          <a:lstStyle/>
-          <a:p>
-            <a:r>
-              <a:rPr lang="en-US" sz="3200" dirty="0">
-                <a:solidFill>
-                  <a:schemeClr val="bg1"/>
-                </a:solidFill>
-                <a:latin typeface="Cambria Math" panose="02040503050406030204" pitchFamily="18" charset="0"/>
-                <a:ea typeface="Cambria Math" panose="02040503050406030204" pitchFamily="18" charset="0"/>
-              </a:rPr>
-              <a:t>Brief Description:</a:t>
-            </a:r>
-          </a:p>
-          <a:p>
-            <a:r>
-              <a:rPr lang="en-US" sz="3200" dirty="0">
-                <a:solidFill>
-                  <a:schemeClr val="bg1"/>
-                </a:solidFill>
-                <a:latin typeface="Cambria Math" panose="02040503050406030204" pitchFamily="18" charset="0"/>
-                <a:ea typeface="Cambria Math" panose="02040503050406030204" pitchFamily="18" charset="0"/>
-              </a:rPr>
-              <a:t>Finds local minima by rolling a simplex </a:t>
-            </a:r>
-          </a:p>
-          <a:p>
-            <a:r>
-              <a:rPr lang="en-US" sz="3200" dirty="0">
-                <a:solidFill>
-                  <a:schemeClr val="bg1"/>
-                </a:solidFill>
-                <a:latin typeface="Cambria Math" panose="02040503050406030204" pitchFamily="18" charset="0"/>
-                <a:ea typeface="Cambria Math" panose="02040503050406030204" pitchFamily="18" charset="0"/>
-              </a:rPr>
-              <a:t>(n-dimensional triangular structure) down to a minimum.</a:t>
-            </a:r>
-          </a:p>
-          <a:p>
-            <a:r>
-              <a:rPr lang="en-US" sz="3200" dirty="0">
-                <a:solidFill>
-                  <a:schemeClr val="bg1"/>
-                </a:solidFill>
-                <a:latin typeface="Cambria Math" panose="02040503050406030204" pitchFamily="18" charset="0"/>
-                <a:ea typeface="Cambria Math" panose="02040503050406030204" pitchFamily="18" charset="0"/>
-              </a:rPr>
-              <a:t>Also called amoeba method.</a:t>
-            </a:r>
-          </a:p>
-        </p:txBody>
-      </p:sp>
-      <p:sp>
-        <p:nvSpPr>
-          <p:cNvPr id="5" name="TextBox 4">
-            <a:extLst>
-              <a:ext uri="{FF2B5EF4-FFF2-40B4-BE49-F238E27FC236}">
-                <a16:creationId xmlns:a16="http://schemas.microsoft.com/office/drawing/2014/main" id="{D3EC277A-E659-4F50-982D-4DA13018D635}"/>
-              </a:ext>
-            </a:extLst>
-          </p:cNvPr>
-          <p:cNvSpPr txBox="1"/>
-          <p:nvPr/>
-        </p:nvSpPr>
-        <p:spPr>
-          <a:xfrm>
-            <a:off x="2023154" y="5874898"/>
-            <a:ext cx="8579785" cy="369332"/>
-          </a:xfrm>
-          <a:prstGeom prst="rect">
-            <a:avLst/>
-          </a:prstGeom>
-          <a:noFill/>
-        </p:spPr>
-        <p:txBody>
-          <a:bodyPr wrap="none" rtlCol="0">
-            <a:spAutoFit/>
-          </a:bodyPr>
-          <a:lstStyle/>
-          <a:p>
-            <a:r>
-              <a:rPr lang="en-US" dirty="0">
-                <a:solidFill>
-                  <a:schemeClr val="bg1"/>
-                </a:solidFill>
-                <a:latin typeface="Cambria Math" panose="02040503050406030204" pitchFamily="18" charset="0"/>
-                <a:ea typeface="Cambria Math" panose="02040503050406030204" pitchFamily="18" charset="0"/>
-              </a:rPr>
-              <a:t>More information: https://en.wikipedia.org/wiki/Nelder%E2%80%93Mead_method</a:t>
+              <a:t>Are we out of luck?</a:t>
             </a:r>
           </a:p>
         </p:txBody>
@@ -3728,7 +3668,7 @@
     </p:spTree>
     <p:extLst>
       <p:ext uri="{BB962C8B-B14F-4D97-AF65-F5344CB8AC3E}">
-        <p14:creationId xmlns:p14="http://schemas.microsoft.com/office/powerpoint/2010/main" val="3874907669"/>
+        <p14:creationId xmlns:p14="http://schemas.microsoft.com/office/powerpoint/2010/main" val="1375302785"/>
       </p:ext>
     </p:extLst>
   </p:cSld>
@@ -3781,6 +3721,545 @@
         </p:nvSpPr>
         <p:spPr>
           <a:xfrm>
+            <a:off x="1524000" y="1122363"/>
+            <a:ext cx="9144000" cy="1922842"/>
+          </a:xfrm>
+        </p:spPr>
+        <p:txBody>
+          <a:bodyPr>
+            <a:normAutofit/>
+          </a:bodyPr>
+          <a:lstStyle/>
+          <a:p>
+            <a:r>
+              <a:rPr lang="en-US" dirty="0">
+                <a:solidFill>
+                  <a:schemeClr val="bg1"/>
+                </a:solidFill>
+                <a:latin typeface="Cambria Math" panose="02040503050406030204" pitchFamily="18" charset="0"/>
+                <a:ea typeface="Cambria Math" panose="02040503050406030204" pitchFamily="18" charset="0"/>
+              </a:rPr>
+              <a:t>A Jacobian Free Method:</a:t>
+            </a:r>
+            <a:br>
+              <a:rPr lang="en-US" dirty="0">
+                <a:solidFill>
+                  <a:schemeClr val="bg1"/>
+                </a:solidFill>
+                <a:latin typeface="Cambria Math" panose="02040503050406030204" pitchFamily="18" charset="0"/>
+                <a:ea typeface="Cambria Math" panose="02040503050406030204" pitchFamily="18" charset="0"/>
+              </a:rPr>
+            </a:br>
+            <a:r>
+              <a:rPr lang="en-US" dirty="0">
+                <a:solidFill>
+                  <a:schemeClr val="bg1"/>
+                </a:solidFill>
+                <a:latin typeface="Cambria Math" panose="02040503050406030204" pitchFamily="18" charset="0"/>
+                <a:ea typeface="Cambria Math" panose="02040503050406030204" pitchFamily="18" charset="0"/>
+              </a:rPr>
+              <a:t>Nelder-Mead</a:t>
+            </a:r>
+          </a:p>
+        </p:txBody>
+      </p:sp>
+      <p:sp>
+        <p:nvSpPr>
+          <p:cNvPr id="4" name="TextBox 3">
+            <a:extLst>
+              <a:ext uri="{FF2B5EF4-FFF2-40B4-BE49-F238E27FC236}">
+                <a16:creationId xmlns:a16="http://schemas.microsoft.com/office/drawing/2014/main" id="{46675484-E5FC-4A5F-B596-9D80FE1134EB}"/>
+              </a:ext>
+            </a:extLst>
+          </p:cNvPr>
+          <p:cNvSpPr txBox="1"/>
+          <p:nvPr/>
+        </p:nvSpPr>
+        <p:spPr>
+          <a:xfrm>
+            <a:off x="635723" y="3429000"/>
+            <a:ext cx="10315260" cy="2062103"/>
+          </a:xfrm>
+          <a:prstGeom prst="rect">
+            <a:avLst/>
+          </a:prstGeom>
+          <a:noFill/>
+        </p:spPr>
+        <p:txBody>
+          <a:bodyPr wrap="none" rtlCol="0">
+            <a:spAutoFit/>
+          </a:bodyPr>
+          <a:lstStyle/>
+          <a:p>
+            <a:r>
+              <a:rPr lang="en-US" sz="3200" dirty="0">
+                <a:solidFill>
+                  <a:schemeClr val="bg1"/>
+                </a:solidFill>
+                <a:latin typeface="Cambria Math" panose="02040503050406030204" pitchFamily="18" charset="0"/>
+                <a:ea typeface="Cambria Math" panose="02040503050406030204" pitchFamily="18" charset="0"/>
+              </a:rPr>
+              <a:t>Brief Description:</a:t>
+            </a:r>
+          </a:p>
+          <a:p>
+            <a:r>
+              <a:rPr lang="en-US" sz="3200" dirty="0">
+                <a:solidFill>
+                  <a:schemeClr val="bg1"/>
+                </a:solidFill>
+                <a:latin typeface="Cambria Math" panose="02040503050406030204" pitchFamily="18" charset="0"/>
+                <a:ea typeface="Cambria Math" panose="02040503050406030204" pitchFamily="18" charset="0"/>
+              </a:rPr>
+              <a:t>Finds local minima by rolling a simplex </a:t>
+            </a:r>
+          </a:p>
+          <a:p>
+            <a:r>
+              <a:rPr lang="en-US" sz="3200" dirty="0">
+                <a:solidFill>
+                  <a:schemeClr val="bg1"/>
+                </a:solidFill>
+                <a:latin typeface="Cambria Math" panose="02040503050406030204" pitchFamily="18" charset="0"/>
+                <a:ea typeface="Cambria Math" panose="02040503050406030204" pitchFamily="18" charset="0"/>
+              </a:rPr>
+              <a:t>(n-dimensional triangular structure) down to a minimum.</a:t>
+            </a:r>
+          </a:p>
+          <a:p>
+            <a:r>
+              <a:rPr lang="en-US" sz="3200" dirty="0">
+                <a:solidFill>
+                  <a:schemeClr val="bg1"/>
+                </a:solidFill>
+                <a:latin typeface="Cambria Math" panose="02040503050406030204" pitchFamily="18" charset="0"/>
+                <a:ea typeface="Cambria Math" panose="02040503050406030204" pitchFamily="18" charset="0"/>
+              </a:rPr>
+              <a:t>Also called amoeba method.</a:t>
+            </a:r>
+          </a:p>
+        </p:txBody>
+      </p:sp>
+      <p:sp>
+        <p:nvSpPr>
+          <p:cNvPr id="5" name="TextBox 4">
+            <a:extLst>
+              <a:ext uri="{FF2B5EF4-FFF2-40B4-BE49-F238E27FC236}">
+                <a16:creationId xmlns:a16="http://schemas.microsoft.com/office/drawing/2014/main" id="{D3EC277A-E659-4F50-982D-4DA13018D635}"/>
+              </a:ext>
+            </a:extLst>
+          </p:cNvPr>
+          <p:cNvSpPr txBox="1"/>
+          <p:nvPr/>
+        </p:nvSpPr>
+        <p:spPr>
+          <a:xfrm>
+            <a:off x="2023154" y="5874898"/>
+            <a:ext cx="8579785" cy="369332"/>
+          </a:xfrm>
+          <a:prstGeom prst="rect">
+            <a:avLst/>
+          </a:prstGeom>
+          <a:noFill/>
+        </p:spPr>
+        <p:txBody>
+          <a:bodyPr wrap="none" rtlCol="0">
+            <a:spAutoFit/>
+          </a:bodyPr>
+          <a:lstStyle/>
+          <a:p>
+            <a:r>
+              <a:rPr lang="en-US" dirty="0">
+                <a:solidFill>
+                  <a:schemeClr val="bg1"/>
+                </a:solidFill>
+                <a:latin typeface="Cambria Math" panose="02040503050406030204" pitchFamily="18" charset="0"/>
+                <a:ea typeface="Cambria Math" panose="02040503050406030204" pitchFamily="18" charset="0"/>
+              </a:rPr>
+              <a:t>More information: https://en.wikipedia.org/wiki/Nelder%E2%80%93Mead_method</a:t>
+            </a:r>
+          </a:p>
+        </p:txBody>
+      </p:sp>
+    </p:spTree>
+    <p:extLst>
+      <p:ext uri="{BB962C8B-B14F-4D97-AF65-F5344CB8AC3E}">
+        <p14:creationId xmlns:p14="http://schemas.microsoft.com/office/powerpoint/2010/main" val="3874907669"/>
+      </p:ext>
+    </p:extLst>
+  </p:cSld>
+  <p:clrMapOvr>
+    <a:masterClrMapping/>
+  </p:clrMapOvr>
+</p:sld>
+</file>
+
+<file path=ppt/slides/slide13.xml><?xml version="1.0" encoding="utf-8"?>
+<p:sld xmlns:a="http://schemas.openxmlformats.org/drawingml/2006/main" xmlns:r="http://schemas.openxmlformats.org/officeDocument/2006/relationships" xmlns:p="http://schemas.openxmlformats.org/presentationml/2006/main">
+  <p:cSld>
+    <p:bg>
+      <p:bgPr>
+        <a:solidFill>
+          <a:schemeClr val="tx1"/>
+        </a:solidFill>
+        <a:effectLst/>
+      </p:bgPr>
+    </p:bg>
+    <p:spTree>
+      <p:nvGrpSpPr>
+        <p:cNvPr id="1" name=""/>
+        <p:cNvGrpSpPr/>
+        <p:nvPr/>
+      </p:nvGrpSpPr>
+      <p:grpSpPr>
+        <a:xfrm>
+          <a:off x="0" y="0"/>
+          <a:ext cx="0" cy="0"/>
+          <a:chOff x="0" y="0"/>
+          <a:chExt cx="0" cy="0"/>
+        </a:xfrm>
+      </p:grpSpPr>
+      <p:sp>
+        <p:nvSpPr>
+          <p:cNvPr id="2" name="Title 1">
+            <a:extLst>
+              <a:ext uri="{FF2B5EF4-FFF2-40B4-BE49-F238E27FC236}">
+                <a16:creationId xmlns:a16="http://schemas.microsoft.com/office/drawing/2014/main" id="{2FA0B769-09AB-475D-BDC1-794AA9E07B30}"/>
+              </a:ext>
+            </a:extLst>
+          </p:cNvPr>
+          <p:cNvSpPr>
+            <a:spLocks noGrp="1"/>
+          </p:cNvSpPr>
+          <p:nvPr>
+            <p:ph type="ctrTitle"/>
+          </p:nvPr>
+        </p:nvSpPr>
+        <p:spPr>
+          <a:xfrm>
+            <a:off x="1524000" y="1122363"/>
+            <a:ext cx="9144000" cy="1260110"/>
+          </a:xfrm>
+        </p:spPr>
+        <p:txBody>
+          <a:bodyPr>
+            <a:normAutofit fontScale="90000"/>
+          </a:bodyPr>
+          <a:lstStyle/>
+          <a:p>
+            <a:br>
+              <a:rPr lang="en-US" dirty="0">
+                <a:solidFill>
+                  <a:schemeClr val="bg1"/>
+                </a:solidFill>
+                <a:latin typeface="Cambria Math" panose="02040503050406030204" pitchFamily="18" charset="0"/>
+                <a:ea typeface="Cambria Math" panose="02040503050406030204" pitchFamily="18" charset="0"/>
+              </a:rPr>
+            </a:br>
+            <a:r>
+              <a:rPr lang="en-US" dirty="0">
+                <a:solidFill>
+                  <a:schemeClr val="bg1"/>
+                </a:solidFill>
+                <a:latin typeface="Cambria Math" panose="02040503050406030204" pitchFamily="18" charset="0"/>
+                <a:ea typeface="Cambria Math" panose="02040503050406030204" pitchFamily="18" charset="0"/>
+              </a:rPr>
+              <a:t>Nelder-Mead</a:t>
+            </a:r>
+          </a:p>
+        </p:txBody>
+      </p:sp>
+      <p:sp>
+        <p:nvSpPr>
+          <p:cNvPr id="4" name="TextBox 3">
+            <a:extLst>
+              <a:ext uri="{FF2B5EF4-FFF2-40B4-BE49-F238E27FC236}">
+                <a16:creationId xmlns:a16="http://schemas.microsoft.com/office/drawing/2014/main" id="{46675484-E5FC-4A5F-B596-9D80FE1134EB}"/>
+              </a:ext>
+            </a:extLst>
+          </p:cNvPr>
+          <p:cNvSpPr txBox="1"/>
+          <p:nvPr/>
+        </p:nvSpPr>
+        <p:spPr>
+          <a:xfrm>
+            <a:off x="4272616" y="3429000"/>
+            <a:ext cx="3646768" cy="584775"/>
+          </a:xfrm>
+          <a:prstGeom prst="rect">
+            <a:avLst/>
+          </a:prstGeom>
+          <a:noFill/>
+        </p:spPr>
+        <p:txBody>
+          <a:bodyPr wrap="none" rtlCol="0">
+            <a:spAutoFit/>
+          </a:bodyPr>
+          <a:lstStyle/>
+          <a:p>
+            <a:r>
+              <a:rPr lang="en-US" sz="3200" dirty="0">
+                <a:solidFill>
+                  <a:schemeClr val="bg1"/>
+                </a:solidFill>
+                <a:latin typeface="Cambria Math" panose="02040503050406030204" pitchFamily="18" charset="0"/>
+                <a:ea typeface="Cambria Math" panose="02040503050406030204" pitchFamily="18" charset="0"/>
+              </a:rPr>
+              <a:t>Not  very effective…</a:t>
+            </a:r>
+          </a:p>
+        </p:txBody>
+      </p:sp>
+      <p:sp>
+        <p:nvSpPr>
+          <p:cNvPr id="5" name="TextBox 4">
+            <a:extLst>
+              <a:ext uri="{FF2B5EF4-FFF2-40B4-BE49-F238E27FC236}">
+                <a16:creationId xmlns:a16="http://schemas.microsoft.com/office/drawing/2014/main" id="{D3EC277A-E659-4F50-982D-4DA13018D635}"/>
+              </a:ext>
+            </a:extLst>
+          </p:cNvPr>
+          <p:cNvSpPr txBox="1"/>
+          <p:nvPr/>
+        </p:nvSpPr>
+        <p:spPr>
+          <a:xfrm>
+            <a:off x="2023154" y="5874898"/>
+            <a:ext cx="8579785" cy="369332"/>
+          </a:xfrm>
+          <a:prstGeom prst="rect">
+            <a:avLst/>
+          </a:prstGeom>
+          <a:noFill/>
+        </p:spPr>
+        <p:txBody>
+          <a:bodyPr wrap="none" rtlCol="0">
+            <a:spAutoFit/>
+          </a:bodyPr>
+          <a:lstStyle/>
+          <a:p>
+            <a:r>
+              <a:rPr lang="en-US" dirty="0">
+                <a:solidFill>
+                  <a:schemeClr val="bg1"/>
+                </a:solidFill>
+                <a:latin typeface="Cambria Math" panose="02040503050406030204" pitchFamily="18" charset="0"/>
+                <a:ea typeface="Cambria Math" panose="02040503050406030204" pitchFamily="18" charset="0"/>
+              </a:rPr>
+              <a:t>More information: https://en.wikipedia.org/wiki/Nelder%E2%80%93Mead_method</a:t>
+            </a:r>
+          </a:p>
+        </p:txBody>
+      </p:sp>
+    </p:spTree>
+    <p:extLst>
+      <p:ext uri="{BB962C8B-B14F-4D97-AF65-F5344CB8AC3E}">
+        <p14:creationId xmlns:p14="http://schemas.microsoft.com/office/powerpoint/2010/main" val="324674349"/>
+      </p:ext>
+    </p:extLst>
+  </p:cSld>
+  <p:clrMapOvr>
+    <a:masterClrMapping/>
+  </p:clrMapOvr>
+</p:sld>
+</file>
+
+<file path=ppt/slides/slide14.xml><?xml version="1.0" encoding="utf-8"?>
+<p:sld xmlns:a="http://schemas.openxmlformats.org/drawingml/2006/main" xmlns:r="http://schemas.openxmlformats.org/officeDocument/2006/relationships" xmlns:p="http://schemas.openxmlformats.org/presentationml/2006/main">
+  <p:cSld>
+    <p:bg>
+      <p:bgPr>
+        <a:solidFill>
+          <a:schemeClr val="tx1"/>
+        </a:solidFill>
+        <a:effectLst/>
+      </p:bgPr>
+    </p:bg>
+    <p:spTree>
+      <p:nvGrpSpPr>
+        <p:cNvPr id="1" name=""/>
+        <p:cNvGrpSpPr/>
+        <p:nvPr/>
+      </p:nvGrpSpPr>
+      <p:grpSpPr>
+        <a:xfrm>
+          <a:off x="0" y="0"/>
+          <a:ext cx="0" cy="0"/>
+          <a:chOff x="0" y="0"/>
+          <a:chExt cx="0" cy="0"/>
+        </a:xfrm>
+      </p:grpSpPr>
+      <p:sp>
+        <p:nvSpPr>
+          <p:cNvPr id="2" name="Title 1">
+            <a:extLst>
+              <a:ext uri="{FF2B5EF4-FFF2-40B4-BE49-F238E27FC236}">
+                <a16:creationId xmlns:a16="http://schemas.microsoft.com/office/drawing/2014/main" id="{2FA0B769-09AB-475D-BDC1-794AA9E07B30}"/>
+              </a:ext>
+            </a:extLst>
+          </p:cNvPr>
+          <p:cNvSpPr>
+            <a:spLocks noGrp="1"/>
+          </p:cNvSpPr>
+          <p:nvPr>
+            <p:ph type="ctrTitle"/>
+          </p:nvPr>
+        </p:nvSpPr>
+        <p:spPr>
+          <a:xfrm>
+            <a:off x="1524000" y="1122363"/>
+            <a:ext cx="9144000" cy="1922842"/>
+          </a:xfrm>
+        </p:spPr>
+        <p:txBody>
+          <a:bodyPr>
+            <a:normAutofit/>
+          </a:bodyPr>
+          <a:lstStyle/>
+          <a:p>
+            <a:r>
+              <a:rPr lang="en-US" dirty="0">
+                <a:solidFill>
+                  <a:schemeClr val="bg1"/>
+                </a:solidFill>
+                <a:latin typeface="Cambria Math" panose="02040503050406030204" pitchFamily="18" charset="0"/>
+                <a:ea typeface="Cambria Math" panose="02040503050406030204" pitchFamily="18" charset="0"/>
+              </a:rPr>
+              <a:t>Steepest descent with Weakest Line Search:</a:t>
+            </a:r>
+          </a:p>
+        </p:txBody>
+      </p:sp>
+      <p:sp>
+        <p:nvSpPr>
+          <p:cNvPr id="4" name="TextBox 3">
+            <a:extLst>
+              <a:ext uri="{FF2B5EF4-FFF2-40B4-BE49-F238E27FC236}">
+                <a16:creationId xmlns:a16="http://schemas.microsoft.com/office/drawing/2014/main" id="{46675484-E5FC-4A5F-B596-9D80FE1134EB}"/>
+              </a:ext>
+            </a:extLst>
+          </p:cNvPr>
+          <p:cNvSpPr txBox="1"/>
+          <p:nvPr/>
+        </p:nvSpPr>
+        <p:spPr>
+          <a:xfrm>
+            <a:off x="1855301" y="3429000"/>
+            <a:ext cx="9388468" cy="1569660"/>
+          </a:xfrm>
+          <a:prstGeom prst="rect">
+            <a:avLst/>
+          </a:prstGeom>
+          <a:noFill/>
+        </p:spPr>
+        <p:txBody>
+          <a:bodyPr wrap="none" rtlCol="0">
+            <a:spAutoFit/>
+          </a:bodyPr>
+          <a:lstStyle/>
+          <a:p>
+            <a:r>
+              <a:rPr lang="en-US" sz="3200" dirty="0">
+                <a:solidFill>
+                  <a:schemeClr val="bg1"/>
+                </a:solidFill>
+                <a:latin typeface="Cambria Math" panose="02040503050406030204" pitchFamily="18" charset="0"/>
+                <a:ea typeface="Cambria Math" panose="02040503050406030204" pitchFamily="18" charset="0"/>
+              </a:rPr>
+              <a:t>Fails to:</a:t>
+            </a:r>
+          </a:p>
+          <a:p>
+            <a:pPr marL="514350" indent="-514350">
+              <a:buFont typeface="+mj-lt"/>
+              <a:buAutoNum type="arabicPeriod"/>
+            </a:pPr>
+            <a:r>
+              <a:rPr lang="en-US" sz="3200" dirty="0">
+                <a:solidFill>
+                  <a:schemeClr val="bg1"/>
+                </a:solidFill>
+                <a:latin typeface="Cambria Math" panose="02040503050406030204" pitchFamily="18" charset="0"/>
+                <a:ea typeface="Cambria Math" panose="02040503050406030204" pitchFamily="18" charset="0"/>
+              </a:rPr>
+              <a:t>Find the minimum structure for even very small n</a:t>
+            </a:r>
+          </a:p>
+          <a:p>
+            <a:pPr marL="514350" indent="-514350">
+              <a:buFont typeface="+mj-lt"/>
+              <a:buAutoNum type="arabicPeriod"/>
+            </a:pPr>
+            <a:r>
+              <a:rPr lang="en-US" sz="3200" dirty="0">
+                <a:solidFill>
+                  <a:schemeClr val="bg1"/>
+                </a:solidFill>
+                <a:latin typeface="Cambria Math" panose="02040503050406030204" pitchFamily="18" charset="0"/>
+                <a:ea typeface="Cambria Math" panose="02040503050406030204" pitchFamily="18" charset="0"/>
+              </a:rPr>
+              <a:t>Do so in a reasonable amount of time…</a:t>
+            </a:r>
+            <a:endParaRPr lang="en-US" sz="3200" dirty="0"/>
+          </a:p>
+        </p:txBody>
+      </p:sp>
+    </p:spTree>
+    <p:extLst>
+      <p:ext uri="{BB962C8B-B14F-4D97-AF65-F5344CB8AC3E}">
+        <p14:creationId xmlns:p14="http://schemas.microsoft.com/office/powerpoint/2010/main" val="2250459247"/>
+      </p:ext>
+    </p:extLst>
+  </p:cSld>
+  <p:clrMapOvr>
+    <a:masterClrMapping/>
+  </p:clrMapOvr>
+</p:sld>
+</file>
+
+<file path=ppt/slides/slide15.xml><?xml version="1.0" encoding="utf-8"?>
+<p:sld xmlns:a="http://schemas.openxmlformats.org/drawingml/2006/main" xmlns:r="http://schemas.openxmlformats.org/officeDocument/2006/relationships" xmlns:p="http://schemas.openxmlformats.org/presentationml/2006/main">
+  <p:cSld>
+    <p:bg>
+      <p:bgPr>
+        <a:solidFill>
+          <a:schemeClr val="tx1"/>
+        </a:solidFill>
+        <a:effectLst/>
+      </p:bgPr>
+    </p:bg>
+    <p:spTree>
+      <p:nvGrpSpPr>
+        <p:cNvPr id="1" name=""/>
+        <p:cNvGrpSpPr/>
+        <p:nvPr/>
+      </p:nvGrpSpPr>
+      <p:grpSpPr>
+        <a:xfrm>
+          <a:off x="0" y="0"/>
+          <a:ext cx="0" cy="0"/>
+          <a:chOff x="0" y="0"/>
+          <a:chExt cx="0" cy="0"/>
+        </a:xfrm>
+      </p:grpSpPr>
+      <p:sp>
+        <p:nvSpPr>
+          <p:cNvPr id="2" name="Title 1">
+            <a:extLst>
+              <a:ext uri="{FF2B5EF4-FFF2-40B4-BE49-F238E27FC236}">
+                <a16:creationId xmlns:a16="http://schemas.microsoft.com/office/drawing/2014/main" id="{2FA0B769-09AB-475D-BDC1-794AA9E07B30}"/>
+              </a:ext>
+            </a:extLst>
+          </p:cNvPr>
+          <p:cNvSpPr>
+            <a:spLocks noGrp="1"/>
+          </p:cNvSpPr>
+          <p:nvPr>
+            <p:ph type="ctrTitle"/>
+          </p:nvPr>
+        </p:nvSpPr>
+        <p:spPr>
+          <a:xfrm>
             <a:off x="1539551" y="357252"/>
             <a:ext cx="9144000" cy="1098323"/>
           </a:xfrm>
@@ -3936,7 +4415,7 @@
 </p:sld>
 </file>
 
-<file path=ppt/slides/slide13.xml><?xml version="1.0" encoding="utf-8"?>
+<file path=ppt/slides/slide16.xml><?xml version="1.0" encoding="utf-8"?>
 <p:sld xmlns:a="http://schemas.openxmlformats.org/drawingml/2006/main" xmlns:r="http://schemas.openxmlformats.org/officeDocument/2006/relationships" xmlns:p="http://schemas.openxmlformats.org/presentationml/2006/main">
   <p:cSld>
     <p:bg>
@@ -4301,233 +4780,6 @@
 </p:sld>
 </file>
 
-<file path=ppt/slides/slide14.xml><?xml version="1.0" encoding="utf-8"?>
-<p:sld xmlns:a="http://schemas.openxmlformats.org/drawingml/2006/main" xmlns:r="http://schemas.openxmlformats.org/officeDocument/2006/relationships" xmlns:p="http://schemas.openxmlformats.org/presentationml/2006/main">
-  <p:cSld>
-    <p:bg>
-      <p:bgPr>
-        <a:solidFill>
-          <a:schemeClr val="tx1"/>
-        </a:solidFill>
-        <a:effectLst/>
-      </p:bgPr>
-    </p:bg>
-    <p:spTree>
-      <p:nvGrpSpPr>
-        <p:cNvPr id="1" name=""/>
-        <p:cNvGrpSpPr/>
-        <p:nvPr/>
-      </p:nvGrpSpPr>
-      <p:grpSpPr>
-        <a:xfrm>
-          <a:off x="0" y="0"/>
-          <a:ext cx="0" cy="0"/>
-          <a:chOff x="0" y="0"/>
-          <a:chExt cx="0" cy="0"/>
-        </a:xfrm>
-      </p:grpSpPr>
-      <p:sp>
-        <p:nvSpPr>
-          <p:cNvPr id="2" name="Title 1">
-            <a:extLst>
-              <a:ext uri="{FF2B5EF4-FFF2-40B4-BE49-F238E27FC236}">
-                <a16:creationId xmlns:a16="http://schemas.microsoft.com/office/drawing/2014/main" id="{2FA0B769-09AB-475D-BDC1-794AA9E07B30}"/>
-              </a:ext>
-            </a:extLst>
-          </p:cNvPr>
-          <p:cNvSpPr>
-            <a:spLocks noGrp="1"/>
-          </p:cNvSpPr>
-          <p:nvPr>
-            <p:ph type="ctrTitle"/>
-          </p:nvPr>
-        </p:nvSpPr>
-        <p:spPr>
-          <a:xfrm>
-            <a:off x="1457325" y="0"/>
-            <a:ext cx="9144000" cy="4057650"/>
-          </a:xfrm>
-        </p:spPr>
-        <p:txBody>
-          <a:bodyPr>
-            <a:normAutofit/>
-          </a:bodyPr>
-          <a:lstStyle/>
-          <a:p>
-            <a:r>
-              <a:rPr lang="en-US" sz="8000" dirty="0">
-                <a:solidFill>
-                  <a:schemeClr val="bg1"/>
-                </a:solidFill>
-                <a:latin typeface="Cambria Math" panose="02040503050406030204" pitchFamily="18" charset="0"/>
-                <a:ea typeface="Cambria Math" panose="02040503050406030204" pitchFamily="18" charset="0"/>
-              </a:rPr>
-              <a:t>Euler’s Method</a:t>
-            </a:r>
-          </a:p>
-        </p:txBody>
-      </p:sp>
-    </p:spTree>
-    <p:extLst>
-      <p:ext uri="{BB962C8B-B14F-4D97-AF65-F5344CB8AC3E}">
-        <p14:creationId xmlns:p14="http://schemas.microsoft.com/office/powerpoint/2010/main" val="1025269765"/>
-      </p:ext>
-    </p:extLst>
-  </p:cSld>
-  <p:clrMapOvr>
-    <a:masterClrMapping/>
-  </p:clrMapOvr>
-</p:sld>
-</file>
-
-<file path=ppt/slides/slide15.xml><?xml version="1.0" encoding="utf-8"?>
-<p:sld xmlns:a="http://schemas.openxmlformats.org/drawingml/2006/main" xmlns:r="http://schemas.openxmlformats.org/officeDocument/2006/relationships" xmlns:p="http://schemas.openxmlformats.org/presentationml/2006/main">
-  <p:cSld>
-    <p:bg>
-      <p:bgPr>
-        <a:solidFill>
-          <a:schemeClr val="tx1"/>
-        </a:solidFill>
-        <a:effectLst/>
-      </p:bgPr>
-    </p:bg>
-    <p:spTree>
-      <p:nvGrpSpPr>
-        <p:cNvPr id="1" name=""/>
-        <p:cNvGrpSpPr/>
-        <p:nvPr/>
-      </p:nvGrpSpPr>
-      <p:grpSpPr>
-        <a:xfrm>
-          <a:off x="0" y="0"/>
-          <a:ext cx="0" cy="0"/>
-          <a:chOff x="0" y="0"/>
-          <a:chExt cx="0" cy="0"/>
-        </a:xfrm>
-      </p:grpSpPr>
-      <p:pic>
-        <p:nvPicPr>
-          <p:cNvPr id="6" name="Picture 5">
-            <a:extLst>
-              <a:ext uri="{FF2B5EF4-FFF2-40B4-BE49-F238E27FC236}">
-                <a16:creationId xmlns:a16="http://schemas.microsoft.com/office/drawing/2014/main" id="{D4D3DB43-E7F6-42EF-8EB2-0C66DAAEF0D4}"/>
-              </a:ext>
-            </a:extLst>
-          </p:cNvPr>
-          <p:cNvPicPr>
-            <a:picLocks noChangeAspect="1"/>
-          </p:cNvPicPr>
-          <p:nvPr/>
-        </p:nvPicPr>
-        <p:blipFill>
-          <a:blip r:embed="rId2">
-            <a:extLst>
-              <a:ext uri="{28A0092B-C50C-407E-A947-70E740481C1C}">
-                <a14:useLocalDpi xmlns:a14="http://schemas.microsoft.com/office/drawing/2010/main" val="0"/>
-              </a:ext>
-            </a:extLst>
-          </a:blip>
-          <a:stretch>
-            <a:fillRect/>
-          </a:stretch>
-        </p:blipFill>
-        <p:spPr>
-          <a:xfrm>
-            <a:off x="1614196" y="76339"/>
-            <a:ext cx="8619568" cy="6464676"/>
-          </a:xfrm>
-          <a:prstGeom prst="rect">
-            <a:avLst/>
-          </a:prstGeom>
-        </p:spPr>
-      </p:pic>
-    </p:spTree>
-    <p:extLst>
-      <p:ext uri="{BB962C8B-B14F-4D97-AF65-F5344CB8AC3E}">
-        <p14:creationId xmlns:p14="http://schemas.microsoft.com/office/powerpoint/2010/main" val="4179417363"/>
-      </p:ext>
-    </p:extLst>
-  </p:cSld>
-  <p:clrMapOvr>
-    <a:masterClrMapping/>
-  </p:clrMapOvr>
-</p:sld>
-</file>
-
-<file path=ppt/slides/slide16.xml><?xml version="1.0" encoding="utf-8"?>
-<p:sld xmlns:a="http://schemas.openxmlformats.org/drawingml/2006/main" xmlns:r="http://schemas.openxmlformats.org/officeDocument/2006/relationships" xmlns:p="http://schemas.openxmlformats.org/presentationml/2006/main">
-  <p:cSld>
-    <p:bg>
-      <p:bgPr>
-        <a:solidFill>
-          <a:schemeClr val="tx1"/>
-        </a:solidFill>
-        <a:effectLst/>
-      </p:bgPr>
-    </p:bg>
-    <p:spTree>
-      <p:nvGrpSpPr>
-        <p:cNvPr id="1" name=""/>
-        <p:cNvGrpSpPr/>
-        <p:nvPr/>
-      </p:nvGrpSpPr>
-      <p:grpSpPr>
-        <a:xfrm>
-          <a:off x="0" y="0"/>
-          <a:ext cx="0" cy="0"/>
-          <a:chOff x="0" y="0"/>
-          <a:chExt cx="0" cy="0"/>
-        </a:xfrm>
-      </p:grpSpPr>
-      <p:pic>
-        <p:nvPicPr>
-          <p:cNvPr id="6" name="Picture 5">
-            <a:extLst>
-              <a:ext uri="{FF2B5EF4-FFF2-40B4-BE49-F238E27FC236}">
-                <a16:creationId xmlns:a16="http://schemas.microsoft.com/office/drawing/2014/main" id="{D4D3DB43-E7F6-42EF-8EB2-0C66DAAEF0D4}"/>
-              </a:ext>
-            </a:extLst>
-          </p:cNvPr>
-          <p:cNvPicPr>
-            <a:picLocks noChangeAspect="1"/>
-          </p:cNvPicPr>
-          <p:nvPr/>
-        </p:nvPicPr>
-        <p:blipFill>
-          <a:blip r:embed="rId2">
-            <a:extLst>
-              <a:ext uri="{28A0092B-C50C-407E-A947-70E740481C1C}">
-                <a14:useLocalDpi xmlns:a14="http://schemas.microsoft.com/office/drawing/2010/main" val="0"/>
-              </a:ext>
-            </a:extLst>
-          </a:blip>
-          <a:stretch>
-            <a:fillRect/>
-          </a:stretch>
-        </p:blipFill>
-        <p:spPr>
-          <a:xfrm>
-            <a:off x="1614196" y="76339"/>
-            <a:ext cx="8619568" cy="6464676"/>
-          </a:xfrm>
-          <a:prstGeom prst="rect">
-            <a:avLst/>
-          </a:prstGeom>
-        </p:spPr>
-      </p:pic>
-    </p:spTree>
-    <p:extLst>
-      <p:ext uri="{BB962C8B-B14F-4D97-AF65-F5344CB8AC3E}">
-        <p14:creationId xmlns:p14="http://schemas.microsoft.com/office/powerpoint/2010/main" val="119168463"/>
-      </p:ext>
-    </p:extLst>
-  </p:cSld>
-  <p:clrMapOvr>
-    <a:masterClrMapping/>
-  </p:clrMapOvr>
-</p:sld>
-</file>
-
 <file path=ppt/slides/slide17.xml><?xml version="1.0" encoding="utf-8"?>
 <p:sld xmlns:a="http://schemas.openxmlformats.org/drawingml/2006/main" xmlns:r="http://schemas.openxmlformats.org/officeDocument/2006/relationships" xmlns:p="http://schemas.openxmlformats.org/presentationml/2006/main">
   <p:cSld>
@@ -4589,27 +4841,7 @@
                 <a:latin typeface="Cambria Math" panose="02040503050406030204" pitchFamily="18" charset="0"/>
                 <a:ea typeface="Cambria Math" panose="02040503050406030204" pitchFamily="18" charset="0"/>
               </a:rPr>
-              <a:t>Runge-</a:t>
-            </a:r>
-            <a:r>
-              <a:rPr lang="en-US" sz="8000" dirty="0" err="1">
-                <a:solidFill>
-                  <a:schemeClr val="bg1"/>
-                </a:solidFill>
-                <a:latin typeface="Cambria Math" panose="02040503050406030204" pitchFamily="18" charset="0"/>
-                <a:ea typeface="Cambria Math" panose="02040503050406030204" pitchFamily="18" charset="0"/>
-              </a:rPr>
-              <a:t>Kutta</a:t>
-            </a:r>
-            <a:r>
-              <a:rPr lang="en-US" sz="8000" dirty="0">
-                <a:solidFill>
-                  <a:schemeClr val="bg1"/>
-                </a:solidFill>
-                <a:latin typeface="Cambria Math" panose="02040503050406030204" pitchFamily="18" charset="0"/>
-                <a:ea typeface="Cambria Math" panose="02040503050406030204" pitchFamily="18" charset="0"/>
-              </a:rPr>
-              <a:t> 4</a:t>
+              <a:t>Euler’s Method</a:t>
             </a:r>
           </a:p>
         </p:txBody>
@@ -4617,7 +4849,7 @@
     </p:spTree>
     <p:extLst>
       <p:ext uri="{BB962C8B-B14F-4D97-AF65-F5344CB8AC3E}">
-        <p14:creationId xmlns:p14="http://schemas.microsoft.com/office/powerpoint/2010/main" val="3559297031"/>
+        <p14:creationId xmlns:p14="http://schemas.microsoft.com/office/powerpoint/2010/main" val="1025269765"/>
       </p:ext>
     </p:extLst>
   </p:cSld>
@@ -4691,7 +4923,7 @@
     </p:spTree>
     <p:extLst>
       <p:ext uri="{BB962C8B-B14F-4D97-AF65-F5344CB8AC3E}">
-        <p14:creationId xmlns:p14="http://schemas.microsoft.com/office/powerpoint/2010/main" val="2233843294"/>
+        <p14:creationId xmlns:p14="http://schemas.microsoft.com/office/powerpoint/2010/main" val="4179417363"/>
       </p:ext>
     </p:extLst>
   </p:cSld>
@@ -4765,7 +4997,7 @@
     </p:spTree>
     <p:extLst>
       <p:ext uri="{BB962C8B-B14F-4D97-AF65-F5344CB8AC3E}">
-        <p14:creationId xmlns:p14="http://schemas.microsoft.com/office/powerpoint/2010/main" val="1259508564"/>
+        <p14:creationId xmlns:p14="http://schemas.microsoft.com/office/powerpoint/2010/main" val="119168463"/>
       </p:ext>
     </p:extLst>
   </p:cSld>
@@ -4962,260 +5194,55 @@
             <p:ph type="ctrTitle"/>
           </p:nvPr>
         </p:nvSpPr>
-        <p:spPr/>
-        <p:txBody>
-          <a:bodyPr/>
-          <a:lstStyle/>
-          <a:p>
-            <a:r>
-              <a:rPr lang="en-US" dirty="0">
-                <a:solidFill>
-                  <a:schemeClr val="bg1"/>
-                </a:solidFill>
-              </a:rPr>
-              <a:t>Things that didn’t work…</a:t>
-            </a:r>
-          </a:p>
-        </p:txBody>
-      </p:sp>
-      <p:sp>
-        <p:nvSpPr>
-          <p:cNvPr id="3" name="Subtitle 2">
-            <a:extLst>
-              <a:ext uri="{FF2B5EF4-FFF2-40B4-BE49-F238E27FC236}">
-                <a16:creationId xmlns:a16="http://schemas.microsoft.com/office/drawing/2014/main" id="{CF850071-BBB8-47D9-8794-1C1655299F1D}"/>
-              </a:ext>
-            </a:extLst>
-          </p:cNvPr>
-          <p:cNvSpPr>
-            <a:spLocks noGrp="1"/>
-          </p:cNvSpPr>
-          <p:nvPr>
-            <p:ph type="subTitle" idx="1"/>
-          </p:nvPr>
-        </p:nvSpPr>
         <p:spPr>
           <a:xfrm>
-            <a:off x="1524000" y="3602037"/>
-            <a:ext cx="9144000" cy="2789431"/>
+            <a:off x="1457325" y="0"/>
+            <a:ext cx="9144000" cy="4057650"/>
           </a:xfrm>
         </p:spPr>
         <p:txBody>
-          <a:bodyPr/>
+          <a:bodyPr>
+            <a:normAutofit/>
+          </a:bodyPr>
           <a:lstStyle/>
           <a:p>
             <a:r>
-              <a:rPr lang="en-US" dirty="0">
-                <a:solidFill>
-                  <a:schemeClr val="bg1"/>
-                </a:solidFill>
-              </a:rPr>
-              <a:t>Backwards </a:t>
-            </a:r>
-            <a:r>
-              <a:rPr lang="en-US" dirty="0" err="1">
-                <a:solidFill>
-                  <a:schemeClr val="bg1"/>
-                </a:solidFill>
-              </a:rPr>
-              <a:t>Eulers</a:t>
-            </a:r>
-            <a:r>
-              <a:rPr lang="en-US" dirty="0">
-                <a:solidFill>
-                  <a:schemeClr val="bg1"/>
-                </a:solidFill>
-              </a:rPr>
-              <a:t> (Newton’s method failed to converge)</a:t>
-            </a:r>
-          </a:p>
-          <a:p>
-            <a:r>
-              <a:rPr lang="en-US" dirty="0">
-                <a:solidFill>
-                  <a:schemeClr val="bg1"/>
-                </a:solidFill>
-              </a:rPr>
-              <a:t>Predictor corrector (</a:t>
-            </a:r>
-            <a:r>
-              <a:rPr lang="en-US" dirty="0" err="1">
-                <a:solidFill>
-                  <a:schemeClr val="bg1"/>
-                </a:solidFill>
-              </a:rPr>
-              <a:t>adams</a:t>
-            </a:r>
-            <a:r>
-              <a:rPr lang="en-US" dirty="0">
-                <a:solidFill>
-                  <a:schemeClr val="bg1"/>
-                </a:solidFill>
-              </a:rPr>
-              <a:t> </a:t>
-            </a:r>
-            <a:r>
-              <a:rPr lang="en-US" dirty="0" err="1">
-                <a:solidFill>
-                  <a:schemeClr val="bg1"/>
-                </a:solidFill>
-              </a:rPr>
-              <a:t>bashforth</a:t>
-            </a:r>
-            <a:r>
-              <a:rPr lang="en-US" dirty="0">
-                <a:solidFill>
-                  <a:schemeClr val="bg1"/>
-                </a:solidFill>
-              </a:rPr>
-              <a:t>/</a:t>
-            </a:r>
-            <a:r>
-              <a:rPr lang="en-US" dirty="0" err="1">
-                <a:solidFill>
-                  <a:schemeClr val="bg1"/>
-                </a:solidFill>
-              </a:rPr>
-              <a:t>moulton</a:t>
-            </a:r>
-            <a:r>
-              <a:rPr lang="en-US" dirty="0">
-                <a:solidFill>
-                  <a:schemeClr val="bg1"/>
-                </a:solidFill>
+              <a:rPr lang="en-US" sz="8000" dirty="0">
+                <a:solidFill>
+                  <a:schemeClr val="bg1"/>
+                </a:solidFill>
+                <a:latin typeface="Cambria Math" panose="02040503050406030204" pitchFamily="18" charset="0"/>
+                <a:ea typeface="Cambria Math" panose="02040503050406030204" pitchFamily="18" charset="0"/>
+              </a:rPr>
+              <a:t>Runge-</a:t>
+            </a:r>
+            <a:r>
+              <a:rPr lang="en-US" sz="8000" dirty="0" err="1">
+                <a:solidFill>
+                  <a:schemeClr val="bg1"/>
+                </a:solidFill>
+                <a:latin typeface="Cambria Math" panose="02040503050406030204" pitchFamily="18" charset="0"/>
+                <a:ea typeface="Cambria Math" panose="02040503050406030204" pitchFamily="18" charset="0"/>
+              </a:rPr>
+              <a:t>Kutta</a:t>
+            </a:r>
+            <a:r>
+              <a:rPr lang="en-US" sz="8000" dirty="0">
+                <a:solidFill>
+                  <a:schemeClr val="bg1"/>
+                </a:solidFill>
+                <a:latin typeface="Cambria Math" panose="02040503050406030204" pitchFamily="18" charset="0"/>
+                <a:ea typeface="Cambria Math" panose="02040503050406030204" pitchFamily="18" charset="0"/>
               </a:rPr>
               <a:t> 4</a:t>
             </a:r>
-            <a:r>
-              <a:rPr lang="en-US" baseline="30000" dirty="0">
-                <a:solidFill>
-                  <a:schemeClr val="bg1"/>
-                </a:solidFill>
-              </a:rPr>
-              <a:t>th</a:t>
-            </a:r>
-            <a:r>
-              <a:rPr lang="en-US" dirty="0">
-                <a:solidFill>
-                  <a:schemeClr val="bg1"/>
-                </a:solidFill>
-              </a:rPr>
-              <a:t> order)</a:t>
-            </a:r>
-          </a:p>
-          <a:p>
-            <a:r>
-              <a:rPr lang="en-US" dirty="0">
-                <a:solidFill>
-                  <a:schemeClr val="bg1"/>
-                </a:solidFill>
-              </a:rPr>
-              <a:t>Adams </a:t>
-            </a:r>
-            <a:r>
-              <a:rPr lang="en-US" dirty="0" err="1">
-                <a:solidFill>
-                  <a:schemeClr val="bg1"/>
-                </a:solidFill>
-              </a:rPr>
-              <a:t>bashforth</a:t>
-            </a:r>
-            <a:endParaRPr lang="en-US" dirty="0">
-              <a:solidFill>
-                <a:schemeClr val="bg1"/>
-              </a:solidFill>
-            </a:endParaRPr>
-          </a:p>
-          <a:p>
-            <a:r>
-              <a:rPr lang="en-US" dirty="0">
-                <a:solidFill>
-                  <a:schemeClr val="bg1"/>
-                </a:solidFill>
-              </a:rPr>
-              <a:t>Rearranging pc4</a:t>
-            </a:r>
-          </a:p>
-          <a:p>
-            <a:r>
-              <a:rPr lang="en-US" dirty="0">
-                <a:solidFill>
-                  <a:schemeClr val="bg1"/>
-                </a:solidFill>
-              </a:rPr>
-              <a:t>Predictor corrector 2</a:t>
-            </a:r>
-            <a:r>
-              <a:rPr lang="en-US" baseline="30000" dirty="0">
-                <a:solidFill>
-                  <a:schemeClr val="bg1"/>
-                </a:solidFill>
-              </a:rPr>
-              <a:t>nd</a:t>
-            </a:r>
-            <a:r>
-              <a:rPr lang="en-US" dirty="0">
-                <a:solidFill>
-                  <a:schemeClr val="bg1"/>
-                </a:solidFill>
-              </a:rPr>
-              <a:t> order </a:t>
-            </a:r>
-            <a:r>
-              <a:rPr lang="en-US" dirty="0" err="1">
-                <a:solidFill>
-                  <a:schemeClr val="bg1"/>
-                </a:solidFill>
-              </a:rPr>
-              <a:t>adams</a:t>
-            </a:r>
-            <a:r>
-              <a:rPr lang="en-US" dirty="0">
-                <a:solidFill>
-                  <a:schemeClr val="bg1"/>
-                </a:solidFill>
-              </a:rPr>
-              <a:t> </a:t>
-            </a:r>
-            <a:r>
-              <a:rPr lang="en-US" dirty="0" err="1">
-                <a:solidFill>
-                  <a:schemeClr val="bg1"/>
-                </a:solidFill>
-              </a:rPr>
-              <a:t>bashforth</a:t>
-            </a:r>
-            <a:r>
-              <a:rPr lang="en-US" dirty="0">
-                <a:solidFill>
-                  <a:schemeClr val="bg1"/>
-                </a:solidFill>
-              </a:rPr>
-              <a:t>/ </a:t>
-            </a:r>
-            <a:r>
-              <a:rPr lang="en-US" dirty="0" err="1">
-                <a:solidFill>
-                  <a:schemeClr val="bg1"/>
-                </a:solidFill>
-              </a:rPr>
-              <a:t>moulton</a:t>
-            </a:r>
-            <a:endParaRPr lang="en-US" dirty="0">
-              <a:solidFill>
-                <a:schemeClr val="bg1"/>
-              </a:solidFill>
-            </a:endParaRPr>
-          </a:p>
-          <a:p>
-            <a:endParaRPr lang="en-US" dirty="0"/>
           </a:p>
         </p:txBody>
       </p:sp>
     </p:spTree>
     <p:extLst>
       <p:ext uri="{BB962C8B-B14F-4D97-AF65-F5344CB8AC3E}">
-        <p14:creationId xmlns:p14="http://schemas.microsoft.com/office/powerpoint/2010/main" val="3053666111"/>
+        <p14:creationId xmlns:p14="http://schemas.microsoft.com/office/powerpoint/2010/main" val="3559297031"/>
       </p:ext>
     </p:extLst>
   </p:cSld>
@@ -5250,127 +5277,46 @@
           <a:chExt cx="0" cy="0"/>
         </a:xfrm>
       </p:grpSpPr>
-      <p:sp>
-        <p:nvSpPr>
-          <p:cNvPr id="2" name="Title 1">
-            <a:extLst>
-              <a:ext uri="{FF2B5EF4-FFF2-40B4-BE49-F238E27FC236}">
-                <a16:creationId xmlns:a16="http://schemas.microsoft.com/office/drawing/2014/main" id="{2FA0B769-09AB-475D-BDC1-794AA9E07B30}"/>
-              </a:ext>
-            </a:extLst>
-          </p:cNvPr>
-          <p:cNvSpPr>
-            <a:spLocks noGrp="1"/>
-          </p:cNvSpPr>
-          <p:nvPr>
-            <p:ph type="ctrTitle"/>
-          </p:nvPr>
-        </p:nvSpPr>
+      <p:pic>
+        <p:nvPicPr>
+          <p:cNvPr id="6" name="Picture 5">
+            <a:extLst>
+              <a:ext uri="{FF2B5EF4-FFF2-40B4-BE49-F238E27FC236}">
+                <a16:creationId xmlns:a16="http://schemas.microsoft.com/office/drawing/2014/main" id="{D4D3DB43-E7F6-42EF-8EB2-0C66DAAEF0D4}"/>
+              </a:ext>
+            </a:extLst>
+          </p:cNvPr>
+          <p:cNvPicPr>
+            <a:picLocks noChangeAspect="1"/>
+          </p:cNvPicPr>
+          <p:nvPr/>
+        </p:nvPicPr>
+        <p:blipFill>
+          <a:blip r:embed="rId2">
+            <a:extLst>
+              <a:ext uri="{28A0092B-C50C-407E-A947-70E740481C1C}">
+                <a14:useLocalDpi xmlns:a14="http://schemas.microsoft.com/office/drawing/2010/main" val="0"/>
+              </a:ext>
+            </a:extLst>
+          </a:blip>
+          <a:stretch>
+            <a:fillRect/>
+          </a:stretch>
+        </p:blipFill>
         <p:spPr>
           <a:xfrm>
-            <a:off x="1384040" y="637170"/>
-            <a:ext cx="9144000" cy="4336045"/>
+            <a:off x="1614196" y="76339"/>
+            <a:ext cx="8619568" cy="6464676"/>
           </a:xfrm>
+          <a:prstGeom prst="rect">
+            <a:avLst/>
+          </a:prstGeom>
         </p:spPr>
-        <p:txBody>
-          <a:bodyPr>
-            <a:normAutofit fontScale="90000"/>
-          </a:bodyPr>
-          <a:lstStyle/>
-          <a:p>
-            <a:br>
-              <a:rPr lang="en-US" dirty="0">
-                <a:solidFill>
-                  <a:schemeClr val="bg1"/>
-                </a:solidFill>
-              </a:rPr>
-            </a:br>
-            <a:br>
-              <a:rPr lang="en-US" dirty="0">
-                <a:solidFill>
-                  <a:schemeClr val="bg1"/>
-                </a:solidFill>
-              </a:rPr>
-            </a:br>
-            <a:br>
-              <a:rPr lang="en-US" dirty="0">
-                <a:solidFill>
-                  <a:schemeClr val="bg1"/>
-                </a:solidFill>
-              </a:rPr>
-            </a:br>
-            <a:br>
-              <a:rPr lang="en-US" dirty="0">
-                <a:solidFill>
-                  <a:schemeClr val="bg1"/>
-                </a:solidFill>
-              </a:rPr>
-            </a:br>
-            <a:br>
-              <a:rPr lang="en-US" dirty="0">
-                <a:solidFill>
-                  <a:schemeClr val="bg1"/>
-                </a:solidFill>
-              </a:rPr>
-            </a:br>
-            <a:br>
-              <a:rPr lang="en-US" dirty="0">
-                <a:solidFill>
-                  <a:schemeClr val="bg1"/>
-                </a:solidFill>
-              </a:rPr>
-            </a:br>
-            <a:br>
-              <a:rPr lang="en-US" dirty="0">
-                <a:solidFill>
-                  <a:schemeClr val="bg1"/>
-                </a:solidFill>
-              </a:rPr>
-            </a:br>
-            <a:br>
-              <a:rPr lang="en-US" dirty="0">
-                <a:solidFill>
-                  <a:schemeClr val="bg1"/>
-                </a:solidFill>
-              </a:rPr>
-            </a:br>
-            <a:r>
-              <a:rPr lang="en-US" dirty="0">
-                <a:solidFill>
-                  <a:schemeClr val="bg1"/>
-                </a:solidFill>
-              </a:rPr>
-              <a:t>Backwards Euler’s </a:t>
-            </a:r>
-            <a:br>
-              <a:rPr lang="en-US" dirty="0">
-                <a:solidFill>
-                  <a:schemeClr val="bg1"/>
-                </a:solidFill>
-              </a:rPr>
-            </a:br>
-            <a:br>
-              <a:rPr lang="en-US" dirty="0">
-                <a:solidFill>
-                  <a:schemeClr val="bg1"/>
-                </a:solidFill>
-              </a:rPr>
-            </a:br>
-            <a:r>
-              <a:rPr lang="en-US" dirty="0">
-                <a:solidFill>
-                  <a:schemeClr val="bg1"/>
-                </a:solidFill>
-              </a:rPr>
-              <a:t>(Newton’s method failed to converge)</a:t>
-            </a:r>
-          </a:p>
-        </p:txBody>
-      </p:sp>
+      </p:pic>
     </p:spTree>
     <p:extLst>
       <p:ext uri="{BB962C8B-B14F-4D97-AF65-F5344CB8AC3E}">
-        <p14:creationId xmlns:p14="http://schemas.microsoft.com/office/powerpoint/2010/main" val="1287514615"/>
+        <p14:creationId xmlns:p14="http://schemas.microsoft.com/office/powerpoint/2010/main" val="2233843294"/>
       </p:ext>
     </p:extLst>
   </p:cSld>
@@ -5405,103 +5351,46 @@
           <a:chExt cx="0" cy="0"/>
         </a:xfrm>
       </p:grpSpPr>
-      <p:sp>
-        <p:nvSpPr>
-          <p:cNvPr id="2" name="Title 1">
-            <a:extLst>
-              <a:ext uri="{FF2B5EF4-FFF2-40B4-BE49-F238E27FC236}">
-                <a16:creationId xmlns:a16="http://schemas.microsoft.com/office/drawing/2014/main" id="{2FA0B769-09AB-475D-BDC1-794AA9E07B30}"/>
-              </a:ext>
-            </a:extLst>
-          </p:cNvPr>
-          <p:cNvSpPr>
-            <a:spLocks noGrp="1"/>
-          </p:cNvSpPr>
-          <p:nvPr>
-            <p:ph type="ctrTitle"/>
-          </p:nvPr>
-        </p:nvSpPr>
+      <p:pic>
+        <p:nvPicPr>
+          <p:cNvPr id="6" name="Picture 5">
+            <a:extLst>
+              <a:ext uri="{FF2B5EF4-FFF2-40B4-BE49-F238E27FC236}">
+                <a16:creationId xmlns:a16="http://schemas.microsoft.com/office/drawing/2014/main" id="{D4D3DB43-E7F6-42EF-8EB2-0C66DAAEF0D4}"/>
+              </a:ext>
+            </a:extLst>
+          </p:cNvPr>
+          <p:cNvPicPr>
+            <a:picLocks noChangeAspect="1"/>
+          </p:cNvPicPr>
+          <p:nvPr/>
+        </p:nvPicPr>
+        <p:blipFill>
+          <a:blip r:embed="rId2">
+            <a:extLst>
+              <a:ext uri="{28A0092B-C50C-407E-A947-70E740481C1C}">
+                <a14:useLocalDpi xmlns:a14="http://schemas.microsoft.com/office/drawing/2010/main" val="0"/>
+              </a:ext>
+            </a:extLst>
+          </a:blip>
+          <a:stretch>
+            <a:fillRect/>
+          </a:stretch>
+        </p:blipFill>
         <p:spPr>
           <a:xfrm>
-            <a:off x="1524000" y="1122362"/>
-            <a:ext cx="9144000" cy="4065457"/>
+            <a:off x="1614196" y="76339"/>
+            <a:ext cx="8619568" cy="6464676"/>
           </a:xfrm>
+          <a:prstGeom prst="rect">
+            <a:avLst/>
+          </a:prstGeom>
         </p:spPr>
-        <p:txBody>
-          <a:bodyPr>
-            <a:normAutofit/>
-          </a:bodyPr>
-          <a:lstStyle/>
-          <a:p>
-            <a:r>
-              <a:rPr lang="en-US" dirty="0">
-                <a:solidFill>
-                  <a:schemeClr val="bg1"/>
-                </a:solidFill>
-              </a:rPr>
-              <a:t>Predictor Corrector </a:t>
-            </a:r>
-            <a:br>
-              <a:rPr lang="en-US" dirty="0">
-                <a:solidFill>
-                  <a:schemeClr val="bg1"/>
-                </a:solidFill>
-              </a:rPr>
-            </a:br>
-            <a:br>
-              <a:rPr lang="en-US" dirty="0">
-                <a:solidFill>
-                  <a:schemeClr val="bg1"/>
-                </a:solidFill>
-              </a:rPr>
-            </a:br>
-            <a:r>
-              <a:rPr lang="en-US" dirty="0">
-                <a:solidFill>
-                  <a:schemeClr val="bg1"/>
-                </a:solidFill>
-              </a:rPr>
-              <a:t>(Adams-</a:t>
-            </a:r>
-            <a:r>
-              <a:rPr lang="en-US" dirty="0" err="1">
-                <a:solidFill>
-                  <a:schemeClr val="bg1"/>
-                </a:solidFill>
-              </a:rPr>
-              <a:t>Bashforth</a:t>
-            </a:r>
-            <a:r>
-              <a:rPr lang="en-US" dirty="0">
-                <a:solidFill>
-                  <a:schemeClr val="bg1"/>
-                </a:solidFill>
-              </a:rPr>
-              <a:t> / Adams-Moulton 4</a:t>
-            </a:r>
-            <a:r>
-              <a:rPr lang="en-US" baseline="30000" dirty="0">
-                <a:solidFill>
-                  <a:schemeClr val="bg1"/>
-                </a:solidFill>
-              </a:rPr>
-              <a:t>th</a:t>
-            </a:r>
-            <a:r>
-              <a:rPr lang="en-US" dirty="0">
-                <a:solidFill>
-                  <a:schemeClr val="bg1"/>
-                </a:solidFill>
-              </a:rPr>
-              <a:t> order)</a:t>
-            </a:r>
-          </a:p>
-        </p:txBody>
-      </p:sp>
+      </p:pic>
     </p:spTree>
     <p:extLst>
       <p:ext uri="{BB962C8B-B14F-4D97-AF65-F5344CB8AC3E}">
-        <p14:creationId xmlns:p14="http://schemas.microsoft.com/office/powerpoint/2010/main" val="3682423453"/>
+        <p14:creationId xmlns:p14="http://schemas.microsoft.com/office/powerpoint/2010/main" val="1259508564"/>
       </p:ext>
     </p:extLst>
   </p:cSld>
@@ -5536,68 +5425,62 @@
           <a:chExt cx="0" cy="0"/>
         </a:xfrm>
       </p:grpSpPr>
-      <p:pic>
-        <p:nvPicPr>
-          <p:cNvPr id="6" name="Picture 5">
-            <a:extLst>
-              <a:ext uri="{FF2B5EF4-FFF2-40B4-BE49-F238E27FC236}">
-                <a16:creationId xmlns:a16="http://schemas.microsoft.com/office/drawing/2014/main" id="{D4D3DB43-E7F6-42EF-8EB2-0C66DAAEF0D4}"/>
-              </a:ext>
-            </a:extLst>
-          </p:cNvPr>
-          <p:cNvPicPr>
-            <a:picLocks noChangeAspect="1"/>
-          </p:cNvPicPr>
-          <p:nvPr/>
-        </p:nvPicPr>
-        <p:blipFill>
-          <a:blip r:embed="rId2">
-            <a:extLst>
-              <a:ext uri="{28A0092B-C50C-407E-A947-70E740481C1C}">
-                <a14:useLocalDpi xmlns:a14="http://schemas.microsoft.com/office/drawing/2010/main" val="0"/>
-              </a:ext>
-            </a:extLst>
-          </a:blip>
-          <a:stretch>
-            <a:fillRect/>
-          </a:stretch>
-        </p:blipFill>
-        <p:spPr>
-          <a:xfrm>
-            <a:off x="1614196" y="76339"/>
-            <a:ext cx="8619568" cy="6464676"/>
-          </a:xfrm>
-          <a:prstGeom prst="rect">
-            <a:avLst/>
-          </a:prstGeom>
-        </p:spPr>
-      </p:pic>
       <p:sp>
         <p:nvSpPr>
-          <p:cNvPr id="2" name="TextBox 1">
-            <a:extLst>
-              <a:ext uri="{FF2B5EF4-FFF2-40B4-BE49-F238E27FC236}">
-                <a16:creationId xmlns:a16="http://schemas.microsoft.com/office/drawing/2014/main" id="{D2DE124B-9290-4A45-A8A5-10971BC23E8D}"/>
-              </a:ext>
-            </a:extLst>
-          </p:cNvPr>
-          <p:cNvSpPr txBox="1"/>
-          <p:nvPr/>
+          <p:cNvPr id="2" name="Title 1">
+            <a:extLst>
+              <a:ext uri="{FF2B5EF4-FFF2-40B4-BE49-F238E27FC236}">
+                <a16:creationId xmlns:a16="http://schemas.microsoft.com/office/drawing/2014/main" id="{2FA0B769-09AB-475D-BDC1-794AA9E07B30}"/>
+              </a:ext>
+            </a:extLst>
+          </p:cNvPr>
+          <p:cNvSpPr>
+            <a:spLocks noGrp="1"/>
+          </p:cNvSpPr>
+          <p:nvPr>
+            <p:ph type="ctrTitle"/>
+          </p:nvPr>
+        </p:nvSpPr>
+        <p:spPr/>
+        <p:txBody>
+          <a:bodyPr/>
+          <a:lstStyle/>
+          <a:p>
+            <a:r>
+              <a:rPr lang="en-US" dirty="0">
+                <a:solidFill>
+                  <a:schemeClr val="bg1"/>
+                </a:solidFill>
+              </a:rPr>
+              <a:t>Things that didn’t work…</a:t>
+            </a:r>
+          </a:p>
+        </p:txBody>
+      </p:sp>
+      <p:sp>
+        <p:nvSpPr>
+          <p:cNvPr id="3" name="Subtitle 2">
+            <a:extLst>
+              <a:ext uri="{FF2B5EF4-FFF2-40B4-BE49-F238E27FC236}">
+                <a16:creationId xmlns:a16="http://schemas.microsoft.com/office/drawing/2014/main" id="{CF850071-BBB8-47D9-8794-1C1655299F1D}"/>
+              </a:ext>
+            </a:extLst>
+          </p:cNvPr>
+          <p:cNvSpPr>
+            <a:spLocks noGrp="1"/>
+          </p:cNvSpPr>
+          <p:nvPr>
+            <p:ph type="subTitle" idx="1"/>
+          </p:nvPr>
         </p:nvSpPr>
         <p:spPr>
           <a:xfrm>
-            <a:off x="9785894" y="3489648"/>
-            <a:ext cx="1942685" cy="2585323"/>
+            <a:off x="1524000" y="3602037"/>
+            <a:ext cx="9144000" cy="2789431"/>
           </a:xfrm>
-          <a:prstGeom prst="rect">
-            <a:avLst/>
-          </a:prstGeom>
-          <a:noFill/>
         </p:spPr>
         <p:txBody>
-          <a:bodyPr wrap="square" rtlCol="0">
-            <a:spAutoFit/>
-          </a:bodyPr>
+          <a:bodyPr/>
           <a:lstStyle/>
           <a:p>
             <a:r>
@@ -5606,15 +5489,212 @@
                   <a:schemeClr val="bg1"/>
                 </a:solidFill>
               </a:rPr>
-              <a:t>Note that the step size at which pc4 devolves into chaos is around 0.175, which is smaller than 0.18 for which Euler’s converged to the correct value. </a:t>
-            </a:r>
+              <a:t>Backwards </a:t>
+            </a:r>
+            <a:r>
+              <a:rPr lang="en-US" dirty="0" err="1">
+                <a:solidFill>
+                  <a:schemeClr val="bg1"/>
+                </a:solidFill>
+              </a:rPr>
+              <a:t>Eulers</a:t>
+            </a:r>
+            <a:r>
+              <a:rPr lang="en-US" dirty="0">
+                <a:solidFill>
+                  <a:schemeClr val="bg1"/>
+                </a:solidFill>
+              </a:rPr>
+              <a:t> (Newton’s method failed to converge)</a:t>
+            </a:r>
+          </a:p>
+          <a:p>
+            <a:r>
+              <a:rPr lang="en-US" dirty="0">
+                <a:solidFill>
+                  <a:schemeClr val="bg1"/>
+                </a:solidFill>
+              </a:rPr>
+              <a:t>Predictor corrector (</a:t>
+            </a:r>
+            <a:r>
+              <a:rPr lang="en-US" dirty="0" err="1">
+                <a:solidFill>
+                  <a:schemeClr val="bg1"/>
+                </a:solidFill>
+              </a:rPr>
+              <a:t>adams</a:t>
+            </a:r>
+            <a:r>
+              <a:rPr lang="en-US" dirty="0">
+                <a:solidFill>
+                  <a:schemeClr val="bg1"/>
+                </a:solidFill>
+              </a:rPr>
+              <a:t> </a:t>
+            </a:r>
+            <a:r>
+              <a:rPr lang="en-US" dirty="0" err="1">
+                <a:solidFill>
+                  <a:schemeClr val="bg1"/>
+                </a:solidFill>
+              </a:rPr>
+              <a:t>bashforth</a:t>
+            </a:r>
+            <a:r>
+              <a:rPr lang="en-US" dirty="0">
+                <a:solidFill>
+                  <a:schemeClr val="bg1"/>
+                </a:solidFill>
+              </a:rPr>
+              <a:t>/</a:t>
+            </a:r>
+            <a:r>
+              <a:rPr lang="en-US" dirty="0" err="1">
+                <a:solidFill>
+                  <a:schemeClr val="bg1"/>
+                </a:solidFill>
+              </a:rPr>
+              <a:t>moulton</a:t>
+            </a:r>
+            <a:r>
+              <a:rPr lang="en-US" dirty="0">
+                <a:solidFill>
+                  <a:schemeClr val="bg1"/>
+                </a:solidFill>
+              </a:rPr>
+              <a:t> 4</a:t>
+            </a:r>
+            <a:r>
+              <a:rPr lang="en-US" baseline="30000" dirty="0">
+                <a:solidFill>
+                  <a:schemeClr val="bg1"/>
+                </a:solidFill>
+              </a:rPr>
+              <a:t>th</a:t>
+            </a:r>
+            <a:r>
+              <a:rPr lang="en-US" dirty="0">
+                <a:solidFill>
+                  <a:schemeClr val="bg1"/>
+                </a:solidFill>
+              </a:rPr>
+              <a:t> order)</a:t>
+            </a:r>
+          </a:p>
+          <a:p>
+            <a:r>
+              <a:rPr lang="en-US" dirty="0">
+                <a:solidFill>
+                  <a:schemeClr val="bg1"/>
+                </a:solidFill>
+              </a:rPr>
+              <a:t>Adams </a:t>
+            </a:r>
+            <a:r>
+              <a:rPr lang="en-US" dirty="0" err="1">
+                <a:solidFill>
+                  <a:schemeClr val="bg1"/>
+                </a:solidFill>
+              </a:rPr>
+              <a:t>bashforth</a:t>
+            </a:r>
+            <a:endParaRPr lang="en-US" dirty="0">
+              <a:solidFill>
+                <a:schemeClr val="bg1"/>
+              </a:solidFill>
+            </a:endParaRPr>
+          </a:p>
+          <a:p>
+            <a:r>
+              <a:rPr lang="en-US" dirty="0">
+                <a:solidFill>
+                  <a:schemeClr val="bg1"/>
+                </a:solidFill>
+              </a:rPr>
+              <a:t>Rearranging pc4</a:t>
+            </a:r>
+          </a:p>
+          <a:p>
+            <a:r>
+              <a:rPr lang="en-US" dirty="0">
+                <a:solidFill>
+                  <a:schemeClr val="bg1"/>
+                </a:solidFill>
+              </a:rPr>
+              <a:t>Predictor corrector 2</a:t>
+            </a:r>
+            <a:r>
+              <a:rPr lang="en-US" baseline="30000" dirty="0">
+                <a:solidFill>
+                  <a:schemeClr val="bg1"/>
+                </a:solidFill>
+              </a:rPr>
+              <a:t>nd</a:t>
+            </a:r>
+            <a:r>
+              <a:rPr lang="en-US" dirty="0">
+                <a:solidFill>
+                  <a:schemeClr val="bg1"/>
+                </a:solidFill>
+              </a:rPr>
+              <a:t> order </a:t>
+            </a:r>
+            <a:r>
+              <a:rPr lang="en-US" dirty="0" err="1">
+                <a:solidFill>
+                  <a:schemeClr val="bg1"/>
+                </a:solidFill>
+              </a:rPr>
+              <a:t>adams</a:t>
+            </a:r>
+            <a:r>
+              <a:rPr lang="en-US" dirty="0">
+                <a:solidFill>
+                  <a:schemeClr val="bg1"/>
+                </a:solidFill>
+              </a:rPr>
+              <a:t> </a:t>
+            </a:r>
+            <a:r>
+              <a:rPr lang="en-US" dirty="0" err="1">
+                <a:solidFill>
+                  <a:schemeClr val="bg1"/>
+                </a:solidFill>
+              </a:rPr>
+              <a:t>bashforth</a:t>
+            </a:r>
+            <a:r>
+              <a:rPr lang="en-US" dirty="0">
+                <a:solidFill>
+                  <a:schemeClr val="bg1"/>
+                </a:solidFill>
+              </a:rPr>
+              <a:t>/ </a:t>
+            </a:r>
+            <a:r>
+              <a:rPr lang="en-US" dirty="0" err="1">
+                <a:solidFill>
+                  <a:schemeClr val="bg1"/>
+                </a:solidFill>
+              </a:rPr>
+              <a:t>moulton</a:t>
+            </a:r>
+            <a:endParaRPr lang="en-US" dirty="0">
+              <a:solidFill>
+                <a:schemeClr val="bg1"/>
+              </a:solidFill>
+            </a:endParaRPr>
+          </a:p>
+          <a:p>
+            <a:endParaRPr lang="en-US" dirty="0"/>
           </a:p>
         </p:txBody>
       </p:sp>
     </p:spTree>
     <p:extLst>
       <p:ext uri="{BB962C8B-B14F-4D97-AF65-F5344CB8AC3E}">
-        <p14:creationId xmlns:p14="http://schemas.microsoft.com/office/powerpoint/2010/main" val="992379388"/>
+        <p14:creationId xmlns:p14="http://schemas.microsoft.com/office/powerpoint/2010/main" val="3053666111"/>
       </p:ext>
     </p:extLst>
   </p:cSld>
@@ -5667,12 +5747,14 @@
         </p:nvSpPr>
         <p:spPr>
           <a:xfrm>
-            <a:off x="1287625" y="905069"/>
-            <a:ext cx="9343053" cy="4310742"/>
+            <a:off x="1384040" y="637170"/>
+            <a:ext cx="9144000" cy="4336045"/>
           </a:xfrm>
         </p:spPr>
         <p:txBody>
-          <a:bodyPr/>
+          <a:bodyPr>
+            <a:normAutofit fontScale="90000"/>
+          </a:bodyPr>
           <a:lstStyle/>
           <a:p>
             <a:br>
@@ -5682,22 +5764,6 @@
                 </a:solidFill>
               </a:rPr>
             </a:br>
-            <a:r>
-              <a:rPr lang="en-US" dirty="0">
-                <a:solidFill>
-                  <a:schemeClr val="bg1"/>
-                </a:solidFill>
-              </a:rPr>
-              <a:t>Adams-</a:t>
-            </a:r>
-            <a:r>
-              <a:rPr lang="en-US" dirty="0" err="1">
-                <a:solidFill>
-                  <a:schemeClr val="bg1"/>
-                </a:solidFill>
-              </a:rPr>
-              <a:t>Bashforth</a:t>
-            </a:r>
             <a:br>
               <a:rPr lang="en-US" dirty="0">
                 <a:solidFill>
@@ -5705,30 +5771,6 @@
                 </a:solidFill>
               </a:rPr>
             </a:br>
-            <a:r>
-              <a:rPr lang="en-US" dirty="0">
-                <a:solidFill>
-                  <a:schemeClr val="bg1"/>
-                </a:solidFill>
-              </a:rPr>
-              <a:t>(4</a:t>
-            </a:r>
-            <a:r>
-              <a:rPr lang="en-US" baseline="30000" dirty="0">
-                <a:solidFill>
-                  <a:schemeClr val="bg1"/>
-                </a:solidFill>
-              </a:rPr>
-              <a:t>th</a:t>
-            </a:r>
-            <a:r>
-              <a:rPr lang="en-US" dirty="0">
-                <a:solidFill>
-                  <a:schemeClr val="bg1"/>
-                </a:solidFill>
-              </a:rPr>
-              <a:t> order)</a:t>
-            </a:r>
             <a:br>
               <a:rPr lang="en-US" dirty="0">
                 <a:solidFill>
@@ -5736,18 +5778,78 @@
                 </a:solidFill>
               </a:rPr>
             </a:br>
-            <a:endParaRPr lang="en-US" dirty="0">
-              <a:solidFill>
-                <a:schemeClr val="bg1"/>
-              </a:solidFill>
-            </a:endParaRPr>
+            <a:br>
+              <a:rPr lang="en-US" dirty="0">
+                <a:solidFill>
+                  <a:schemeClr val="bg1"/>
+                </a:solidFill>
+              </a:rPr>
+            </a:br>
+            <a:br>
+              <a:rPr lang="en-US" dirty="0">
+                <a:solidFill>
+                  <a:schemeClr val="bg1"/>
+                </a:solidFill>
+              </a:rPr>
+            </a:br>
+            <a:br>
+              <a:rPr lang="en-US" dirty="0">
+                <a:solidFill>
+                  <a:schemeClr val="bg1"/>
+                </a:solidFill>
+              </a:rPr>
+            </a:br>
+            <a:br>
+              <a:rPr lang="en-US" dirty="0">
+                <a:solidFill>
+                  <a:schemeClr val="bg1"/>
+                </a:solidFill>
+              </a:rPr>
+            </a:br>
+            <a:br>
+              <a:rPr lang="en-US" dirty="0">
+                <a:solidFill>
+                  <a:schemeClr val="bg1"/>
+                </a:solidFill>
+              </a:rPr>
+            </a:br>
+            <a:r>
+              <a:rPr lang="en-US" dirty="0">
+                <a:solidFill>
+                  <a:schemeClr val="bg1"/>
+                </a:solidFill>
+              </a:rPr>
+              <a:t>Backwards Euler’s </a:t>
+            </a:r>
+            <a:br>
+              <a:rPr lang="en-US" dirty="0">
+                <a:solidFill>
+                  <a:schemeClr val="bg1"/>
+                </a:solidFill>
+              </a:rPr>
+            </a:br>
+            <a:br>
+              <a:rPr lang="en-US" dirty="0">
+                <a:solidFill>
+                  <a:schemeClr val="bg1"/>
+                </a:solidFill>
+              </a:rPr>
+            </a:br>
+            <a:r>
+              <a:rPr lang="en-US" dirty="0">
+                <a:solidFill>
+                  <a:schemeClr val="bg1"/>
+                </a:solidFill>
+              </a:rPr>
+              <a:t>(Newton’s method failed to converge)</a:t>
+            </a:r>
           </a:p>
         </p:txBody>
       </p:sp>
     </p:spTree>
     <p:extLst>
       <p:ext uri="{BB962C8B-B14F-4D97-AF65-F5344CB8AC3E}">
-        <p14:creationId xmlns:p14="http://schemas.microsoft.com/office/powerpoint/2010/main" val="3900330993"/>
+        <p14:creationId xmlns:p14="http://schemas.microsoft.com/office/powerpoint/2010/main" val="1287514615"/>
       </p:ext>
     </p:extLst>
   </p:cSld>
@@ -5800,14 +5902,24 @@
         </p:nvSpPr>
         <p:spPr>
           <a:xfrm>
-            <a:off x="1287625" y="905069"/>
-            <a:ext cx="9343053" cy="4310742"/>
+            <a:off x="1524000" y="1122362"/>
+            <a:ext cx="9144000" cy="4065457"/>
           </a:xfrm>
         </p:spPr>
         <p:txBody>
-          <a:bodyPr/>
+          <a:bodyPr>
+            <a:normAutofit/>
+          </a:bodyPr>
           <a:lstStyle/>
           <a:p>
+            <a:r>
+              <a:rPr lang="en-US" dirty="0">
+                <a:solidFill>
+                  <a:schemeClr val="bg1"/>
+                </a:solidFill>
+              </a:rPr>
+              <a:t>Predictor Corrector </a:t>
+            </a:r>
             <a:br>
               <a:rPr lang="en-US" dirty="0">
                 <a:solidFill>
@@ -5815,22 +5927,6 @@
                 </a:solidFill>
               </a:rPr>
             </a:br>
-            <a:r>
-              <a:rPr lang="en-US" dirty="0">
-                <a:solidFill>
-                  <a:schemeClr val="bg1"/>
-                </a:solidFill>
-              </a:rPr>
-              <a:t>Adams-</a:t>
-            </a:r>
-            <a:r>
-              <a:rPr lang="en-US" dirty="0" err="1">
-                <a:solidFill>
-                  <a:schemeClr val="bg1"/>
-                </a:solidFill>
-              </a:rPr>
-              <a:t>Bashforth</a:t>
-            </a:r>
             <a:br>
               <a:rPr lang="en-US" dirty="0">
                 <a:solidFill>
@@ -5844,7 +5940,23 @@
                   <a:schemeClr val="bg1"/>
                 </a:solidFill>
               </a:rPr>
-              <a:t>(4</a:t>
+              <a:t>(Adams-</a:t>
+            </a:r>
+            <a:r>
+              <a:rPr lang="en-US" dirty="0" err="1">
+                <a:solidFill>
+                  <a:schemeClr val="bg1"/>
+                </a:solidFill>
+              </a:rPr>
+              <a:t>Bashforth</a:t>
+            </a:r>
+            <a:r>
+              <a:rPr lang="en-US" dirty="0">
+                <a:solidFill>
+                  <a:schemeClr val="bg1"/>
+                </a:solidFill>
+              </a:rPr>
+              <a:t> / Adams-Moulton 4</a:t>
             </a:r>
             <a:r>
               <a:rPr lang="en-US" baseline="30000" dirty="0">
@@ -5862,25 +5974,13 @@
               </a:rPr>
               <a:t> order)</a:t>
             </a:r>
-            <a:br>
-              <a:rPr lang="en-US" dirty="0">
-                <a:solidFill>
-                  <a:schemeClr val="bg1"/>
-                </a:solidFill>
-              </a:rPr>
-            </a:br>
-            <a:endParaRPr lang="en-US" dirty="0">
-              <a:solidFill>
-                <a:schemeClr val="bg1"/>
-              </a:solidFill>
-            </a:endParaRPr>
           </a:p>
         </p:txBody>
       </p:sp>
     </p:spTree>
     <p:extLst>
       <p:ext uri="{BB962C8B-B14F-4D97-AF65-F5344CB8AC3E}">
-        <p14:creationId xmlns:p14="http://schemas.microsoft.com/office/powerpoint/2010/main" val="2761002330"/>
+        <p14:creationId xmlns:p14="http://schemas.microsoft.com/office/powerpoint/2010/main" val="3682423453"/>
       </p:ext>
     </p:extLst>
   </p:cSld>
@@ -5966,7 +6066,7 @@
         <p:spPr>
           <a:xfrm>
             <a:off x="9785894" y="3489648"/>
-            <a:ext cx="1942685" cy="2308324"/>
+            <a:ext cx="1942685" cy="2585323"/>
           </a:xfrm>
           <a:prstGeom prst="rect">
             <a:avLst/>
@@ -5985,23 +6085,7 @@
                   <a:schemeClr val="bg1"/>
                 </a:solidFill>
               </a:rPr>
-              <a:t>Note that the step size at which Adams-</a:t>
-            </a:r>
-            <a:r>
-              <a:rPr lang="en-US" dirty="0" err="1">
-                <a:solidFill>
-                  <a:schemeClr val="bg1"/>
-                </a:solidFill>
-              </a:rPr>
-              <a:t>Bashforth</a:t>
-            </a:r>
-            <a:r>
-              <a:rPr lang="en-US" dirty="0">
-                <a:solidFill>
-                  <a:schemeClr val="bg1"/>
-                </a:solidFill>
-              </a:rPr>
-              <a:t> alone devolves into chaos is even smaller (~0.7 vs ~0.175) than for pc4.</a:t>
+              <a:t>Note that the step size at which pc4 devolves into chaos is around 0.175, which is smaller than 0.18 for which Euler’s converged to the correct value. </a:t>
             </a:r>
           </a:p>
         </p:txBody>
@@ -6009,7 +6093,7 @@
     </p:spTree>
     <p:extLst>
       <p:ext uri="{BB962C8B-B14F-4D97-AF65-F5344CB8AC3E}">
-        <p14:creationId xmlns:p14="http://schemas.microsoft.com/office/powerpoint/2010/main" val="4212463848"/>
+        <p14:creationId xmlns:p14="http://schemas.microsoft.com/office/powerpoint/2010/main" val="992379388"/>
       </p:ext>
     </p:extLst>
   </p:cSld>
@@ -6063,13 +6147,11 @@
         <p:spPr>
           <a:xfrm>
             <a:off x="1287625" y="905069"/>
-            <a:ext cx="9343053" cy="5393094"/>
+            <a:ext cx="9343053" cy="4310742"/>
           </a:xfrm>
         </p:spPr>
         <p:txBody>
-          <a:bodyPr>
-            <a:normAutofit fontScale="90000"/>
-          </a:bodyPr>
+          <a:bodyPr/>
           <a:lstStyle/>
           <a:p>
             <a:br>
@@ -6085,7 +6167,15 @@
                   <a:schemeClr val="bg1"/>
                 </a:solidFill>
               </a:rPr>
-              <a:t>Rearranging math in Predictor Corrector</a:t>
+              <a:t>Adams-</a:t>
+            </a:r>
+            <a:r>
+              <a:rPr lang="en-US" dirty="0" err="1">
+                <a:solidFill>
+                  <a:schemeClr val="bg1"/>
+                </a:solidFill>
+              </a:rPr>
+              <a:t>Bashforth</a:t>
             </a:r>
             <a:br>
               <a:rPr lang="en-US" dirty="0">
@@ -6094,36 +6184,13 @@
                 </a:solidFill>
               </a:rPr>
             </a:br>
-            <a:br>
+            <a:r>
               <a:rPr lang="en-US" dirty="0">
                 <a:solidFill>
                   <a:schemeClr val="bg1"/>
                 </a:solidFill>
               </a:rPr>
-            </a:br>
-            <a:r>
-              <a:rPr lang="en-US" dirty="0">
-                <a:solidFill>
-                  <a:schemeClr val="bg1"/>
-                </a:solidFill>
-              </a:rPr>
-              <a:t>(Adams-</a:t>
-            </a:r>
-            <a:r>
-              <a:rPr lang="en-US" dirty="0" err="1">
-                <a:solidFill>
-                  <a:schemeClr val="bg1"/>
-                </a:solidFill>
-              </a:rPr>
-              <a:t>Bashforth</a:t>
-            </a:r>
-            <a:r>
-              <a:rPr lang="en-US" dirty="0">
-                <a:solidFill>
-                  <a:schemeClr val="bg1"/>
-                </a:solidFill>
-              </a:rPr>
-              <a:t> / Adams-Moulton 4</a:t>
+              <a:t>(4</a:t>
             </a:r>
             <a:r>
               <a:rPr lang="en-US" baseline="30000" dirty="0">
@@ -6159,7 +6226,7 @@
     </p:spTree>
     <p:extLst>
       <p:ext uri="{BB962C8B-B14F-4D97-AF65-F5344CB8AC3E}">
-        <p14:creationId xmlns:p14="http://schemas.microsoft.com/office/powerpoint/2010/main" val="3968085201"/>
+        <p14:creationId xmlns:p14="http://schemas.microsoft.com/office/powerpoint/2010/main" val="3900330993"/>
       </p:ext>
     </p:extLst>
   </p:cSld>
@@ -6194,85 +6261,105 @@
           <a:chExt cx="0" cy="0"/>
         </a:xfrm>
       </p:grpSpPr>
-      <p:pic>
-        <p:nvPicPr>
-          <p:cNvPr id="6" name="Picture 5">
-            <a:extLst>
-              <a:ext uri="{FF2B5EF4-FFF2-40B4-BE49-F238E27FC236}">
-                <a16:creationId xmlns:a16="http://schemas.microsoft.com/office/drawing/2014/main" id="{D4D3DB43-E7F6-42EF-8EB2-0C66DAAEF0D4}"/>
-              </a:ext>
-            </a:extLst>
-          </p:cNvPr>
-          <p:cNvPicPr>
-            <a:picLocks noChangeAspect="1"/>
-          </p:cNvPicPr>
-          <p:nvPr/>
-        </p:nvPicPr>
-        <p:blipFill>
-          <a:blip r:embed="rId2">
-            <a:extLst>
-              <a:ext uri="{28A0092B-C50C-407E-A947-70E740481C1C}">
-                <a14:useLocalDpi xmlns:a14="http://schemas.microsoft.com/office/drawing/2010/main" val="0"/>
-              </a:ext>
-            </a:extLst>
-          </a:blip>
-          <a:stretch>
-            <a:fillRect/>
-          </a:stretch>
-        </p:blipFill>
-        <p:spPr>
-          <a:xfrm>
-            <a:off x="1614196" y="76339"/>
-            <a:ext cx="8619568" cy="6464676"/>
-          </a:xfrm>
-          <a:prstGeom prst="rect">
-            <a:avLst/>
-          </a:prstGeom>
-        </p:spPr>
-      </p:pic>
       <p:sp>
         <p:nvSpPr>
-          <p:cNvPr id="2" name="TextBox 1">
-            <a:extLst>
-              <a:ext uri="{FF2B5EF4-FFF2-40B4-BE49-F238E27FC236}">
-                <a16:creationId xmlns:a16="http://schemas.microsoft.com/office/drawing/2014/main" id="{D2DE124B-9290-4A45-A8A5-10971BC23E8D}"/>
-              </a:ext>
-            </a:extLst>
-          </p:cNvPr>
-          <p:cNvSpPr txBox="1"/>
-          <p:nvPr/>
+          <p:cNvPr id="2" name="Title 1">
+            <a:extLst>
+              <a:ext uri="{FF2B5EF4-FFF2-40B4-BE49-F238E27FC236}">
+                <a16:creationId xmlns:a16="http://schemas.microsoft.com/office/drawing/2014/main" id="{2FA0B769-09AB-475D-BDC1-794AA9E07B30}"/>
+              </a:ext>
+            </a:extLst>
+          </p:cNvPr>
+          <p:cNvSpPr>
+            <a:spLocks noGrp="1"/>
+          </p:cNvSpPr>
+          <p:nvPr>
+            <p:ph type="ctrTitle"/>
+          </p:nvPr>
         </p:nvSpPr>
         <p:spPr>
           <a:xfrm>
-            <a:off x="9489233" y="2847012"/>
-            <a:ext cx="2621902" cy="923330"/>
+            <a:off x="1287625" y="905069"/>
+            <a:ext cx="9343053" cy="4310742"/>
           </a:xfrm>
-          <a:prstGeom prst="rect">
-            <a:avLst/>
-          </a:prstGeom>
-          <a:noFill/>
         </p:spPr>
         <p:txBody>
-          <a:bodyPr wrap="square" rtlCol="0">
-            <a:spAutoFit/>
-          </a:bodyPr>
+          <a:bodyPr/>
           <a:lstStyle/>
           <a:p>
-            <a:r>
+            <a:br>
               <a:rPr lang="en-US" dirty="0">
                 <a:solidFill>
                   <a:schemeClr val="bg1"/>
                 </a:solidFill>
               </a:rPr>
-              <a:t>Note that this is the same diagram as for the original Predictor / Corrector</a:t>
-            </a:r>
+            </a:br>
+            <a:r>
+              <a:rPr lang="en-US" dirty="0">
+                <a:solidFill>
+                  <a:schemeClr val="bg1"/>
+                </a:solidFill>
+              </a:rPr>
+              <a:t>Adams-</a:t>
+            </a:r>
+            <a:r>
+              <a:rPr lang="en-US" dirty="0" err="1">
+                <a:solidFill>
+                  <a:schemeClr val="bg1"/>
+                </a:solidFill>
+              </a:rPr>
+              <a:t>Bashforth</a:t>
+            </a:r>
+            <a:br>
+              <a:rPr lang="en-US" dirty="0">
+                <a:solidFill>
+                  <a:schemeClr val="bg1"/>
+                </a:solidFill>
+              </a:rPr>
+            </a:br>
+            <a:r>
+              <a:rPr lang="en-US" dirty="0">
+                <a:solidFill>
+                  <a:schemeClr val="bg1"/>
+                </a:solidFill>
+              </a:rPr>
+              <a:t>(4</a:t>
+            </a:r>
+            <a:r>
+              <a:rPr lang="en-US" baseline="30000" dirty="0">
+                <a:solidFill>
+                  <a:schemeClr val="bg1"/>
+                </a:solidFill>
+              </a:rPr>
+              <a:t>th</a:t>
+            </a:r>
+            <a:r>
+              <a:rPr lang="en-US" dirty="0">
+                <a:solidFill>
+                  <a:schemeClr val="bg1"/>
+                </a:solidFill>
+              </a:rPr>
+              <a:t> order)</a:t>
+            </a:r>
+            <a:br>
+              <a:rPr lang="en-US" dirty="0">
+                <a:solidFill>
+                  <a:schemeClr val="bg1"/>
+                </a:solidFill>
+              </a:rPr>
+            </a:br>
+            <a:endParaRPr lang="en-US" dirty="0">
+              <a:solidFill>
+                <a:schemeClr val="bg1"/>
+              </a:solidFill>
+            </a:endParaRPr>
           </a:p>
         </p:txBody>
       </p:sp>
     </p:spTree>
     <p:extLst>
       <p:ext uri="{BB962C8B-B14F-4D97-AF65-F5344CB8AC3E}">
-        <p14:creationId xmlns:p14="http://schemas.microsoft.com/office/powerpoint/2010/main" val="3845587548"/>
+        <p14:creationId xmlns:p14="http://schemas.microsoft.com/office/powerpoint/2010/main" val="2761002330"/>
       </p:ext>
     </p:extLst>
   </p:cSld>
@@ -6358,7 +6445,7 @@
         <p:spPr>
           <a:xfrm>
             <a:off x="9785894" y="3489648"/>
-            <a:ext cx="1942685" cy="369332"/>
+            <a:ext cx="1942685" cy="2308324"/>
           </a:xfrm>
           <a:prstGeom prst="rect">
             <a:avLst/>
@@ -6377,7 +6464,23 @@
                   <a:schemeClr val="bg1"/>
                 </a:solidFill>
               </a:rPr>
-              <a:t>Exactly the same…</a:t>
+              <a:t>Note that the step size at which Adams-</a:t>
+            </a:r>
+            <a:r>
+              <a:rPr lang="en-US" dirty="0" err="1">
+                <a:solidFill>
+                  <a:schemeClr val="bg1"/>
+                </a:solidFill>
+              </a:rPr>
+              <a:t>Bashforth</a:t>
+            </a:r>
+            <a:r>
+              <a:rPr lang="en-US" dirty="0">
+                <a:solidFill>
+                  <a:schemeClr val="bg1"/>
+                </a:solidFill>
+              </a:rPr>
+              <a:t> alone devolves into chaos is even smaller (~0.7 vs ~0.175) than for pc4.</a:t>
             </a:r>
           </a:p>
         </p:txBody>
@@ -6385,7 +6488,7 @@
     </p:spTree>
     <p:extLst>
       <p:ext uri="{BB962C8B-B14F-4D97-AF65-F5344CB8AC3E}">
-        <p14:creationId xmlns:p14="http://schemas.microsoft.com/office/powerpoint/2010/main" val="1368792776"/>
+        <p14:creationId xmlns:p14="http://schemas.microsoft.com/office/powerpoint/2010/main" val="4212463848"/>
       </p:ext>
     </p:extLst>
   </p:cSld>
@@ -6512,23 +6615,30 @@
         </p:nvSpPr>
         <p:spPr>
           <a:xfrm>
-            <a:off x="1524000" y="1122362"/>
-            <a:ext cx="9144000" cy="4065457"/>
+            <a:off x="1287625" y="905069"/>
+            <a:ext cx="9343053" cy="5393094"/>
           </a:xfrm>
         </p:spPr>
         <p:txBody>
           <a:bodyPr>
-            <a:normAutofit/>
+            <a:normAutofit fontScale="90000"/>
           </a:bodyPr>
           <a:lstStyle/>
           <a:p>
-            <a:r>
+            <a:br>
               <a:rPr lang="en-US" dirty="0">
                 <a:solidFill>
                   <a:schemeClr val="bg1"/>
                 </a:solidFill>
               </a:rPr>
-              <a:t>Predictor Corrector </a:t>
+            </a:br>
+            <a:r>
+              <a:rPr lang="en-US" dirty="0">
+                <a:solidFill>
+                  <a:schemeClr val="bg1"/>
+                </a:solidFill>
+              </a:rPr>
+              <a:t>Rearranging math in Predictor Corrector</a:t>
             </a:r>
             <a:br>
               <a:rPr lang="en-US" dirty="0">
@@ -6566,7 +6676,7 @@
                   <a:schemeClr val="bg1"/>
                 </a:solidFill>
               </a:rPr>
-              <a:t> / Adams-Moulton 2</a:t>
+              <a:t> / Adams-Moulton 4</a:t>
             </a:r>
             <a:r>
               <a:rPr lang="en-US" baseline="30000" dirty="0">
@@ -6574,7 +6684,7 @@
                   <a:schemeClr val="bg1"/>
                 </a:solidFill>
               </a:rPr>
-              <a:t>nd</a:t>
+              <a:t>th</a:t>
             </a:r>
             <a:r>
               <a:rPr lang="en-US" dirty="0">
@@ -6584,13 +6694,25 @@
               </a:rPr>
               <a:t> order)</a:t>
             </a:r>
+            <a:br>
+              <a:rPr lang="en-US" dirty="0">
+                <a:solidFill>
+                  <a:schemeClr val="bg1"/>
+                </a:solidFill>
+              </a:rPr>
+            </a:br>
+            <a:endParaRPr lang="en-US" dirty="0">
+              <a:solidFill>
+                <a:schemeClr val="bg1"/>
+              </a:solidFill>
+            </a:endParaRPr>
           </a:p>
         </p:txBody>
       </p:sp>
     </p:spTree>
     <p:extLst>
       <p:ext uri="{BB962C8B-B14F-4D97-AF65-F5344CB8AC3E}">
-        <p14:creationId xmlns:p14="http://schemas.microsoft.com/office/powerpoint/2010/main" val="4201607692"/>
+        <p14:creationId xmlns:p14="http://schemas.microsoft.com/office/powerpoint/2010/main" val="3968085201"/>
       </p:ext>
     </p:extLst>
   </p:cSld>
@@ -6675,8 +6797,8 @@
         </p:nvSpPr>
         <p:spPr>
           <a:xfrm>
-            <a:off x="9785894" y="3489648"/>
-            <a:ext cx="1942685" cy="646331"/>
+            <a:off x="9489233" y="2847012"/>
+            <a:ext cx="2621902" cy="923330"/>
           </a:xfrm>
           <a:prstGeom prst="rect">
             <a:avLst/>
@@ -6695,7 +6817,7 @@
                   <a:schemeClr val="bg1"/>
                 </a:solidFill>
               </a:rPr>
-              <a:t>Somewhat disappointing…</a:t>
+              <a:t>Note that this is the same diagram as for the original Predictor / Corrector</a:t>
             </a:r>
           </a:p>
         </p:txBody>
@@ -6703,7 +6825,7 @@
     </p:spTree>
     <p:extLst>
       <p:ext uri="{BB962C8B-B14F-4D97-AF65-F5344CB8AC3E}">
-        <p14:creationId xmlns:p14="http://schemas.microsoft.com/office/powerpoint/2010/main" val="3733915953"/>
+        <p14:creationId xmlns:p14="http://schemas.microsoft.com/office/powerpoint/2010/main" val="3845587548"/>
       </p:ext>
     </p:extLst>
   </p:cSld>
@@ -6738,31 +6860,67 @@
           <a:chExt cx="0" cy="0"/>
         </a:xfrm>
       </p:grpSpPr>
+      <p:pic>
+        <p:nvPicPr>
+          <p:cNvPr id="6" name="Picture 5">
+            <a:extLst>
+              <a:ext uri="{FF2B5EF4-FFF2-40B4-BE49-F238E27FC236}">
+                <a16:creationId xmlns:a16="http://schemas.microsoft.com/office/drawing/2014/main" id="{D4D3DB43-E7F6-42EF-8EB2-0C66DAAEF0D4}"/>
+              </a:ext>
+            </a:extLst>
+          </p:cNvPr>
+          <p:cNvPicPr>
+            <a:picLocks noChangeAspect="1"/>
+          </p:cNvPicPr>
+          <p:nvPr/>
+        </p:nvPicPr>
+        <p:blipFill>
+          <a:blip r:embed="rId2">
+            <a:extLst>
+              <a:ext uri="{28A0092B-C50C-407E-A947-70E740481C1C}">
+                <a14:useLocalDpi xmlns:a14="http://schemas.microsoft.com/office/drawing/2010/main" val="0"/>
+              </a:ext>
+            </a:extLst>
+          </a:blip>
+          <a:stretch>
+            <a:fillRect/>
+          </a:stretch>
+        </p:blipFill>
+        <p:spPr>
+          <a:xfrm>
+            <a:off x="1614196" y="76339"/>
+            <a:ext cx="8619568" cy="6464676"/>
+          </a:xfrm>
+          <a:prstGeom prst="rect">
+            <a:avLst/>
+          </a:prstGeom>
+        </p:spPr>
+      </p:pic>
       <p:sp>
         <p:nvSpPr>
-          <p:cNvPr id="2" name="Title 1">
-            <a:extLst>
-              <a:ext uri="{FF2B5EF4-FFF2-40B4-BE49-F238E27FC236}">
-                <a16:creationId xmlns:a16="http://schemas.microsoft.com/office/drawing/2014/main" id="{2FA0B769-09AB-475D-BDC1-794AA9E07B30}"/>
-              </a:ext>
-            </a:extLst>
-          </p:cNvPr>
-          <p:cNvSpPr>
-            <a:spLocks noGrp="1"/>
-          </p:cNvSpPr>
-          <p:nvPr>
-            <p:ph type="ctrTitle"/>
-          </p:nvPr>
+          <p:cNvPr id="2" name="TextBox 1">
+            <a:extLst>
+              <a:ext uri="{FF2B5EF4-FFF2-40B4-BE49-F238E27FC236}">
+                <a16:creationId xmlns:a16="http://schemas.microsoft.com/office/drawing/2014/main" id="{D2DE124B-9290-4A45-A8A5-10971BC23E8D}"/>
+              </a:ext>
+            </a:extLst>
+          </p:cNvPr>
+          <p:cNvSpPr txBox="1"/>
+          <p:nvPr/>
         </p:nvSpPr>
         <p:spPr>
           <a:xfrm>
-            <a:off x="1524000" y="1122362"/>
-            <a:ext cx="9144000" cy="4690609"/>
+            <a:off x="9785894" y="3489648"/>
+            <a:ext cx="1942685" cy="369332"/>
           </a:xfrm>
+          <a:prstGeom prst="rect">
+            <a:avLst/>
+          </a:prstGeom>
+          <a:noFill/>
         </p:spPr>
         <p:txBody>
-          <a:bodyPr>
-            <a:normAutofit fontScale="90000"/>
+          <a:bodyPr wrap="square" rtlCol="0">
+            <a:spAutoFit/>
           </a:bodyPr>
           <a:lstStyle/>
           <a:p>
@@ -6772,60 +6930,7 @@
                   <a:schemeClr val="bg1"/>
                 </a:solidFill>
               </a:rPr>
-              <a:t>Correcting Adams-</a:t>
-            </a:r>
-            <a:r>
-              <a:rPr lang="en-US" dirty="0" err="1">
-                <a:solidFill>
-                  <a:schemeClr val="bg1"/>
-                </a:solidFill>
-              </a:rPr>
-              <a:t>Bashforth</a:t>
-            </a:r>
-            <a:r>
-              <a:rPr lang="en-US" dirty="0">
-                <a:solidFill>
-                  <a:schemeClr val="bg1"/>
-                </a:solidFill>
-              </a:rPr>
-              <a:t> helped…</a:t>
-            </a:r>
-            <a:br>
-              <a:rPr lang="en-US" dirty="0">
-                <a:solidFill>
-                  <a:schemeClr val="bg1"/>
-                </a:solidFill>
-              </a:rPr>
-            </a:br>
-            <a:br>
-              <a:rPr lang="en-US" dirty="0">
-                <a:solidFill>
-                  <a:schemeClr val="bg1"/>
-                </a:solidFill>
-              </a:rPr>
-            </a:br>
-            <a:r>
-              <a:rPr lang="en-US" dirty="0">
-                <a:solidFill>
-                  <a:schemeClr val="bg1"/>
-                </a:solidFill>
-              </a:rPr>
-              <a:t> </a:t>
-            </a:r>
-            <a:br>
-              <a:rPr lang="en-US" dirty="0">
-                <a:solidFill>
-                  <a:schemeClr val="bg1"/>
-                </a:solidFill>
-              </a:rPr>
-            </a:br>
-            <a:r>
-              <a:rPr lang="en-US" dirty="0">
-                <a:solidFill>
-                  <a:schemeClr val="bg1"/>
-                </a:solidFill>
-              </a:rPr>
-              <a:t>What about other implicit methods?</a:t>
+              <a:t>Exactly the same…</a:t>
             </a:r>
           </a:p>
         </p:txBody>
@@ -6833,7 +6938,7 @@
     </p:spTree>
     <p:extLst>
       <p:ext uri="{BB962C8B-B14F-4D97-AF65-F5344CB8AC3E}">
-        <p14:creationId xmlns:p14="http://schemas.microsoft.com/office/powerpoint/2010/main" val="1593539392"/>
+        <p14:creationId xmlns:p14="http://schemas.microsoft.com/office/powerpoint/2010/main" val="1368792776"/>
       </p:ext>
     </p:extLst>
   </p:cSld>
@@ -6887,7 +6992,7 @@
         <p:spPr>
           <a:xfrm>
             <a:off x="1524000" y="1122362"/>
-            <a:ext cx="9144000" cy="4261401"/>
+            <a:ext cx="9144000" cy="4065457"/>
           </a:xfrm>
         </p:spPr>
         <p:txBody>
@@ -6897,12 +7002,12 @@
           <a:lstStyle/>
           <a:p>
             <a:r>
-              <a:rPr lang="en-US" sz="8000" dirty="0">
-                <a:solidFill>
-                  <a:schemeClr val="bg1"/>
-                </a:solidFill>
-              </a:rPr>
-              <a:t>Trapezoid</a:t>
+              <a:rPr lang="en-US" dirty="0">
+                <a:solidFill>
+                  <a:schemeClr val="bg1"/>
+                </a:solidFill>
+              </a:rPr>
+              <a:t>Predictor Corrector </a:t>
             </a:r>
             <a:br>
               <a:rPr lang="en-US" dirty="0">
@@ -6918,18 +7023,53 @@
                 </a:solidFill>
               </a:rPr>
             </a:br>
-            <a:endParaRPr lang="en-US" dirty="0">
-              <a:solidFill>
-                <a:schemeClr val="bg1"/>
-              </a:solidFill>
-            </a:endParaRPr>
+            <a:r>
+              <a:rPr lang="en-US" dirty="0">
+                <a:solidFill>
+                  <a:schemeClr val="bg1"/>
+                </a:solidFill>
+              </a:rPr>
+              <a:t>(Adams-</a:t>
+            </a:r>
+            <a:r>
+              <a:rPr lang="en-US" dirty="0" err="1">
+                <a:solidFill>
+                  <a:schemeClr val="bg1"/>
+                </a:solidFill>
+              </a:rPr>
+              <a:t>Bashforth</a:t>
+            </a:r>
+            <a:r>
+              <a:rPr lang="en-US" dirty="0">
+                <a:solidFill>
+                  <a:schemeClr val="bg1"/>
+                </a:solidFill>
+              </a:rPr>
+              <a:t> / Adams-Moulton 2</a:t>
+            </a:r>
+            <a:r>
+              <a:rPr lang="en-US" baseline="30000" dirty="0">
+                <a:solidFill>
+                  <a:schemeClr val="bg1"/>
+                </a:solidFill>
+              </a:rPr>
+              <a:t>nd</a:t>
+            </a:r>
+            <a:r>
+              <a:rPr lang="en-US" dirty="0">
+                <a:solidFill>
+                  <a:schemeClr val="bg1"/>
+                </a:solidFill>
+              </a:rPr>
+              <a:t> order)</a:t>
+            </a:r>
           </a:p>
         </p:txBody>
       </p:sp>
     </p:spTree>
     <p:extLst>
       <p:ext uri="{BB962C8B-B14F-4D97-AF65-F5344CB8AC3E}">
-        <p14:creationId xmlns:p14="http://schemas.microsoft.com/office/powerpoint/2010/main" val="1840451971"/>
+        <p14:creationId xmlns:p14="http://schemas.microsoft.com/office/powerpoint/2010/main" val="4201607692"/>
       </p:ext>
     </p:extLst>
   </p:cSld>
@@ -7000,10 +7140,49 @@
           </a:prstGeom>
         </p:spPr>
       </p:pic>
+      <p:sp>
+        <p:nvSpPr>
+          <p:cNvPr id="2" name="TextBox 1">
+            <a:extLst>
+              <a:ext uri="{FF2B5EF4-FFF2-40B4-BE49-F238E27FC236}">
+                <a16:creationId xmlns:a16="http://schemas.microsoft.com/office/drawing/2014/main" id="{D2DE124B-9290-4A45-A8A5-10971BC23E8D}"/>
+              </a:ext>
+            </a:extLst>
+          </p:cNvPr>
+          <p:cNvSpPr txBox="1"/>
+          <p:nvPr/>
+        </p:nvSpPr>
+        <p:spPr>
+          <a:xfrm>
+            <a:off x="9785894" y="3489648"/>
+            <a:ext cx="1942685" cy="646331"/>
+          </a:xfrm>
+          <a:prstGeom prst="rect">
+            <a:avLst/>
+          </a:prstGeom>
+          <a:noFill/>
+        </p:spPr>
+        <p:txBody>
+          <a:bodyPr wrap="square" rtlCol="0">
+            <a:spAutoFit/>
+          </a:bodyPr>
+          <a:lstStyle/>
+          <a:p>
+            <a:r>
+              <a:rPr lang="en-US" dirty="0">
+                <a:solidFill>
+                  <a:schemeClr val="bg1"/>
+                </a:solidFill>
+              </a:rPr>
+              <a:t>Somewhat disappointing…</a:t>
+            </a:r>
+          </a:p>
+        </p:txBody>
+      </p:sp>
     </p:spTree>
     <p:extLst>
       <p:ext uri="{BB962C8B-B14F-4D97-AF65-F5344CB8AC3E}">
-        <p14:creationId xmlns:p14="http://schemas.microsoft.com/office/powerpoint/2010/main" val="3873948839"/>
+        <p14:creationId xmlns:p14="http://schemas.microsoft.com/office/powerpoint/2010/main" val="3733915953"/>
       </p:ext>
     </p:extLst>
   </p:cSld>
@@ -7038,82 +7217,102 @@
           <a:chExt cx="0" cy="0"/>
         </a:xfrm>
       </p:grpSpPr>
-      <p:pic>
-        <p:nvPicPr>
-          <p:cNvPr id="6" name="Picture 5">
-            <a:extLst>
-              <a:ext uri="{FF2B5EF4-FFF2-40B4-BE49-F238E27FC236}">
-                <a16:creationId xmlns:a16="http://schemas.microsoft.com/office/drawing/2014/main" id="{D4D3DB43-E7F6-42EF-8EB2-0C66DAAEF0D4}"/>
-              </a:ext>
-            </a:extLst>
-          </p:cNvPr>
-          <p:cNvPicPr>
-            <a:picLocks noChangeAspect="1"/>
-          </p:cNvPicPr>
-          <p:nvPr/>
-        </p:nvPicPr>
-        <p:blipFill>
-          <a:blip r:embed="rId2">
-            <a:extLst>
-              <a:ext uri="{28A0092B-C50C-407E-A947-70E740481C1C}">
-                <a14:useLocalDpi xmlns:a14="http://schemas.microsoft.com/office/drawing/2010/main" val="0"/>
-              </a:ext>
-            </a:extLst>
-          </a:blip>
-          <a:stretch>
-            <a:fillRect/>
-          </a:stretch>
-        </p:blipFill>
+      <p:sp>
+        <p:nvSpPr>
+          <p:cNvPr id="2" name="Title 1">
+            <a:extLst>
+              <a:ext uri="{FF2B5EF4-FFF2-40B4-BE49-F238E27FC236}">
+                <a16:creationId xmlns:a16="http://schemas.microsoft.com/office/drawing/2014/main" id="{2FA0B769-09AB-475D-BDC1-794AA9E07B30}"/>
+              </a:ext>
+            </a:extLst>
+          </p:cNvPr>
+          <p:cNvSpPr>
+            <a:spLocks noGrp="1"/>
+          </p:cNvSpPr>
+          <p:nvPr>
+            <p:ph type="ctrTitle"/>
+          </p:nvPr>
+        </p:nvSpPr>
         <p:spPr>
           <a:xfrm>
-            <a:off x="5979267" y="625700"/>
-            <a:ext cx="6226309" cy="4883286"/>
+            <a:off x="1524000" y="1122362"/>
+            <a:ext cx="9144000" cy="4690609"/>
           </a:xfrm>
-          <a:prstGeom prst="rect">
-            <a:avLst/>
-          </a:prstGeom>
         </p:spPr>
-      </p:pic>
-      <p:pic>
-        <p:nvPicPr>
-          <p:cNvPr id="3" name="Picture 2">
-            <a:extLst>
-              <a:ext uri="{FF2B5EF4-FFF2-40B4-BE49-F238E27FC236}">
-                <a16:creationId xmlns:a16="http://schemas.microsoft.com/office/drawing/2014/main" id="{BB2765F2-63DB-46AD-B44F-846F8C922CCE}"/>
-              </a:ext>
-            </a:extLst>
-          </p:cNvPr>
-          <p:cNvPicPr>
-            <a:picLocks noChangeAspect="1"/>
-          </p:cNvPicPr>
-          <p:nvPr/>
-        </p:nvPicPr>
-        <p:blipFill>
-          <a:blip r:embed="rId3">
-            <a:extLst>
-              <a:ext uri="{28A0092B-C50C-407E-A947-70E740481C1C}">
-                <a14:useLocalDpi xmlns:a14="http://schemas.microsoft.com/office/drawing/2010/main" val="0"/>
-              </a:ext>
-            </a:extLst>
-          </a:blip>
-          <a:stretch>
-            <a:fillRect/>
-          </a:stretch>
-        </p:blipFill>
-        <p:spPr>
-          <a:xfrm>
-            <a:off x="-79126" y="625700"/>
-            <a:ext cx="6058393" cy="4883286"/>
-          </a:xfrm>
-          <a:prstGeom prst="rect">
-            <a:avLst/>
-          </a:prstGeom>
-        </p:spPr>
-      </p:pic>
+        <p:txBody>
+          <a:bodyPr>
+            <a:normAutofit fontScale="90000"/>
+          </a:bodyPr>
+          <a:lstStyle/>
+          <a:p>
+            <a:r>
+              <a:rPr lang="en-US" dirty="0">
+                <a:solidFill>
+                  <a:schemeClr val="bg1"/>
+                </a:solidFill>
+              </a:rPr>
+              <a:t>Correcting Adams-</a:t>
+            </a:r>
+            <a:r>
+              <a:rPr lang="en-US" dirty="0" err="1">
+                <a:solidFill>
+                  <a:schemeClr val="bg1"/>
+                </a:solidFill>
+              </a:rPr>
+              <a:t>Bashforth</a:t>
+            </a:r>
+            <a:r>
+              <a:rPr lang="en-US" dirty="0">
+                <a:solidFill>
+                  <a:schemeClr val="bg1"/>
+                </a:solidFill>
+              </a:rPr>
+              <a:t> helped…</a:t>
+            </a:r>
+            <a:br>
+              <a:rPr lang="en-US" dirty="0">
+                <a:solidFill>
+                  <a:schemeClr val="bg1"/>
+                </a:solidFill>
+              </a:rPr>
+            </a:br>
+            <a:br>
+              <a:rPr lang="en-US" dirty="0">
+                <a:solidFill>
+                  <a:schemeClr val="bg1"/>
+                </a:solidFill>
+              </a:rPr>
+            </a:br>
+            <a:r>
+              <a:rPr lang="en-US" dirty="0">
+                <a:solidFill>
+                  <a:schemeClr val="bg1"/>
+                </a:solidFill>
+              </a:rPr>
+              <a:t> </a:t>
+            </a:r>
+            <a:br>
+              <a:rPr lang="en-US" dirty="0">
+                <a:solidFill>
+                  <a:schemeClr val="bg1"/>
+                </a:solidFill>
+              </a:rPr>
+            </a:br>
+            <a:r>
+              <a:rPr lang="en-US" dirty="0">
+                <a:solidFill>
+                  <a:schemeClr val="bg1"/>
+                </a:solidFill>
+              </a:rPr>
+              <a:t>What about other implicit methods?</a:t>
+            </a:r>
+          </a:p>
+        </p:txBody>
+      </p:sp>
     </p:spTree>
     <p:extLst>
       <p:ext uri="{BB962C8B-B14F-4D97-AF65-F5344CB8AC3E}">
-        <p14:creationId xmlns:p14="http://schemas.microsoft.com/office/powerpoint/2010/main" val="3024242561"/>
+        <p14:creationId xmlns:p14="http://schemas.microsoft.com/office/powerpoint/2010/main" val="1593539392"/>
       </p:ext>
     </p:extLst>
   </p:cSld>
@@ -7148,82 +7347,68 @@
           <a:chExt cx="0" cy="0"/>
         </a:xfrm>
       </p:grpSpPr>
-      <p:pic>
-        <p:nvPicPr>
-          <p:cNvPr id="6" name="Picture 5">
-            <a:extLst>
-              <a:ext uri="{FF2B5EF4-FFF2-40B4-BE49-F238E27FC236}">
-                <a16:creationId xmlns:a16="http://schemas.microsoft.com/office/drawing/2014/main" id="{D4D3DB43-E7F6-42EF-8EB2-0C66DAAEF0D4}"/>
-              </a:ext>
-            </a:extLst>
-          </p:cNvPr>
-          <p:cNvPicPr>
-            <a:picLocks noChangeAspect="1"/>
-          </p:cNvPicPr>
-          <p:nvPr/>
-        </p:nvPicPr>
-        <p:blipFill>
-          <a:blip r:embed="rId2">
-            <a:extLst>
-              <a:ext uri="{28A0092B-C50C-407E-A947-70E740481C1C}">
-                <a14:useLocalDpi xmlns:a14="http://schemas.microsoft.com/office/drawing/2010/main" val="0"/>
-              </a:ext>
-            </a:extLst>
-          </a:blip>
-          <a:stretch>
-            <a:fillRect/>
-          </a:stretch>
-        </p:blipFill>
+      <p:sp>
+        <p:nvSpPr>
+          <p:cNvPr id="2" name="Title 1">
+            <a:extLst>
+              <a:ext uri="{FF2B5EF4-FFF2-40B4-BE49-F238E27FC236}">
+                <a16:creationId xmlns:a16="http://schemas.microsoft.com/office/drawing/2014/main" id="{2FA0B769-09AB-475D-BDC1-794AA9E07B30}"/>
+              </a:ext>
+            </a:extLst>
+          </p:cNvPr>
+          <p:cNvSpPr>
+            <a:spLocks noGrp="1"/>
+          </p:cNvSpPr>
+          <p:nvPr>
+            <p:ph type="ctrTitle"/>
+          </p:nvPr>
+        </p:nvSpPr>
         <p:spPr>
           <a:xfrm>
-            <a:off x="5979267" y="625700"/>
-            <a:ext cx="6226309" cy="4883286"/>
+            <a:off x="1524000" y="1122362"/>
+            <a:ext cx="9144000" cy="4261401"/>
           </a:xfrm>
-          <a:prstGeom prst="rect">
-            <a:avLst/>
-          </a:prstGeom>
         </p:spPr>
-      </p:pic>
-      <p:pic>
-        <p:nvPicPr>
-          <p:cNvPr id="3" name="Picture 2">
-            <a:extLst>
-              <a:ext uri="{FF2B5EF4-FFF2-40B4-BE49-F238E27FC236}">
-                <a16:creationId xmlns:a16="http://schemas.microsoft.com/office/drawing/2014/main" id="{BB2765F2-63DB-46AD-B44F-846F8C922CCE}"/>
-              </a:ext>
-            </a:extLst>
-          </p:cNvPr>
-          <p:cNvPicPr>
-            <a:picLocks noChangeAspect="1"/>
-          </p:cNvPicPr>
-          <p:nvPr/>
-        </p:nvPicPr>
-        <p:blipFill>
-          <a:blip r:embed="rId3">
-            <a:extLst>
-              <a:ext uri="{28A0092B-C50C-407E-A947-70E740481C1C}">
-                <a14:useLocalDpi xmlns:a14="http://schemas.microsoft.com/office/drawing/2010/main" val="0"/>
-              </a:ext>
-            </a:extLst>
-          </a:blip>
-          <a:stretch>
-            <a:fillRect/>
-          </a:stretch>
-        </p:blipFill>
-        <p:spPr>
-          <a:xfrm>
-            <a:off x="0" y="625700"/>
-            <a:ext cx="6058393" cy="4883286"/>
-          </a:xfrm>
-          <a:prstGeom prst="rect">
-            <a:avLst/>
-          </a:prstGeom>
-        </p:spPr>
-      </p:pic>
+        <p:txBody>
+          <a:bodyPr>
+            <a:normAutofit/>
+          </a:bodyPr>
+          <a:lstStyle/>
+          <a:p>
+            <a:r>
+              <a:rPr lang="en-US" sz="8000" dirty="0">
+                <a:solidFill>
+                  <a:schemeClr val="bg1"/>
+                </a:solidFill>
+              </a:rPr>
+              <a:t>Trapezoid</a:t>
+            </a:r>
+            <a:br>
+              <a:rPr lang="en-US" dirty="0">
+                <a:solidFill>
+                  <a:schemeClr val="bg1"/>
+                </a:solidFill>
+              </a:rPr>
+            </a:br>
+            <a:br>
+              <a:rPr lang="en-US" dirty="0">
+                <a:solidFill>
+                  <a:schemeClr val="bg1"/>
+                </a:solidFill>
+              </a:rPr>
+            </a:br>
+            <a:endParaRPr lang="en-US" dirty="0">
+              <a:solidFill>
+                <a:schemeClr val="bg1"/>
+              </a:solidFill>
+            </a:endParaRPr>
+          </a:p>
+        </p:txBody>
+      </p:sp>
     </p:spTree>
     <p:extLst>
       <p:ext uri="{BB962C8B-B14F-4D97-AF65-F5344CB8AC3E}">
-        <p14:creationId xmlns:p14="http://schemas.microsoft.com/office/powerpoint/2010/main" val="2499527766"/>
+        <p14:creationId xmlns:p14="http://schemas.microsoft.com/office/powerpoint/2010/main" val="1840451971"/>
       </p:ext>
     </p:extLst>
   </p:cSld>
@@ -7258,68 +7443,46 @@
           <a:chExt cx="0" cy="0"/>
         </a:xfrm>
       </p:grpSpPr>
-      <p:sp>
-        <p:nvSpPr>
-          <p:cNvPr id="2" name="Title 1">
-            <a:extLst>
-              <a:ext uri="{FF2B5EF4-FFF2-40B4-BE49-F238E27FC236}">
-                <a16:creationId xmlns:a16="http://schemas.microsoft.com/office/drawing/2014/main" id="{2FA0B769-09AB-475D-BDC1-794AA9E07B30}"/>
-              </a:ext>
-            </a:extLst>
-          </p:cNvPr>
-          <p:cNvSpPr>
-            <a:spLocks noGrp="1"/>
-          </p:cNvSpPr>
-          <p:nvPr>
-            <p:ph type="ctrTitle"/>
-          </p:nvPr>
-        </p:nvSpPr>
+      <p:pic>
+        <p:nvPicPr>
+          <p:cNvPr id="6" name="Picture 5">
+            <a:extLst>
+              <a:ext uri="{FF2B5EF4-FFF2-40B4-BE49-F238E27FC236}">
+                <a16:creationId xmlns:a16="http://schemas.microsoft.com/office/drawing/2014/main" id="{D4D3DB43-E7F6-42EF-8EB2-0C66DAAEF0D4}"/>
+              </a:ext>
+            </a:extLst>
+          </p:cNvPr>
+          <p:cNvPicPr>
+            <a:picLocks noChangeAspect="1"/>
+          </p:cNvPicPr>
+          <p:nvPr/>
+        </p:nvPicPr>
+        <p:blipFill>
+          <a:blip r:embed="rId2">
+            <a:extLst>
+              <a:ext uri="{28A0092B-C50C-407E-A947-70E740481C1C}">
+                <a14:useLocalDpi xmlns:a14="http://schemas.microsoft.com/office/drawing/2010/main" val="0"/>
+              </a:ext>
+            </a:extLst>
+          </a:blip>
+          <a:stretch>
+            <a:fillRect/>
+          </a:stretch>
+        </p:blipFill>
         <p:spPr>
           <a:xfrm>
-            <a:off x="1505338" y="1831488"/>
-            <a:ext cx="9144000" cy="4261401"/>
+            <a:off x="1614196" y="76339"/>
+            <a:ext cx="8619568" cy="6464676"/>
           </a:xfrm>
+          <a:prstGeom prst="rect">
+            <a:avLst/>
+          </a:prstGeom>
         </p:spPr>
-        <p:txBody>
-          <a:bodyPr>
-            <a:normAutofit fontScale="90000"/>
-          </a:bodyPr>
-          <a:lstStyle/>
-          <a:p>
-            <a:r>
-              <a:rPr lang="en-US" sz="8000" dirty="0">
-                <a:solidFill>
-                  <a:schemeClr val="bg1"/>
-                </a:solidFill>
-              </a:rPr>
-              <a:t>Why are linear multi-step methods worse than single-step here?</a:t>
-            </a:r>
-            <a:br>
-              <a:rPr lang="en-US" dirty="0">
-                <a:solidFill>
-                  <a:schemeClr val="bg1"/>
-                </a:solidFill>
-              </a:rPr>
-            </a:br>
-            <a:br>
-              <a:rPr lang="en-US" dirty="0">
-                <a:solidFill>
-                  <a:schemeClr val="bg1"/>
-                </a:solidFill>
-              </a:rPr>
-            </a:br>
-            <a:endParaRPr lang="en-US" dirty="0">
-              <a:solidFill>
-                <a:schemeClr val="bg1"/>
-              </a:solidFill>
-            </a:endParaRPr>
-          </a:p>
-        </p:txBody>
-      </p:sp>
+      </p:pic>
     </p:spTree>
     <p:extLst>
       <p:ext uri="{BB962C8B-B14F-4D97-AF65-F5344CB8AC3E}">
-        <p14:creationId xmlns:p14="http://schemas.microsoft.com/office/powerpoint/2010/main" val="3017673853"/>
+        <p14:creationId xmlns:p14="http://schemas.microsoft.com/office/powerpoint/2010/main" val="3873948839"/>
       </p:ext>
     </p:extLst>
   </p:cSld>
@@ -7354,128 +7517,82 @@
           <a:chExt cx="0" cy="0"/>
         </a:xfrm>
       </p:grpSpPr>
-      <p:sp>
-        <p:nvSpPr>
-          <p:cNvPr id="2" name="Title 1">
-            <a:extLst>
-              <a:ext uri="{FF2B5EF4-FFF2-40B4-BE49-F238E27FC236}">
-                <a16:creationId xmlns:a16="http://schemas.microsoft.com/office/drawing/2014/main" id="{2FA0B769-09AB-475D-BDC1-794AA9E07B30}"/>
-              </a:ext>
-            </a:extLst>
-          </p:cNvPr>
-          <p:cNvSpPr>
-            <a:spLocks noGrp="1"/>
-          </p:cNvSpPr>
-          <p:nvPr>
-            <p:ph type="ctrTitle"/>
-          </p:nvPr>
-        </p:nvSpPr>
+      <p:pic>
+        <p:nvPicPr>
+          <p:cNvPr id="6" name="Picture 5">
+            <a:extLst>
+              <a:ext uri="{FF2B5EF4-FFF2-40B4-BE49-F238E27FC236}">
+                <a16:creationId xmlns:a16="http://schemas.microsoft.com/office/drawing/2014/main" id="{D4D3DB43-E7F6-42EF-8EB2-0C66DAAEF0D4}"/>
+              </a:ext>
+            </a:extLst>
+          </p:cNvPr>
+          <p:cNvPicPr>
+            <a:picLocks noChangeAspect="1"/>
+          </p:cNvPicPr>
+          <p:nvPr/>
+        </p:nvPicPr>
+        <p:blipFill>
+          <a:blip r:embed="rId2">
+            <a:extLst>
+              <a:ext uri="{28A0092B-C50C-407E-A947-70E740481C1C}">
+                <a14:useLocalDpi xmlns:a14="http://schemas.microsoft.com/office/drawing/2010/main" val="0"/>
+              </a:ext>
+            </a:extLst>
+          </a:blip>
+          <a:stretch>
+            <a:fillRect/>
+          </a:stretch>
+        </p:blipFill>
         <p:spPr>
           <a:xfrm>
-            <a:off x="1427584" y="335901"/>
-            <a:ext cx="9193762" cy="4581330"/>
-          </a:xfrm>
-        </p:spPr>
-        <p:txBody>
-          <a:bodyPr>
-            <a:noAutofit/>
-          </a:bodyPr>
-          <a:lstStyle/>
-          <a:p>
-            <a:r>
-              <a:rPr lang="en-US" sz="4000" dirty="0">
-                <a:solidFill>
-                  <a:schemeClr val="bg1"/>
-                </a:solidFill>
-                <a:latin typeface="Cambria Math" panose="02040503050406030204" pitchFamily="18" charset="0"/>
-                <a:ea typeface="Cambria Math" panose="02040503050406030204" pitchFamily="18" charset="0"/>
-              </a:rPr>
-              <a:t>“When multistep numerical methods are used, instability problems may arise that cannot be circumvented by simply choosing a sufficiently small step size h. This is because multistep methods yield ‘extraneous solutions,’ which may dominate the calculations….”</a:t>
-            </a:r>
-            <a:br>
-              <a:rPr lang="en-US" sz="4000" dirty="0">
-                <a:solidFill>
-                  <a:schemeClr val="bg1"/>
-                </a:solidFill>
-                <a:latin typeface="Cambria Math" panose="02040503050406030204" pitchFamily="18" charset="0"/>
-                <a:ea typeface="Cambria Math" panose="02040503050406030204" pitchFamily="18" charset="0"/>
-              </a:rPr>
-            </a:br>
-            <a:endParaRPr lang="en-US" sz="4000" dirty="0">
-              <a:solidFill>
-                <a:schemeClr val="bg1"/>
-              </a:solidFill>
-              <a:latin typeface="Cambria Math" panose="02040503050406030204" pitchFamily="18" charset="0"/>
-              <a:ea typeface="Cambria Math" panose="02040503050406030204" pitchFamily="18" charset="0"/>
-            </a:endParaRPr>
-          </a:p>
-        </p:txBody>
-      </p:sp>
-      <p:sp>
-        <p:nvSpPr>
-          <p:cNvPr id="3" name="TextBox 2">
-            <a:extLst>
-              <a:ext uri="{FF2B5EF4-FFF2-40B4-BE49-F238E27FC236}">
-                <a16:creationId xmlns:a16="http://schemas.microsoft.com/office/drawing/2014/main" id="{A77B9EC4-0A7F-456A-A7BF-2BA9423EE20E}"/>
-              </a:ext>
-            </a:extLst>
-          </p:cNvPr>
-          <p:cNvSpPr txBox="1"/>
-          <p:nvPr/>
-        </p:nvSpPr>
-        <p:spPr>
-          <a:xfrm>
-            <a:off x="813070" y="4917231"/>
-            <a:ext cx="10422790" cy="400110"/>
+            <a:off x="5979267" y="625700"/>
+            <a:ext cx="6226309" cy="4883286"/>
           </a:xfrm>
           <a:prstGeom prst="rect">
             <a:avLst/>
           </a:prstGeom>
-          <a:noFill/>
         </p:spPr>
-        <p:txBody>
-          <a:bodyPr wrap="none" rtlCol="0">
-            <a:spAutoFit/>
-          </a:bodyPr>
-          <a:lstStyle/>
-          <a:p>
-            <a:r>
-              <a:rPr lang="en-US" sz="2000" dirty="0">
-                <a:solidFill>
-                  <a:schemeClr val="bg1"/>
-                </a:solidFill>
-                <a:latin typeface="Cambria Math" panose="02040503050406030204" pitchFamily="18" charset="0"/>
-                <a:ea typeface="Cambria Math" panose="02040503050406030204" pitchFamily="18" charset="0"/>
-              </a:rPr>
-              <a:t>Source: Fundamentals of Differential Equations. Eighth Edition. Nagle, </a:t>
-            </a:r>
-            <a:r>
-              <a:rPr lang="en-US" sz="2000" dirty="0" err="1">
-                <a:solidFill>
-                  <a:schemeClr val="bg1"/>
-                </a:solidFill>
-                <a:latin typeface="Cambria Math" panose="02040503050406030204" pitchFamily="18" charset="0"/>
-                <a:ea typeface="Cambria Math" panose="02040503050406030204" pitchFamily="18" charset="0"/>
-              </a:rPr>
-              <a:t>Saff</a:t>
-            </a:r>
-            <a:r>
-              <a:rPr lang="en-US" sz="2000" dirty="0">
-                <a:solidFill>
-                  <a:schemeClr val="bg1"/>
-                </a:solidFill>
-                <a:latin typeface="Cambria Math" panose="02040503050406030204" pitchFamily="18" charset="0"/>
-                <a:ea typeface="Cambria Math" panose="02040503050406030204" pitchFamily="18" charset="0"/>
-              </a:rPr>
-              <a:t>, and Snider. Pg. 150</a:t>
-            </a:r>
-          </a:p>
-        </p:txBody>
-      </p:sp>
+      </p:pic>
+      <p:pic>
+        <p:nvPicPr>
+          <p:cNvPr id="3" name="Picture 2">
+            <a:extLst>
+              <a:ext uri="{FF2B5EF4-FFF2-40B4-BE49-F238E27FC236}">
+                <a16:creationId xmlns:a16="http://schemas.microsoft.com/office/drawing/2014/main" id="{BB2765F2-63DB-46AD-B44F-846F8C922CCE}"/>
+              </a:ext>
+            </a:extLst>
+          </p:cNvPr>
+          <p:cNvPicPr>
+            <a:picLocks noChangeAspect="1"/>
+          </p:cNvPicPr>
+          <p:nvPr/>
+        </p:nvPicPr>
+        <p:blipFill>
+          <a:blip r:embed="rId3">
+            <a:extLst>
+              <a:ext uri="{28A0092B-C50C-407E-A947-70E740481C1C}">
+                <a14:useLocalDpi xmlns:a14="http://schemas.microsoft.com/office/drawing/2010/main" val="0"/>
+              </a:ext>
+            </a:extLst>
+          </a:blip>
+          <a:stretch>
+            <a:fillRect/>
+          </a:stretch>
+        </p:blipFill>
+        <p:spPr>
+          <a:xfrm>
+            <a:off x="-79126" y="625700"/>
+            <a:ext cx="6058393" cy="4883286"/>
+          </a:xfrm>
+          <a:prstGeom prst="rect">
+            <a:avLst/>
+          </a:prstGeom>
+        </p:spPr>
+      </p:pic>
     </p:spTree>
     <p:extLst>
       <p:ext uri="{BB962C8B-B14F-4D97-AF65-F5344CB8AC3E}">
-        <p14:creationId xmlns:p14="http://schemas.microsoft.com/office/powerpoint/2010/main" val="3100945798"/>
+        <p14:creationId xmlns:p14="http://schemas.microsoft.com/office/powerpoint/2010/main" val="3024242561"/>
       </p:ext>
     </p:extLst>
   </p:cSld>
@@ -7510,68 +7627,82 @@
           <a:chExt cx="0" cy="0"/>
         </a:xfrm>
       </p:grpSpPr>
-      <p:sp>
-        <p:nvSpPr>
-          <p:cNvPr id="2" name="Title 1">
-            <a:extLst>
-              <a:ext uri="{FF2B5EF4-FFF2-40B4-BE49-F238E27FC236}">
-                <a16:creationId xmlns:a16="http://schemas.microsoft.com/office/drawing/2014/main" id="{2FA0B769-09AB-475D-BDC1-794AA9E07B30}"/>
-              </a:ext>
-            </a:extLst>
-          </p:cNvPr>
-          <p:cNvSpPr>
-            <a:spLocks noGrp="1"/>
-          </p:cNvSpPr>
-          <p:nvPr>
-            <p:ph type="ctrTitle"/>
-          </p:nvPr>
-        </p:nvSpPr>
+      <p:pic>
+        <p:nvPicPr>
+          <p:cNvPr id="6" name="Picture 5">
+            <a:extLst>
+              <a:ext uri="{FF2B5EF4-FFF2-40B4-BE49-F238E27FC236}">
+                <a16:creationId xmlns:a16="http://schemas.microsoft.com/office/drawing/2014/main" id="{D4D3DB43-E7F6-42EF-8EB2-0C66DAAEF0D4}"/>
+              </a:ext>
+            </a:extLst>
+          </p:cNvPr>
+          <p:cNvPicPr>
+            <a:picLocks noChangeAspect="1"/>
+          </p:cNvPicPr>
+          <p:nvPr/>
+        </p:nvPicPr>
+        <p:blipFill>
+          <a:blip r:embed="rId2">
+            <a:extLst>
+              <a:ext uri="{28A0092B-C50C-407E-A947-70E740481C1C}">
+                <a14:useLocalDpi xmlns:a14="http://schemas.microsoft.com/office/drawing/2010/main" val="0"/>
+              </a:ext>
+            </a:extLst>
+          </a:blip>
+          <a:stretch>
+            <a:fillRect/>
+          </a:stretch>
+        </p:blipFill>
         <p:spPr>
           <a:xfrm>
-            <a:off x="1548882" y="1073020"/>
-            <a:ext cx="9100456" cy="4544009"/>
+            <a:off x="5979267" y="625700"/>
+            <a:ext cx="6226309" cy="4883286"/>
           </a:xfrm>
+          <a:prstGeom prst="rect">
+            <a:avLst/>
+          </a:prstGeom>
         </p:spPr>
-        <p:txBody>
-          <a:bodyPr>
-            <a:normAutofit/>
-          </a:bodyPr>
-          <a:lstStyle/>
-          <a:p>
-            <a:r>
-              <a:rPr lang="en-US" sz="8000" dirty="0">
-                <a:solidFill>
-                  <a:schemeClr val="bg1"/>
-                </a:solidFill>
-              </a:rPr>
-              <a:t>But why?</a:t>
-            </a:r>
-            <a:br>
-              <a:rPr lang="en-US" dirty="0">
-                <a:solidFill>
-                  <a:schemeClr val="bg1"/>
-                </a:solidFill>
-              </a:rPr>
-            </a:br>
-            <a:br>
-              <a:rPr lang="en-US" dirty="0">
-                <a:solidFill>
-                  <a:schemeClr val="bg1"/>
-                </a:solidFill>
-              </a:rPr>
-            </a:br>
-            <a:endParaRPr lang="en-US" dirty="0">
-              <a:solidFill>
-                <a:schemeClr val="bg1"/>
-              </a:solidFill>
-            </a:endParaRPr>
-          </a:p>
-        </p:txBody>
-      </p:sp>
+      </p:pic>
+      <p:pic>
+        <p:nvPicPr>
+          <p:cNvPr id="3" name="Picture 2">
+            <a:extLst>
+              <a:ext uri="{FF2B5EF4-FFF2-40B4-BE49-F238E27FC236}">
+                <a16:creationId xmlns:a16="http://schemas.microsoft.com/office/drawing/2014/main" id="{BB2765F2-63DB-46AD-B44F-846F8C922CCE}"/>
+              </a:ext>
+            </a:extLst>
+          </p:cNvPr>
+          <p:cNvPicPr>
+            <a:picLocks noChangeAspect="1"/>
+          </p:cNvPicPr>
+          <p:nvPr/>
+        </p:nvPicPr>
+        <p:blipFill>
+          <a:blip r:embed="rId3">
+            <a:extLst>
+              <a:ext uri="{28A0092B-C50C-407E-A947-70E740481C1C}">
+                <a14:useLocalDpi xmlns:a14="http://schemas.microsoft.com/office/drawing/2010/main" val="0"/>
+              </a:ext>
+            </a:extLst>
+          </a:blip>
+          <a:stretch>
+            <a:fillRect/>
+          </a:stretch>
+        </p:blipFill>
+        <p:spPr>
+          <a:xfrm>
+            <a:off x="0" y="625700"/>
+            <a:ext cx="6058393" cy="4883286"/>
+          </a:xfrm>
+          <a:prstGeom prst="rect">
+            <a:avLst/>
+          </a:prstGeom>
+        </p:spPr>
+      </p:pic>
     </p:spTree>
     <p:extLst>
       <p:ext uri="{BB962C8B-B14F-4D97-AF65-F5344CB8AC3E}">
-        <p14:creationId xmlns:p14="http://schemas.microsoft.com/office/powerpoint/2010/main" val="2279195908"/>
+        <p14:creationId xmlns:p14="http://schemas.microsoft.com/office/powerpoint/2010/main" val="2499527766"/>
       </p:ext>
     </p:extLst>
   </p:cSld>
@@ -7606,8 +7737,8 @@
           <a:chExt cx="0" cy="0"/>
         </a:xfrm>
       </p:grpSpPr>
-      <mc:AlternateContent xmlns:mc="http://schemas.openxmlformats.org/markup-compatibility/2006">
-        <mc:Choice xmlns:a14="http://schemas.microsoft.com/office/drawing/2010/main" Requires="a14">
+      <mc:AlternateContent xmlns:mc="http://schemas.openxmlformats.org/markup-compatibility/2006" xmlns:a14="http://schemas.microsoft.com/office/drawing/2010/main">
+        <mc:Choice Requires="a14">
           <p:sp>
             <p:nvSpPr>
               <p:cNvPr id="2" name="Title 1">
@@ -8401,7 +8532,7 @@
             </p:txBody>
           </p:sp>
         </mc:Choice>
-        <mc:Fallback>
+        <mc:Fallback xmlns="">
           <p:sp>
             <p:nvSpPr>
               <p:cNvPr id="2" name="Title 1">
@@ -8584,6 +8715,354 @@
         </p:nvSpPr>
         <p:spPr>
           <a:xfrm>
+            <a:off x="1505338" y="1831488"/>
+            <a:ext cx="9144000" cy="4261401"/>
+          </a:xfrm>
+        </p:spPr>
+        <p:txBody>
+          <a:bodyPr>
+            <a:normAutofit fontScale="90000"/>
+          </a:bodyPr>
+          <a:lstStyle/>
+          <a:p>
+            <a:r>
+              <a:rPr lang="en-US" sz="8000" dirty="0">
+                <a:solidFill>
+                  <a:schemeClr val="bg1"/>
+                </a:solidFill>
+              </a:rPr>
+              <a:t>Why are linear multi-step methods worse than single-step here?</a:t>
+            </a:r>
+            <a:br>
+              <a:rPr lang="en-US" dirty="0">
+                <a:solidFill>
+                  <a:schemeClr val="bg1"/>
+                </a:solidFill>
+              </a:rPr>
+            </a:br>
+            <a:br>
+              <a:rPr lang="en-US" dirty="0">
+                <a:solidFill>
+                  <a:schemeClr val="bg1"/>
+                </a:solidFill>
+              </a:rPr>
+            </a:br>
+            <a:endParaRPr lang="en-US" dirty="0">
+              <a:solidFill>
+                <a:schemeClr val="bg1"/>
+              </a:solidFill>
+            </a:endParaRPr>
+          </a:p>
+        </p:txBody>
+      </p:sp>
+    </p:spTree>
+    <p:extLst>
+      <p:ext uri="{BB962C8B-B14F-4D97-AF65-F5344CB8AC3E}">
+        <p14:creationId xmlns:p14="http://schemas.microsoft.com/office/powerpoint/2010/main" val="3017673853"/>
+      </p:ext>
+    </p:extLst>
+  </p:cSld>
+  <p:clrMapOvr>
+    <a:masterClrMapping/>
+  </p:clrMapOvr>
+</p:sld>
+</file>
+
+<file path=ppt/slides/slide41.xml><?xml version="1.0" encoding="utf-8"?>
+<p:sld xmlns:a="http://schemas.openxmlformats.org/drawingml/2006/main" xmlns:r="http://schemas.openxmlformats.org/officeDocument/2006/relationships" xmlns:p="http://schemas.openxmlformats.org/presentationml/2006/main">
+  <p:cSld>
+    <p:bg>
+      <p:bgPr>
+        <a:solidFill>
+          <a:schemeClr val="tx1"/>
+        </a:solidFill>
+        <a:effectLst/>
+      </p:bgPr>
+    </p:bg>
+    <p:spTree>
+      <p:nvGrpSpPr>
+        <p:cNvPr id="1" name=""/>
+        <p:cNvGrpSpPr/>
+        <p:nvPr/>
+      </p:nvGrpSpPr>
+      <p:grpSpPr>
+        <a:xfrm>
+          <a:off x="0" y="0"/>
+          <a:ext cx="0" cy="0"/>
+          <a:chOff x="0" y="0"/>
+          <a:chExt cx="0" cy="0"/>
+        </a:xfrm>
+      </p:grpSpPr>
+      <p:sp>
+        <p:nvSpPr>
+          <p:cNvPr id="2" name="Title 1">
+            <a:extLst>
+              <a:ext uri="{FF2B5EF4-FFF2-40B4-BE49-F238E27FC236}">
+                <a16:creationId xmlns:a16="http://schemas.microsoft.com/office/drawing/2014/main" id="{2FA0B769-09AB-475D-BDC1-794AA9E07B30}"/>
+              </a:ext>
+            </a:extLst>
+          </p:cNvPr>
+          <p:cNvSpPr>
+            <a:spLocks noGrp="1"/>
+          </p:cNvSpPr>
+          <p:nvPr>
+            <p:ph type="ctrTitle"/>
+          </p:nvPr>
+        </p:nvSpPr>
+        <p:spPr>
+          <a:xfrm>
+            <a:off x="1427584" y="335901"/>
+            <a:ext cx="9193762" cy="4581330"/>
+          </a:xfrm>
+        </p:spPr>
+        <p:txBody>
+          <a:bodyPr>
+            <a:noAutofit/>
+          </a:bodyPr>
+          <a:lstStyle/>
+          <a:p>
+            <a:r>
+              <a:rPr lang="en-US" sz="4000" dirty="0">
+                <a:solidFill>
+                  <a:schemeClr val="bg1"/>
+                </a:solidFill>
+                <a:latin typeface="Cambria Math" panose="02040503050406030204" pitchFamily="18" charset="0"/>
+                <a:ea typeface="Cambria Math" panose="02040503050406030204" pitchFamily="18" charset="0"/>
+              </a:rPr>
+              <a:t>“When multistep numerical methods are used, instability problems may arise that cannot be circumvented by simply choosing a sufficiently small step size h. This is because multistep methods yield ‘extraneous solutions,’ which may dominate the calculations….”</a:t>
+            </a:r>
+            <a:br>
+              <a:rPr lang="en-US" sz="4000" dirty="0">
+                <a:solidFill>
+                  <a:schemeClr val="bg1"/>
+                </a:solidFill>
+                <a:latin typeface="Cambria Math" panose="02040503050406030204" pitchFamily="18" charset="0"/>
+                <a:ea typeface="Cambria Math" panose="02040503050406030204" pitchFamily="18" charset="0"/>
+              </a:rPr>
+            </a:br>
+            <a:endParaRPr lang="en-US" sz="4000" dirty="0">
+              <a:solidFill>
+                <a:schemeClr val="bg1"/>
+              </a:solidFill>
+              <a:latin typeface="Cambria Math" panose="02040503050406030204" pitchFamily="18" charset="0"/>
+              <a:ea typeface="Cambria Math" panose="02040503050406030204" pitchFamily="18" charset="0"/>
+            </a:endParaRPr>
+          </a:p>
+        </p:txBody>
+      </p:sp>
+      <p:sp>
+        <p:nvSpPr>
+          <p:cNvPr id="3" name="TextBox 2">
+            <a:extLst>
+              <a:ext uri="{FF2B5EF4-FFF2-40B4-BE49-F238E27FC236}">
+                <a16:creationId xmlns:a16="http://schemas.microsoft.com/office/drawing/2014/main" id="{A77B9EC4-0A7F-456A-A7BF-2BA9423EE20E}"/>
+              </a:ext>
+            </a:extLst>
+          </p:cNvPr>
+          <p:cNvSpPr txBox="1"/>
+          <p:nvPr/>
+        </p:nvSpPr>
+        <p:spPr>
+          <a:xfrm>
+            <a:off x="813070" y="4917231"/>
+            <a:ext cx="10422790" cy="400110"/>
+          </a:xfrm>
+          <a:prstGeom prst="rect">
+            <a:avLst/>
+          </a:prstGeom>
+          <a:noFill/>
+        </p:spPr>
+        <p:txBody>
+          <a:bodyPr wrap="none" rtlCol="0">
+            <a:spAutoFit/>
+          </a:bodyPr>
+          <a:lstStyle/>
+          <a:p>
+            <a:r>
+              <a:rPr lang="en-US" sz="2000" dirty="0">
+                <a:solidFill>
+                  <a:schemeClr val="bg1"/>
+                </a:solidFill>
+                <a:latin typeface="Cambria Math" panose="02040503050406030204" pitchFamily="18" charset="0"/>
+                <a:ea typeface="Cambria Math" panose="02040503050406030204" pitchFamily="18" charset="0"/>
+              </a:rPr>
+              <a:t>Source: Fundamentals of Differential Equations. Eighth Edition. Nagle, </a:t>
+            </a:r>
+            <a:r>
+              <a:rPr lang="en-US" sz="2000" dirty="0" err="1">
+                <a:solidFill>
+                  <a:schemeClr val="bg1"/>
+                </a:solidFill>
+                <a:latin typeface="Cambria Math" panose="02040503050406030204" pitchFamily="18" charset="0"/>
+                <a:ea typeface="Cambria Math" panose="02040503050406030204" pitchFamily="18" charset="0"/>
+              </a:rPr>
+              <a:t>Saff</a:t>
+            </a:r>
+            <a:r>
+              <a:rPr lang="en-US" sz="2000" dirty="0">
+                <a:solidFill>
+                  <a:schemeClr val="bg1"/>
+                </a:solidFill>
+                <a:latin typeface="Cambria Math" panose="02040503050406030204" pitchFamily="18" charset="0"/>
+                <a:ea typeface="Cambria Math" panose="02040503050406030204" pitchFamily="18" charset="0"/>
+              </a:rPr>
+              <a:t>, and Snider. Pg. 150</a:t>
+            </a:r>
+          </a:p>
+        </p:txBody>
+      </p:sp>
+    </p:spTree>
+    <p:extLst>
+      <p:ext uri="{BB962C8B-B14F-4D97-AF65-F5344CB8AC3E}">
+        <p14:creationId xmlns:p14="http://schemas.microsoft.com/office/powerpoint/2010/main" val="3100945798"/>
+      </p:ext>
+    </p:extLst>
+  </p:cSld>
+  <p:clrMapOvr>
+    <a:masterClrMapping/>
+  </p:clrMapOvr>
+</p:sld>
+</file>
+
+<file path=ppt/slides/slide42.xml><?xml version="1.0" encoding="utf-8"?>
+<p:sld xmlns:a="http://schemas.openxmlformats.org/drawingml/2006/main" xmlns:r="http://schemas.openxmlformats.org/officeDocument/2006/relationships" xmlns:p="http://schemas.openxmlformats.org/presentationml/2006/main">
+  <p:cSld>
+    <p:bg>
+      <p:bgPr>
+        <a:solidFill>
+          <a:schemeClr val="tx1"/>
+        </a:solidFill>
+        <a:effectLst/>
+      </p:bgPr>
+    </p:bg>
+    <p:spTree>
+      <p:nvGrpSpPr>
+        <p:cNvPr id="1" name=""/>
+        <p:cNvGrpSpPr/>
+        <p:nvPr/>
+      </p:nvGrpSpPr>
+      <p:grpSpPr>
+        <a:xfrm>
+          <a:off x="0" y="0"/>
+          <a:ext cx="0" cy="0"/>
+          <a:chOff x="0" y="0"/>
+          <a:chExt cx="0" cy="0"/>
+        </a:xfrm>
+      </p:grpSpPr>
+      <p:sp>
+        <p:nvSpPr>
+          <p:cNvPr id="2" name="Title 1">
+            <a:extLst>
+              <a:ext uri="{FF2B5EF4-FFF2-40B4-BE49-F238E27FC236}">
+                <a16:creationId xmlns:a16="http://schemas.microsoft.com/office/drawing/2014/main" id="{2FA0B769-09AB-475D-BDC1-794AA9E07B30}"/>
+              </a:ext>
+            </a:extLst>
+          </p:cNvPr>
+          <p:cNvSpPr>
+            <a:spLocks noGrp="1"/>
+          </p:cNvSpPr>
+          <p:nvPr>
+            <p:ph type="ctrTitle"/>
+          </p:nvPr>
+        </p:nvSpPr>
+        <p:spPr>
+          <a:xfrm>
+            <a:off x="1548882" y="1073020"/>
+            <a:ext cx="9100456" cy="4544009"/>
+          </a:xfrm>
+        </p:spPr>
+        <p:txBody>
+          <a:bodyPr>
+            <a:normAutofit/>
+          </a:bodyPr>
+          <a:lstStyle/>
+          <a:p>
+            <a:r>
+              <a:rPr lang="en-US" sz="8000" dirty="0">
+                <a:solidFill>
+                  <a:schemeClr val="bg1"/>
+                </a:solidFill>
+              </a:rPr>
+              <a:t>But why?</a:t>
+            </a:r>
+            <a:br>
+              <a:rPr lang="en-US" dirty="0">
+                <a:solidFill>
+                  <a:schemeClr val="bg1"/>
+                </a:solidFill>
+              </a:rPr>
+            </a:br>
+            <a:br>
+              <a:rPr lang="en-US" dirty="0">
+                <a:solidFill>
+                  <a:schemeClr val="bg1"/>
+                </a:solidFill>
+              </a:rPr>
+            </a:br>
+            <a:endParaRPr lang="en-US" dirty="0">
+              <a:solidFill>
+                <a:schemeClr val="bg1"/>
+              </a:solidFill>
+            </a:endParaRPr>
+          </a:p>
+        </p:txBody>
+      </p:sp>
+    </p:spTree>
+    <p:extLst>
+      <p:ext uri="{BB962C8B-B14F-4D97-AF65-F5344CB8AC3E}">
+        <p14:creationId xmlns:p14="http://schemas.microsoft.com/office/powerpoint/2010/main" val="2279195908"/>
+      </p:ext>
+    </p:extLst>
+  </p:cSld>
+  <p:clrMapOvr>
+    <a:masterClrMapping/>
+  </p:clrMapOvr>
+</p:sld>
+</file>
+
+<file path=ppt/slides/slide43.xml><?xml version="1.0" encoding="utf-8"?>
+<p:sld xmlns:a="http://schemas.openxmlformats.org/drawingml/2006/main" xmlns:r="http://schemas.openxmlformats.org/officeDocument/2006/relationships" xmlns:p="http://schemas.openxmlformats.org/presentationml/2006/main">
+  <p:cSld>
+    <p:bg>
+      <p:bgPr>
+        <a:solidFill>
+          <a:schemeClr val="tx1"/>
+        </a:solidFill>
+        <a:effectLst/>
+      </p:bgPr>
+    </p:bg>
+    <p:spTree>
+      <p:nvGrpSpPr>
+        <p:cNvPr id="1" name=""/>
+        <p:cNvGrpSpPr/>
+        <p:nvPr/>
+      </p:nvGrpSpPr>
+      <p:grpSpPr>
+        <a:xfrm>
+          <a:off x="0" y="0"/>
+          <a:ext cx="0" cy="0"/>
+          <a:chOff x="0" y="0"/>
+          <a:chExt cx="0" cy="0"/>
+        </a:xfrm>
+      </p:grpSpPr>
+      <p:sp>
+        <p:nvSpPr>
+          <p:cNvPr id="2" name="Title 1">
+            <a:extLst>
+              <a:ext uri="{FF2B5EF4-FFF2-40B4-BE49-F238E27FC236}">
+                <a16:creationId xmlns:a16="http://schemas.microsoft.com/office/drawing/2014/main" id="{2FA0B769-09AB-475D-BDC1-794AA9E07B30}"/>
+              </a:ext>
+            </a:extLst>
+          </p:cNvPr>
+          <p:cNvSpPr>
+            <a:spLocks noGrp="1"/>
+          </p:cNvSpPr>
+          <p:nvPr>
+            <p:ph type="ctrTitle"/>
+          </p:nvPr>
+        </p:nvSpPr>
+        <p:spPr>
+          <a:xfrm>
             <a:off x="1548882" y="1073020"/>
             <a:ext cx="9100456" cy="4544009"/>
           </a:xfrm>
@@ -8758,8 +9237,8 @@
           <a:chExt cx="0" cy="0"/>
         </a:xfrm>
       </p:grpSpPr>
-      <mc:AlternateContent xmlns:mc="http://schemas.openxmlformats.org/markup-compatibility/2006">
-        <mc:Choice xmlns:a14="http://schemas.microsoft.com/office/drawing/2010/main" Requires="a14">
+      <mc:AlternateContent xmlns:mc="http://schemas.openxmlformats.org/markup-compatibility/2006" xmlns:a14="http://schemas.microsoft.com/office/drawing/2010/main">
+        <mc:Choice Requires="a14">
           <p:sp>
             <p:nvSpPr>
               <p:cNvPr id="2" name="Title 1">
@@ -9536,7 +10015,7 @@
             </p:txBody>
           </p:sp>
         </mc:Choice>
-        <mc:Fallback>
+        <mc:Fallback xmlns="">
           <p:sp>
             <p:nvSpPr>
               <p:cNvPr id="2" name="Title 1">
@@ -9701,8 +10180,8 @@
           <a:chExt cx="0" cy="0"/>
         </a:xfrm>
       </p:grpSpPr>
-      <mc:AlternateContent xmlns:mc="http://schemas.openxmlformats.org/markup-compatibility/2006">
-        <mc:Choice xmlns:a14="http://schemas.microsoft.com/office/drawing/2010/main" Requires="a14">
+      <mc:AlternateContent xmlns:mc="http://schemas.openxmlformats.org/markup-compatibility/2006" xmlns:a14="http://schemas.microsoft.com/office/drawing/2010/main">
+        <mc:Choice Requires="a14">
           <p:sp>
             <p:nvSpPr>
               <p:cNvPr id="2" name="Title 1">
@@ -10367,17 +10846,7 @@
                                   <a:latin typeface="Cambria Math" panose="02040503050406030204" pitchFamily="18" charset="0"/>
                                   <a:ea typeface="Cambria Math" panose="02040503050406030204" pitchFamily="18" charset="0"/>
                                 </a:rPr>
-                                <m:t>∗</m:t>
-                              </m:r>
-                              <m:r>
-                                <a:rPr lang="en-US" sz="3600" i="1">
-                                  <a:solidFill>
-                                    <a:schemeClr val="bg1"/>
-                                  </a:solidFill>
-                                  <a:latin typeface="Cambria Math" panose="02040503050406030204" pitchFamily="18" charset="0"/>
-                                  <a:ea typeface="Cambria Math" panose="02040503050406030204" pitchFamily="18" charset="0"/>
-                                </a:rPr>
-                                <m:t>2</m:t>
+                                <m:t>∗2</m:t>
                               </m:r>
                               <m:d>
                                 <m:dPr>
@@ -10987,7 +11456,7 @@
             </p:txBody>
           </p:sp>
         </mc:Choice>
-        <mc:Fallback>
+        <mc:Fallback xmlns="">
           <p:sp>
             <p:nvSpPr>
               <p:cNvPr id="2" name="Title 1">
@@ -11226,7 +11695,7 @@
         </p:nvSpPr>
         <p:spPr>
           <a:xfrm>
-            <a:off x="1524000" y="1122363"/>
+            <a:off x="1524000" y="216352"/>
             <a:ext cx="9144000" cy="1922842"/>
           </a:xfrm>
         </p:spPr>
@@ -11244,7 +11713,7 @@
                 <a:latin typeface="Cambria Math" panose="02040503050406030204" pitchFamily="18" charset="0"/>
                 <a:ea typeface="Cambria Math" panose="02040503050406030204" pitchFamily="18" charset="0"/>
               </a:rPr>
-              <a:t>Steepest descent with Weakest Line Search:</a:t>
+              <a:t>General Strategy </a:t>
             </a:r>
           </a:p>
         </p:txBody>
@@ -11263,8 +11732,8 @@
         </p:nvSpPr>
         <p:spPr>
           <a:xfrm>
-            <a:off x="1855301" y="3429000"/>
-            <a:ext cx="9388468" cy="1569660"/>
+            <a:off x="953548" y="2430710"/>
+            <a:ext cx="10910166" cy="3539430"/>
           </a:xfrm>
           <a:prstGeom prst="rect">
             <a:avLst/>
@@ -11277,18 +11746,6 @@
           </a:bodyPr>
           <a:lstStyle/>
           <a:p>
-            <a:r>
-              <a:rPr lang="en-US" sz="3200" dirty="0">
-                <a:solidFill>
-                  <a:schemeClr val="bg1"/>
-                </a:solidFill>
-                <a:latin typeface="Cambria Math" panose="02040503050406030204" pitchFamily="18" charset="0"/>
-                <a:ea typeface="Cambria Math" panose="02040503050406030204" pitchFamily="18" charset="0"/>
-              </a:rPr>
-              <a:t>Fails to:</a:t>
-            </a:r>
-          </a:p>
-          <a:p>
             <a:pPr marL="514350" indent="-514350">
               <a:buFont typeface="+mj-lt"/>
               <a:buAutoNum type="arabicPeriod"/>
@@ -11301,7 +11758,7 @@
                 <a:latin typeface="Cambria Math" panose="02040503050406030204" pitchFamily="18" charset="0"/>
                 <a:ea typeface="Cambria Math" panose="02040503050406030204" pitchFamily="18" charset="0"/>
               </a:rPr>
-              <a:t>Find the minimum structure for even very small n</a:t>
+              <a:t>Use two points 1 unit apart as a starting structure for n=2.</a:t>
             </a:r>
           </a:p>
           <a:p>
@@ -11317,9 +11774,85 @@
                 <a:latin typeface="Cambria Math" panose="02040503050406030204" pitchFamily="18" charset="0"/>
                 <a:ea typeface="Cambria Math" panose="02040503050406030204" pitchFamily="18" charset="0"/>
               </a:rPr>
-              <a:t>Do so in a reasonable amount of time…</a:t>
-            </a:r>
-            <a:endParaRPr lang="en-US" sz="3200" dirty="0"/>
+              <a:t>For some number of initial guesses: </a:t>
+            </a:r>
+          </a:p>
+          <a:p>
+            <a:pPr marL="971550" lvl="1" indent="-514350">
+              <a:buFont typeface="+mj-lt"/>
+              <a:buAutoNum type="alphaLcPeriod"/>
+            </a:pPr>
+            <a:r>
+              <a:rPr lang="en-US" sz="3200" dirty="0">
+                <a:solidFill>
+                  <a:schemeClr val="bg1"/>
+                </a:solidFill>
+                <a:latin typeface="Cambria Math" panose="02040503050406030204" pitchFamily="18" charset="0"/>
+                <a:ea typeface="Cambria Math" panose="02040503050406030204" pitchFamily="18" charset="0"/>
+              </a:rPr>
+              <a:t>Guess 1 random point, append to the previous structure.</a:t>
+            </a:r>
+          </a:p>
+          <a:p>
+            <a:pPr marL="971550" lvl="1" indent="-514350">
+              <a:buFont typeface="+mj-lt"/>
+              <a:buAutoNum type="alphaLcPeriod"/>
+            </a:pPr>
+            <a:r>
+              <a:rPr lang="en-US" sz="3200" dirty="0">
+                <a:solidFill>
+                  <a:schemeClr val="bg1"/>
+                </a:solidFill>
+                <a:latin typeface="Cambria Math" panose="02040503050406030204" pitchFamily="18" charset="0"/>
+                <a:ea typeface="Cambria Math" panose="02040503050406030204" pitchFamily="18" charset="0"/>
+              </a:rPr>
+              <a:t>Run minimizer to obtain approximate solution. </a:t>
+            </a:r>
+          </a:p>
+          <a:p>
+            <a:pPr marL="971550" lvl="1" indent="-514350">
+              <a:buFont typeface="+mj-lt"/>
+              <a:buAutoNum type="alphaLcPeriod"/>
+            </a:pPr>
+            <a:r>
+              <a:rPr lang="en-US" sz="3200" dirty="0">
+                <a:solidFill>
+                  <a:schemeClr val="bg1"/>
+                </a:solidFill>
+                <a:latin typeface="Cambria Math" panose="02040503050406030204" pitchFamily="18" charset="0"/>
+                <a:ea typeface="Cambria Math" panose="02040503050406030204" pitchFamily="18" charset="0"/>
+              </a:rPr>
+              <a:t>Save structure with minimum energy.</a:t>
+            </a:r>
+          </a:p>
+          <a:p>
+            <a:pPr marL="514350" indent="-514350">
+              <a:buFont typeface="+mj-lt"/>
+              <a:buAutoNum type="arabicPeriod"/>
+            </a:pPr>
+            <a:r>
+              <a:rPr lang="en-US" sz="3200" dirty="0">
+                <a:solidFill>
+                  <a:schemeClr val="bg1"/>
+                </a:solidFill>
+                <a:latin typeface="Cambria Math" panose="02040503050406030204" pitchFamily="18" charset="0"/>
+                <a:ea typeface="Cambria Math" panose="02040503050406030204" pitchFamily="18" charset="0"/>
+              </a:rPr>
+              <a:t>Use structure with lowest energy as initial guess for n + 1.</a:t>
+            </a:r>
+          </a:p>
+          <a:p>
+            <a:pPr marL="971550" lvl="1" indent="-514350">
+              <a:buFont typeface="+mj-lt"/>
+              <a:buAutoNum type="arabicPeriod"/>
+            </a:pPr>
+            <a:endParaRPr lang="en-US" sz="3200" dirty="0">
+              <a:solidFill>
+                <a:schemeClr val="bg1"/>
+              </a:solidFill>
+              <a:latin typeface="Cambria Math" panose="02040503050406030204" pitchFamily="18" charset="0"/>
+              <a:ea typeface="Cambria Math" panose="02040503050406030204" pitchFamily="18" charset="0"/>
+            </a:endParaRPr>
           </a:p>
         </p:txBody>
       </p:sp>

--- a/Lennard-Jones Structures.pptx
+++ b/Lennard-Jones Structures.pptx
@@ -19,35 +19,22 @@
     <p:sldId id="297" r:id="rId13"/>
     <p:sldId id="298" r:id="rId14"/>
     <p:sldId id="299" r:id="rId15"/>
-    <p:sldId id="285" r:id="rId16"/>
-    <p:sldId id="287" r:id="rId17"/>
-    <p:sldId id="262" r:id="rId18"/>
-    <p:sldId id="263" r:id="rId19"/>
-    <p:sldId id="264" r:id="rId20"/>
-    <p:sldId id="265" r:id="rId21"/>
-    <p:sldId id="266" r:id="rId22"/>
-    <p:sldId id="267" r:id="rId23"/>
-    <p:sldId id="258" r:id="rId24"/>
-    <p:sldId id="270" r:id="rId25"/>
-    <p:sldId id="271" r:id="rId26"/>
-    <p:sldId id="272" r:id="rId27"/>
-    <p:sldId id="269" r:id="rId28"/>
-    <p:sldId id="278" r:id="rId29"/>
-    <p:sldId id="273" r:id="rId30"/>
-    <p:sldId id="275" r:id="rId31"/>
-    <p:sldId id="276" r:id="rId32"/>
-    <p:sldId id="277" r:id="rId33"/>
-    <p:sldId id="279" r:id="rId34"/>
-    <p:sldId id="280" r:id="rId35"/>
-    <p:sldId id="274" r:id="rId36"/>
-    <p:sldId id="281" r:id="rId37"/>
-    <p:sldId id="282" r:id="rId38"/>
-    <p:sldId id="283" r:id="rId39"/>
-    <p:sldId id="284" r:id="rId40"/>
-    <p:sldId id="288" r:id="rId41"/>
-    <p:sldId id="289" r:id="rId42"/>
-    <p:sldId id="291" r:id="rId43"/>
-    <p:sldId id="292" r:id="rId44"/>
+    <p:sldId id="301" r:id="rId16"/>
+    <p:sldId id="306" r:id="rId17"/>
+    <p:sldId id="307" r:id="rId18"/>
+    <p:sldId id="313" r:id="rId19"/>
+    <p:sldId id="314" r:id="rId20"/>
+    <p:sldId id="315" r:id="rId21"/>
+    <p:sldId id="316" r:id="rId22"/>
+    <p:sldId id="303" r:id="rId23"/>
+    <p:sldId id="308" r:id="rId24"/>
+    <p:sldId id="309" r:id="rId25"/>
+    <p:sldId id="311" r:id="rId26"/>
+    <p:sldId id="310" r:id="rId27"/>
+    <p:sldId id="312" r:id="rId28"/>
+    <p:sldId id="317" r:id="rId29"/>
+    <p:sldId id="318" r:id="rId30"/>
+    <p:sldId id="319" r:id="rId31"/>
   </p:sldIdLst>
   <p:sldSz cx="12192000" cy="6858000"/>
   <p:notesSz cx="6858000" cy="9144000"/>
@@ -154,6 +141,10 @@
 </p:presentation>
 </file>
 
+<file path=ppt/revisionInfo.xml><?xml version="1.0" encoding="utf-8"?>
+<p1510:revInfo xmlns:a="http://schemas.openxmlformats.org/drawingml/2006/main" xmlns:r="http://schemas.openxmlformats.org/officeDocument/2006/relationships" xmlns:p1510="http://schemas.microsoft.com/office/powerpoint/2015/10/main"/>
+</file>
+
 <file path=ppt/slideLayouts/slideLayout1.xml><?xml version="1.0" encoding="utf-8"?>
 <p:sldLayout xmlns:a="http://schemas.openxmlformats.org/drawingml/2006/main" xmlns:r="http://schemas.openxmlformats.org/officeDocument/2006/relationships" xmlns:p="http://schemas.openxmlformats.org/presentationml/2006/main" type="title" preserve="1">
   <p:cSld name="Title Slide">
@@ -301,7 +292,7 @@
           <a:p>
             <a:fld id="{D98CC9B8-005D-43F6-BEF0-231DC299DBD4}" type="datetimeFigureOut">
               <a:rPr lang="en-US" smtClean="0"/>
-              <a:t>4/8/2018</a:t>
+              <a:t>4/14/2018</a:t>
             </a:fld>
             <a:endParaRPr lang="en-US"/>
           </a:p>
@@ -499,7 +490,7 @@
           <a:p>
             <a:fld id="{D98CC9B8-005D-43F6-BEF0-231DC299DBD4}" type="datetimeFigureOut">
               <a:rPr lang="en-US" smtClean="0"/>
-              <a:t>4/8/2018</a:t>
+              <a:t>4/14/2018</a:t>
             </a:fld>
             <a:endParaRPr lang="en-US"/>
           </a:p>
@@ -707,7 +698,7 @@
           <a:p>
             <a:fld id="{D98CC9B8-005D-43F6-BEF0-231DC299DBD4}" type="datetimeFigureOut">
               <a:rPr lang="en-US" smtClean="0"/>
-              <a:t>4/8/2018</a:t>
+              <a:t>4/14/2018</a:t>
             </a:fld>
             <a:endParaRPr lang="en-US"/>
           </a:p>
@@ -905,7 +896,7 @@
           <a:p>
             <a:fld id="{D98CC9B8-005D-43F6-BEF0-231DC299DBD4}" type="datetimeFigureOut">
               <a:rPr lang="en-US" smtClean="0"/>
-              <a:t>4/8/2018</a:t>
+              <a:t>4/14/2018</a:t>
             </a:fld>
             <a:endParaRPr lang="en-US"/>
           </a:p>
@@ -1180,7 +1171,7 @@
           <a:p>
             <a:fld id="{D98CC9B8-005D-43F6-BEF0-231DC299DBD4}" type="datetimeFigureOut">
               <a:rPr lang="en-US" smtClean="0"/>
-              <a:t>4/8/2018</a:t>
+              <a:t>4/14/2018</a:t>
             </a:fld>
             <a:endParaRPr lang="en-US"/>
           </a:p>
@@ -1445,7 +1436,7 @@
           <a:p>
             <a:fld id="{D98CC9B8-005D-43F6-BEF0-231DC299DBD4}" type="datetimeFigureOut">
               <a:rPr lang="en-US" smtClean="0"/>
-              <a:t>4/8/2018</a:t>
+              <a:t>4/14/2018</a:t>
             </a:fld>
             <a:endParaRPr lang="en-US"/>
           </a:p>
@@ -1857,7 +1848,7 @@
           <a:p>
             <a:fld id="{D98CC9B8-005D-43F6-BEF0-231DC299DBD4}" type="datetimeFigureOut">
               <a:rPr lang="en-US" smtClean="0"/>
-              <a:t>4/8/2018</a:t>
+              <a:t>4/14/2018</a:t>
             </a:fld>
             <a:endParaRPr lang="en-US"/>
           </a:p>
@@ -1998,7 +1989,7 @@
           <a:p>
             <a:fld id="{D98CC9B8-005D-43F6-BEF0-231DC299DBD4}" type="datetimeFigureOut">
               <a:rPr lang="en-US" smtClean="0"/>
-              <a:t>4/8/2018</a:t>
+              <a:t>4/14/2018</a:t>
             </a:fld>
             <a:endParaRPr lang="en-US"/>
           </a:p>
@@ -2111,7 +2102,7 @@
           <a:p>
             <a:fld id="{D98CC9B8-005D-43F6-BEF0-231DC299DBD4}" type="datetimeFigureOut">
               <a:rPr lang="en-US" smtClean="0"/>
-              <a:t>4/8/2018</a:t>
+              <a:t>4/14/2018</a:t>
             </a:fld>
             <a:endParaRPr lang="en-US"/>
           </a:p>
@@ -2422,7 +2413,7 @@
           <a:p>
             <a:fld id="{D98CC9B8-005D-43F6-BEF0-231DC299DBD4}" type="datetimeFigureOut">
               <a:rPr lang="en-US" smtClean="0"/>
-              <a:t>4/8/2018</a:t>
+              <a:t>4/14/2018</a:t>
             </a:fld>
             <a:endParaRPr lang="en-US"/>
           </a:p>
@@ -2710,7 +2701,7 @@
           <a:p>
             <a:fld id="{D98CC9B8-005D-43F6-BEF0-231DC299DBD4}" type="datetimeFigureOut">
               <a:rPr lang="en-US" smtClean="0"/>
-              <a:t>4/8/2018</a:t>
+              <a:t>4/14/2018</a:t>
             </a:fld>
             <a:endParaRPr lang="en-US"/>
           </a:p>
@@ -2951,7 +2942,7 @@
           <a:p>
             <a:fld id="{D98CC9B8-005D-43F6-BEF0-231DC299DBD4}" type="datetimeFigureOut">
               <a:rPr lang="en-US" smtClean="0"/>
-              <a:t>4/8/2018</a:t>
+              <a:t>4/14/2018</a:t>
             </a:fld>
             <a:endParaRPr lang="en-US"/>
           </a:p>
@@ -4144,8 +4135,8 @@
         </p:nvSpPr>
         <p:spPr>
           <a:xfrm>
-            <a:off x="1855301" y="3429000"/>
-            <a:ext cx="9388468" cy="1569660"/>
+            <a:off x="375331" y="3372440"/>
+            <a:ext cx="11441337" cy="1569660"/>
           </a:xfrm>
           <a:prstGeom prst="rect">
             <a:avLst/>
@@ -4166,7 +4157,7 @@
                 <a:latin typeface="Cambria Math" panose="02040503050406030204" pitchFamily="18" charset="0"/>
                 <a:ea typeface="Cambria Math" panose="02040503050406030204" pitchFamily="18" charset="0"/>
               </a:rPr>
-              <a:t>Fails to:</a:t>
+              <a:t>Two optimizations that make the method converge:</a:t>
             </a:r>
           </a:p>
           <a:p>
@@ -4182,7 +4173,7 @@
                 <a:latin typeface="Cambria Math" panose="02040503050406030204" pitchFamily="18" charset="0"/>
                 <a:ea typeface="Cambria Math" panose="02040503050406030204" pitchFamily="18" charset="0"/>
               </a:rPr>
-              <a:t>Find the minimum structure for even very small n</a:t>
+              <a:t>Ensure the initial guess has a reasonable resulting energy.</a:t>
             </a:r>
           </a:p>
           <a:p>
@@ -4198,7 +4189,7 @@
                 <a:latin typeface="Cambria Math" panose="02040503050406030204" pitchFamily="18" charset="0"/>
                 <a:ea typeface="Cambria Math" panose="02040503050406030204" pitchFamily="18" charset="0"/>
               </a:rPr>
-              <a:t>Do so in a reasonable amount of time…</a:t>
+              <a:t>Shift the structure back to the origin after every minimization.</a:t>
             </a:r>
             <a:endParaRPr lang="en-US" sz="3200" dirty="0"/>
           </a:p>
@@ -4260,13 +4251,13 @@
         </p:nvSpPr>
         <p:spPr>
           <a:xfrm>
-            <a:off x="1539551" y="357252"/>
-            <a:ext cx="9144000" cy="1098323"/>
+            <a:off x="1412033" y="189302"/>
+            <a:ext cx="9144000" cy="902380"/>
           </a:xfrm>
         </p:spPr>
         <p:txBody>
           <a:bodyPr>
-            <a:normAutofit/>
+            <a:normAutofit fontScale="90000"/>
           </a:bodyPr>
           <a:lstStyle/>
           <a:p>
@@ -4278,134 +4269,51 @@
                 <a:latin typeface="Cambria Math" panose="02040503050406030204" pitchFamily="18" charset="0"/>
                 <a:ea typeface="Cambria Math" panose="02040503050406030204" pitchFamily="18" charset="0"/>
               </a:rPr>
-              <a:t>Bifurcation Diagrams</a:t>
+              <a:t>Runaway Structure</a:t>
             </a:r>
           </a:p>
         </p:txBody>
       </p:sp>
-      <p:sp>
-        <p:nvSpPr>
-          <p:cNvPr id="3" name="TextBox 2">
-            <a:extLst>
-              <a:ext uri="{FF2B5EF4-FFF2-40B4-BE49-F238E27FC236}">
-                <a16:creationId xmlns:a16="http://schemas.microsoft.com/office/drawing/2014/main" id="{6D21850F-0C08-4BA4-8BB5-68188C724DEA}"/>
-              </a:ext>
-            </a:extLst>
-          </p:cNvPr>
-          <p:cNvSpPr txBox="1"/>
+      <p:pic>
+        <p:nvPicPr>
+          <p:cNvPr id="5" name="Picture 4">
+            <a:extLst>
+              <a:ext uri="{FF2B5EF4-FFF2-40B4-BE49-F238E27FC236}">
+                <a16:creationId xmlns:a16="http://schemas.microsoft.com/office/drawing/2014/main" id="{9801000B-CDA5-42C8-A5EC-AFBA16D77164}"/>
+              </a:ext>
+            </a:extLst>
+          </p:cNvPr>
+          <p:cNvPicPr>
+            <a:picLocks noChangeAspect="1"/>
+          </p:cNvPicPr>
           <p:nvPr/>
-        </p:nvSpPr>
+        </p:nvPicPr>
+        <p:blipFill>
+          <a:blip r:embed="rId2">
+            <a:extLst>
+              <a:ext uri="{28A0092B-C50C-407E-A947-70E740481C1C}">
+                <a14:useLocalDpi xmlns:a14="http://schemas.microsoft.com/office/drawing/2010/main" val="0"/>
+              </a:ext>
+            </a:extLst>
+          </a:blip>
+          <a:stretch>
+            <a:fillRect/>
+          </a:stretch>
+        </p:blipFill>
         <p:spPr>
           <a:xfrm>
-            <a:off x="1474237" y="1660849"/>
-            <a:ext cx="9209314" cy="4247317"/>
+            <a:off x="2533990" y="1328373"/>
+            <a:ext cx="6900085" cy="5175064"/>
           </a:xfrm>
           <a:prstGeom prst="rect">
             <a:avLst/>
           </a:prstGeom>
-          <a:noFill/>
         </p:spPr>
-        <p:txBody>
-          <a:bodyPr wrap="square" rtlCol="0">
-            <a:spAutoFit/>
-          </a:bodyPr>
-          <a:lstStyle/>
-          <a:p>
-            <a:pPr marL="285750" indent="-285750">
-              <a:buFont typeface="Arial" panose="020B0604020202020204" pitchFamily="34" charset="0"/>
-              <a:buChar char="•"/>
-            </a:pPr>
-            <a:r>
-              <a:rPr lang="en-US" sz="3000" dirty="0">
-                <a:solidFill>
-                  <a:schemeClr val="bg1"/>
-                </a:solidFill>
-                <a:latin typeface="Cambria Math" panose="02040503050406030204" pitchFamily="18" charset="0"/>
-                <a:ea typeface="Cambria Math" panose="02040503050406030204" pitchFamily="18" charset="0"/>
-              </a:rPr>
-              <a:t>Show values converged to depending on an input parameter</a:t>
-            </a:r>
-          </a:p>
-          <a:p>
-            <a:pPr marL="285750" indent="-285750">
-              <a:buFont typeface="Arial" panose="020B0604020202020204" pitchFamily="34" charset="0"/>
-              <a:buChar char="•"/>
-            </a:pPr>
-            <a:r>
-              <a:rPr lang="en-US" sz="3000" dirty="0">
-                <a:solidFill>
-                  <a:schemeClr val="bg1"/>
-                </a:solidFill>
-                <a:latin typeface="Cambria Math" panose="02040503050406030204" pitchFamily="18" charset="0"/>
-                <a:ea typeface="Cambria Math" panose="02040503050406030204" pitchFamily="18" charset="0"/>
-              </a:rPr>
-              <a:t>Often used for illustrating chaos in dynamic systems</a:t>
-            </a:r>
-          </a:p>
-          <a:p>
-            <a:pPr marL="285750" indent="-285750">
-              <a:buFont typeface="Arial" panose="020B0604020202020204" pitchFamily="34" charset="0"/>
-              <a:buChar char="•"/>
-            </a:pPr>
-            <a:r>
-              <a:rPr lang="en-US" sz="3000" dirty="0">
-                <a:solidFill>
-                  <a:schemeClr val="bg1"/>
-                </a:solidFill>
-                <a:latin typeface="Cambria Math" panose="02040503050406030204" pitchFamily="18" charset="0"/>
-                <a:ea typeface="Cambria Math" panose="02040503050406030204" pitchFamily="18" charset="0"/>
-              </a:rPr>
-              <a:t>We will use them to illustrate chaos arising out of instability in numeric methods</a:t>
-            </a:r>
-          </a:p>
-          <a:p>
-            <a:pPr marL="285750" indent="-285750">
-              <a:buFont typeface="Arial" panose="020B0604020202020204" pitchFamily="34" charset="0"/>
-              <a:buChar char="•"/>
-            </a:pPr>
-            <a:endParaRPr lang="en-US" sz="3000" dirty="0">
-              <a:solidFill>
-                <a:schemeClr val="bg1"/>
-              </a:solidFill>
-              <a:latin typeface="Cambria Math" panose="02040503050406030204" pitchFamily="18" charset="0"/>
-              <a:ea typeface="Cambria Math" panose="02040503050406030204" pitchFamily="18" charset="0"/>
-            </a:endParaRPr>
-          </a:p>
-          <a:p>
-            <a:pPr marL="285750" indent="-285750">
-              <a:buFont typeface="Arial" panose="020B0604020202020204" pitchFamily="34" charset="0"/>
-              <a:buChar char="•"/>
-            </a:pPr>
-            <a:endParaRPr lang="en-US" sz="3000" dirty="0">
-              <a:solidFill>
-                <a:schemeClr val="bg1"/>
-              </a:solidFill>
-              <a:latin typeface="Cambria Math" panose="02040503050406030204" pitchFamily="18" charset="0"/>
-              <a:ea typeface="Cambria Math" panose="02040503050406030204" pitchFamily="18" charset="0"/>
-            </a:endParaRPr>
-          </a:p>
-          <a:p>
-            <a:pPr marL="285750" indent="-285750">
-              <a:buFont typeface="Arial" panose="020B0604020202020204" pitchFamily="34" charset="0"/>
-              <a:buChar char="•"/>
-            </a:pPr>
-            <a:r>
-              <a:rPr lang="en-US" sz="3000" dirty="0">
-                <a:solidFill>
-                  <a:schemeClr val="bg1"/>
-                </a:solidFill>
-                <a:latin typeface="Cambria Math" panose="02040503050406030204" pitchFamily="18" charset="0"/>
-                <a:ea typeface="Cambria Math" panose="02040503050406030204" pitchFamily="18" charset="0"/>
-              </a:rPr>
-              <a:t>Source/more background: https://en.wikipedia.org/wiki/Bifurcation_diagram</a:t>
-            </a:r>
-          </a:p>
-        </p:txBody>
-      </p:sp>
+      </p:pic>
     </p:spTree>
     <p:extLst>
       <p:ext uri="{BB962C8B-B14F-4D97-AF65-F5344CB8AC3E}">
-        <p14:creationId xmlns:p14="http://schemas.microsoft.com/office/powerpoint/2010/main" val="1441886789"/>
+        <p14:creationId xmlns:p14="http://schemas.microsoft.com/office/powerpoint/2010/main" val="383950300"/>
       </p:ext>
     </p:extLst>
   </p:cSld>
@@ -4442,335 +4350,85 @@
       </p:grpSpPr>
       <p:sp>
         <p:nvSpPr>
-          <p:cNvPr id="3" name="TextBox 2">
-            <a:extLst>
-              <a:ext uri="{FF2B5EF4-FFF2-40B4-BE49-F238E27FC236}">
-                <a16:creationId xmlns:a16="http://schemas.microsoft.com/office/drawing/2014/main" id="{95162B51-5FF6-4E23-A53F-A7A1F618D5D2}"/>
-              </a:ext>
-            </a:extLst>
-          </p:cNvPr>
-          <p:cNvSpPr txBox="1"/>
-          <p:nvPr/>
+          <p:cNvPr id="2" name="Title 1">
+            <a:extLst>
+              <a:ext uri="{FF2B5EF4-FFF2-40B4-BE49-F238E27FC236}">
+                <a16:creationId xmlns:a16="http://schemas.microsoft.com/office/drawing/2014/main" id="{2FA0B769-09AB-475D-BDC1-794AA9E07B30}"/>
+              </a:ext>
+            </a:extLst>
+          </p:cNvPr>
+          <p:cNvSpPr>
+            <a:spLocks noGrp="1"/>
+          </p:cNvSpPr>
+          <p:nvPr>
+            <p:ph type="ctrTitle"/>
+          </p:nvPr>
         </p:nvSpPr>
         <p:spPr>
           <a:xfrm>
-            <a:off x="1421363" y="475861"/>
-            <a:ext cx="9535886" cy="707886"/>
+            <a:off x="1412033" y="189302"/>
+            <a:ext cx="9144000" cy="902380"/>
           </a:xfrm>
-          <a:prstGeom prst="rect">
-            <a:avLst/>
-          </a:prstGeom>
-          <a:noFill/>
         </p:spPr>
         <p:txBody>
-          <a:bodyPr wrap="square" rtlCol="0">
-            <a:spAutoFit/>
+          <a:bodyPr>
+            <a:normAutofit fontScale="90000"/>
           </a:bodyPr>
           <a:lstStyle/>
           <a:p>
-            <a:pPr algn="ctr"/>
-            <a:r>
-              <a:rPr lang="en-US" sz="4000" dirty="0">
+            <a:r>
+              <a:rPr lang="en-US" dirty="0">
                 <a:solidFill>
                   <a:schemeClr val="bg1"/>
                 </a:solidFill>
                 <a:latin typeface="Cambria Math" panose="02040503050406030204" pitchFamily="18" charset="0"/>
                 <a:ea typeface="Cambria Math" panose="02040503050406030204" pitchFamily="18" charset="0"/>
               </a:rPr>
-              <a:t>Convergence?</a:t>
+              <a:t>Bad Structure</a:t>
             </a:r>
           </a:p>
         </p:txBody>
       </p:sp>
-      <mc:AlternateContent xmlns:mc="http://schemas.openxmlformats.org/markup-compatibility/2006" xmlns:a14="http://schemas.microsoft.com/office/drawing/2010/main">
-        <mc:Choice Requires="a14">
-          <p:sp>
-            <p:nvSpPr>
-              <p:cNvPr id="5" name="TextBox 4">
-                <a:extLst>
-                  <a:ext uri="{FF2B5EF4-FFF2-40B4-BE49-F238E27FC236}">
-                    <a16:creationId xmlns:a16="http://schemas.microsoft.com/office/drawing/2014/main" id="{0603072D-6251-45C5-9A3A-8B32EF9FC6B6}"/>
-                  </a:ext>
-                </a:extLst>
-              </p:cNvPr>
-              <p:cNvSpPr txBox="1"/>
-              <p:nvPr/>
-            </p:nvSpPr>
-            <p:spPr>
-              <a:xfrm>
-                <a:off x="1505338" y="2407298"/>
-                <a:ext cx="8767666" cy="2241704"/>
-              </a:xfrm>
-              <a:prstGeom prst="rect">
-                <a:avLst/>
-              </a:prstGeom>
-              <a:noFill/>
-            </p:spPr>
-            <p:txBody>
-              <a:bodyPr wrap="square" lIns="0" tIns="0" rIns="0" bIns="0" rtlCol="0">
-                <a:spAutoFit/>
-              </a:bodyPr>
-              <a:lstStyle/>
-              <a:p>
-                <a:pPr/>
-                <a14:m>
-                  <m:oMathPara xmlns:m="http://schemas.openxmlformats.org/officeDocument/2006/math">
-                    <m:oMathParaPr>
-                      <m:jc m:val="centerGroup"/>
-                    </m:oMathParaPr>
-                    <m:oMath xmlns:m="http://schemas.openxmlformats.org/officeDocument/2006/math">
-                      <m:func>
-                        <m:funcPr>
-                          <m:ctrlPr>
-                            <a:rPr lang="en-US" sz="7200" b="0" i="1" smtClean="0">
-                              <a:solidFill>
-                                <a:schemeClr val="bg1"/>
-                              </a:solidFill>
-                              <a:latin typeface="Cambria Math" panose="02040503050406030204" pitchFamily="18" charset="0"/>
-                            </a:rPr>
-                          </m:ctrlPr>
-                        </m:funcPr>
-                        <m:fName>
-                          <m:limLow>
-                            <m:limLowPr>
-                              <m:ctrlPr>
-                                <a:rPr lang="en-US" sz="7200" b="0" i="1" smtClean="0">
-                                  <a:solidFill>
-                                    <a:schemeClr val="bg1"/>
-                                  </a:solidFill>
-                                  <a:latin typeface="Cambria Math" panose="02040503050406030204" pitchFamily="18" charset="0"/>
-                                </a:rPr>
-                              </m:ctrlPr>
-                            </m:limLowPr>
-                            <m:e>
-                              <m:r>
-                                <m:rPr>
-                                  <m:sty m:val="p"/>
-                                </m:rPr>
-                                <a:rPr lang="en-US" sz="7200" b="0" i="0" smtClean="0">
-                                  <a:solidFill>
-                                    <a:schemeClr val="bg1"/>
-                                  </a:solidFill>
-                                  <a:latin typeface="Cambria Math" panose="02040503050406030204" pitchFamily="18" charset="0"/>
-                                </a:rPr>
-                                <m:t>lim</m:t>
-                              </m:r>
-                            </m:e>
-                            <m:lim>
-                              <m:r>
-                                <a:rPr lang="en-US" sz="7200" b="0" i="1" smtClean="0">
-                                  <a:solidFill>
-                                    <a:schemeClr val="bg1"/>
-                                  </a:solidFill>
-                                  <a:latin typeface="Cambria Math" panose="02040503050406030204" pitchFamily="18" charset="0"/>
-                                </a:rPr>
-                                <m:t>𝑡</m:t>
-                              </m:r>
-                              <m:r>
-                                <a:rPr lang="en-US" sz="7200" b="0" i="1" smtClean="0">
-                                  <a:solidFill>
-                                    <a:schemeClr val="bg1"/>
-                                  </a:solidFill>
-                                  <a:latin typeface="Cambria Math" panose="02040503050406030204" pitchFamily="18" charset="0"/>
-                                </a:rPr>
-                                <m:t>→∞</m:t>
-                              </m:r>
-                            </m:lim>
-                          </m:limLow>
-                        </m:fName>
-                        <m:e>
-                          <m:f>
-                            <m:fPr>
-                              <m:ctrlPr>
-                                <a:rPr lang="en-US" sz="7200" i="1" smtClean="0">
-                                  <a:solidFill>
-                                    <a:schemeClr val="bg1"/>
-                                  </a:solidFill>
-                                  <a:latin typeface="Cambria Math" panose="02040503050406030204" pitchFamily="18" charset="0"/>
-                                </a:rPr>
-                              </m:ctrlPr>
-                            </m:fPr>
-                            <m:num>
-                              <m:sSup>
-                                <m:sSupPr>
-                                  <m:ctrlPr>
-                                    <a:rPr lang="en-US" sz="7200" b="0" i="1" smtClean="0">
-                                      <a:solidFill>
-                                        <a:schemeClr val="bg1"/>
-                                      </a:solidFill>
-                                      <a:latin typeface="Cambria Math" panose="02040503050406030204" pitchFamily="18" charset="0"/>
-                                    </a:rPr>
-                                  </m:ctrlPr>
-                                </m:sSupPr>
-                                <m:e>
-                                  <m:r>
-                                    <a:rPr lang="en-US" sz="7200" b="0" i="1" smtClean="0">
-                                      <a:solidFill>
-                                        <a:schemeClr val="bg1"/>
-                                      </a:solidFill>
-                                      <a:latin typeface="Cambria Math" panose="02040503050406030204" pitchFamily="18" charset="0"/>
-                                    </a:rPr>
-                                    <m:t>𝑒</m:t>
-                                  </m:r>
-                                </m:e>
-                                <m:sup>
-                                  <m:r>
-                                    <a:rPr lang="en-US" sz="7200" b="0" i="1" smtClean="0">
-                                      <a:solidFill>
-                                        <a:schemeClr val="bg1"/>
-                                      </a:solidFill>
-                                      <a:latin typeface="Cambria Math" panose="02040503050406030204" pitchFamily="18" charset="0"/>
-                                    </a:rPr>
-                                    <m:t>10</m:t>
-                                  </m:r>
-                                  <m:r>
-                                    <a:rPr lang="en-US" sz="7200" b="0" i="1" smtClean="0">
-                                      <a:solidFill>
-                                        <a:schemeClr val="bg1"/>
-                                      </a:solidFill>
-                                      <a:latin typeface="Cambria Math" panose="02040503050406030204" pitchFamily="18" charset="0"/>
-                                    </a:rPr>
-                                    <m:t>𝑡</m:t>
-                                  </m:r>
-                                </m:sup>
-                              </m:sSup>
-                            </m:num>
-                            <m:den>
-                              <m:sSup>
-                                <m:sSupPr>
-                                  <m:ctrlPr>
-                                    <a:rPr lang="en-US" sz="7200" b="0" i="1" smtClean="0">
-                                      <a:solidFill>
-                                        <a:schemeClr val="bg1"/>
-                                      </a:solidFill>
-                                      <a:latin typeface="Cambria Math" panose="02040503050406030204" pitchFamily="18" charset="0"/>
-                                    </a:rPr>
-                                  </m:ctrlPr>
-                                </m:sSupPr>
-                                <m:e>
-                                  <m:r>
-                                    <a:rPr lang="en-US" sz="7200" b="0" i="1" smtClean="0">
-                                      <a:solidFill>
-                                        <a:schemeClr val="bg1"/>
-                                      </a:solidFill>
-                                      <a:latin typeface="Cambria Math" panose="02040503050406030204" pitchFamily="18" charset="0"/>
-                                    </a:rPr>
-                                    <m:t>𝑒</m:t>
-                                  </m:r>
-                                </m:e>
-                                <m:sup>
-                                  <m:r>
-                                    <a:rPr lang="en-US" sz="7200" b="0" i="1" smtClean="0">
-                                      <a:solidFill>
-                                        <a:schemeClr val="bg1"/>
-                                      </a:solidFill>
-                                      <a:latin typeface="Cambria Math" panose="02040503050406030204" pitchFamily="18" charset="0"/>
-                                    </a:rPr>
-                                    <m:t>10</m:t>
-                                  </m:r>
-                                  <m:r>
-                                    <a:rPr lang="en-US" sz="7200" b="0" i="1" smtClean="0">
-                                      <a:solidFill>
-                                        <a:schemeClr val="bg1"/>
-                                      </a:solidFill>
-                                      <a:latin typeface="Cambria Math" panose="02040503050406030204" pitchFamily="18" charset="0"/>
-                                    </a:rPr>
-                                    <m:t>𝑡</m:t>
-                                  </m:r>
-                                </m:sup>
-                              </m:sSup>
-                              <m:r>
-                                <a:rPr lang="en-US" sz="7200" b="0" i="1" smtClean="0">
-                                  <a:solidFill>
-                                    <a:schemeClr val="bg1"/>
-                                  </a:solidFill>
-                                  <a:latin typeface="Cambria Math" panose="02040503050406030204" pitchFamily="18" charset="0"/>
-                                </a:rPr>
-                                <m:t>+9</m:t>
-                              </m:r>
-                            </m:den>
-                          </m:f>
-                        </m:e>
-                      </m:func>
-                      <m:r>
-                        <a:rPr lang="en-US" sz="7200" b="0" i="1" smtClean="0">
-                          <a:solidFill>
-                            <a:schemeClr val="bg1"/>
-                          </a:solidFill>
-                          <a:latin typeface="Cambria Math" panose="02040503050406030204" pitchFamily="18" charset="0"/>
-                        </a:rPr>
-                        <m:t>=</m:t>
-                      </m:r>
-                      <m:r>
-                        <a:rPr lang="en-US" sz="7200" i="1" smtClean="0">
-                          <a:solidFill>
-                            <a:schemeClr val="bg1"/>
-                          </a:solidFill>
-                          <a:latin typeface="Cambria Math" panose="02040503050406030204" pitchFamily="18" charset="0"/>
-                        </a:rPr>
-                        <m:t>1</m:t>
-                      </m:r>
-                    </m:oMath>
-                  </m:oMathPara>
-                </a14:m>
-                <a:endParaRPr lang="en-US" sz="7200" dirty="0">
-                  <a:solidFill>
-                    <a:schemeClr val="bg1"/>
-                  </a:solidFill>
-                </a:endParaRPr>
-              </a:p>
-            </p:txBody>
-          </p:sp>
-        </mc:Choice>
-        <mc:Fallback xmlns="">
-          <p:sp>
-            <p:nvSpPr>
-              <p:cNvPr id="5" name="TextBox 4">
-                <a:extLst>
-                  <a:ext uri="{FF2B5EF4-FFF2-40B4-BE49-F238E27FC236}">
-                    <a16:creationId xmlns:a16="http://schemas.microsoft.com/office/drawing/2014/main" id="{0603072D-6251-45C5-9A3A-8B32EF9FC6B6}"/>
-                  </a:ext>
-                </a:extLst>
-              </p:cNvPr>
-              <p:cNvSpPr txBox="1">
-                <a:spLocks noRot="1" noChangeAspect="1" noMove="1" noResize="1" noEditPoints="1" noAdjustHandles="1" noChangeArrowheads="1" noChangeShapeType="1" noTextEdit="1"/>
-              </p:cNvSpPr>
-              <p:nvPr/>
-            </p:nvSpPr>
-            <p:spPr>
-              <a:xfrm>
-                <a:off x="1505338" y="2407298"/>
-                <a:ext cx="8767666" cy="2241704"/>
-              </a:xfrm>
-              <a:prstGeom prst="rect">
-                <a:avLst/>
-              </a:prstGeom>
-              <a:blipFill>
-                <a:blip r:embed="rId2"/>
-                <a:stretch>
-                  <a:fillRect/>
-                </a:stretch>
-              </a:blipFill>
-            </p:spPr>
-            <p:txBody>
-              <a:bodyPr/>
-              <a:lstStyle/>
-              <a:p>
-                <a:r>
-                  <a:rPr lang="en-US">
-                    <a:noFill/>
-                  </a:rPr>
-                  <a:t> </a:t>
-                </a:r>
-              </a:p>
-            </p:txBody>
-          </p:sp>
-        </mc:Fallback>
-      </mc:AlternateContent>
+      <p:pic>
+        <p:nvPicPr>
+          <p:cNvPr id="5" name="Picture 4">
+            <a:extLst>
+              <a:ext uri="{FF2B5EF4-FFF2-40B4-BE49-F238E27FC236}">
+                <a16:creationId xmlns:a16="http://schemas.microsoft.com/office/drawing/2014/main" id="{9801000B-CDA5-42C8-A5EC-AFBA16D77164}"/>
+              </a:ext>
+            </a:extLst>
+          </p:cNvPr>
+          <p:cNvPicPr>
+            <a:picLocks noChangeAspect="1"/>
+          </p:cNvPicPr>
+          <p:nvPr/>
+        </p:nvPicPr>
+        <p:blipFill>
+          <a:blip r:embed="rId2">
+            <a:extLst>
+              <a:ext uri="{28A0092B-C50C-407E-A947-70E740481C1C}">
+                <a14:useLocalDpi xmlns:a14="http://schemas.microsoft.com/office/drawing/2010/main" val="0"/>
+              </a:ext>
+            </a:extLst>
+          </a:blip>
+          <a:stretch>
+            <a:fillRect/>
+          </a:stretch>
+        </p:blipFill>
+        <p:spPr>
+          <a:xfrm>
+            <a:off x="2533990" y="1328373"/>
+            <a:ext cx="6900085" cy="5175063"/>
+          </a:xfrm>
+          <a:prstGeom prst="rect">
+            <a:avLst/>
+          </a:prstGeom>
+        </p:spPr>
+      </p:pic>
     </p:spTree>
     <p:extLst>
       <p:ext uri="{BB962C8B-B14F-4D97-AF65-F5344CB8AC3E}">
-        <p14:creationId xmlns:p14="http://schemas.microsoft.com/office/powerpoint/2010/main" val="840924617"/>
+        <p14:creationId xmlns:p14="http://schemas.microsoft.com/office/powerpoint/2010/main" val="993715808"/>
       </p:ext>
     </p:extLst>
   </p:cSld>
@@ -4823,33 +4481,69 @@
         </p:nvSpPr>
         <p:spPr>
           <a:xfrm>
-            <a:off x="1457325" y="0"/>
-            <a:ext cx="9144000" cy="4057650"/>
+            <a:off x="1412033" y="189302"/>
+            <a:ext cx="9144000" cy="902380"/>
           </a:xfrm>
         </p:spPr>
         <p:txBody>
           <a:bodyPr>
-            <a:normAutofit/>
+            <a:normAutofit fontScale="90000"/>
           </a:bodyPr>
           <a:lstStyle/>
           <a:p>
             <a:r>
-              <a:rPr lang="en-US" sz="8000" dirty="0">
+              <a:rPr lang="en-US" dirty="0">
                 <a:solidFill>
                   <a:schemeClr val="bg1"/>
                 </a:solidFill>
                 <a:latin typeface="Cambria Math" panose="02040503050406030204" pitchFamily="18" charset="0"/>
                 <a:ea typeface="Cambria Math" panose="02040503050406030204" pitchFamily="18" charset="0"/>
               </a:rPr>
-              <a:t>Euler’s Method</a:t>
+              <a:t>Bad Errors</a:t>
             </a:r>
           </a:p>
         </p:txBody>
       </p:sp>
+      <p:pic>
+        <p:nvPicPr>
+          <p:cNvPr id="5" name="Picture 4">
+            <a:extLst>
+              <a:ext uri="{FF2B5EF4-FFF2-40B4-BE49-F238E27FC236}">
+                <a16:creationId xmlns:a16="http://schemas.microsoft.com/office/drawing/2014/main" id="{9801000B-CDA5-42C8-A5EC-AFBA16D77164}"/>
+              </a:ext>
+            </a:extLst>
+          </p:cNvPr>
+          <p:cNvPicPr>
+            <a:picLocks noChangeAspect="1"/>
+          </p:cNvPicPr>
+          <p:nvPr/>
+        </p:nvPicPr>
+        <p:blipFill>
+          <a:blip r:embed="rId2">
+            <a:extLst>
+              <a:ext uri="{28A0092B-C50C-407E-A947-70E740481C1C}">
+                <a14:useLocalDpi xmlns:a14="http://schemas.microsoft.com/office/drawing/2010/main" val="0"/>
+              </a:ext>
+            </a:extLst>
+          </a:blip>
+          <a:stretch>
+            <a:fillRect/>
+          </a:stretch>
+        </p:blipFill>
+        <p:spPr>
+          <a:xfrm>
+            <a:off x="2533990" y="1328373"/>
+            <a:ext cx="6900084" cy="5175063"/>
+          </a:xfrm>
+          <a:prstGeom prst="rect">
+            <a:avLst/>
+          </a:prstGeom>
+        </p:spPr>
+      </p:pic>
     </p:spTree>
     <p:extLst>
       <p:ext uri="{BB962C8B-B14F-4D97-AF65-F5344CB8AC3E}">
-        <p14:creationId xmlns:p14="http://schemas.microsoft.com/office/powerpoint/2010/main" val="1025269765"/>
+        <p14:creationId xmlns:p14="http://schemas.microsoft.com/office/powerpoint/2010/main" val="1297455206"/>
       </p:ext>
     </p:extLst>
   </p:cSld>
@@ -4884,12 +4578,53 @@
           <a:chExt cx="0" cy="0"/>
         </a:xfrm>
       </p:grpSpPr>
+      <p:sp>
+        <p:nvSpPr>
+          <p:cNvPr id="2" name="Title 1">
+            <a:extLst>
+              <a:ext uri="{FF2B5EF4-FFF2-40B4-BE49-F238E27FC236}">
+                <a16:creationId xmlns:a16="http://schemas.microsoft.com/office/drawing/2014/main" id="{2FA0B769-09AB-475D-BDC1-794AA9E07B30}"/>
+              </a:ext>
+            </a:extLst>
+          </p:cNvPr>
+          <p:cNvSpPr>
+            <a:spLocks noGrp="1"/>
+          </p:cNvSpPr>
+          <p:nvPr>
+            <p:ph type="ctrTitle"/>
+          </p:nvPr>
+        </p:nvSpPr>
+        <p:spPr>
+          <a:xfrm>
+            <a:off x="1412033" y="189302"/>
+            <a:ext cx="9144000" cy="902380"/>
+          </a:xfrm>
+        </p:spPr>
+        <p:txBody>
+          <a:bodyPr>
+            <a:normAutofit fontScale="90000"/>
+          </a:bodyPr>
+          <a:lstStyle/>
+          <a:p>
+            <a:r>
+              <a:rPr lang="en-US" dirty="0">
+                <a:solidFill>
+                  <a:schemeClr val="bg1"/>
+                </a:solidFill>
+                <a:latin typeface="Cambria Math" panose="02040503050406030204" pitchFamily="18" charset="0"/>
+                <a:ea typeface="Cambria Math" panose="02040503050406030204" pitchFamily="18" charset="0"/>
+              </a:rPr>
+              <a:t>Better Structure</a:t>
+            </a:r>
+          </a:p>
+        </p:txBody>
+      </p:sp>
       <p:pic>
         <p:nvPicPr>
-          <p:cNvPr id="6" name="Picture 5">
-            <a:extLst>
-              <a:ext uri="{FF2B5EF4-FFF2-40B4-BE49-F238E27FC236}">
-                <a16:creationId xmlns:a16="http://schemas.microsoft.com/office/drawing/2014/main" id="{D4D3DB43-E7F6-42EF-8EB2-0C66DAAEF0D4}"/>
+          <p:cNvPr id="5" name="Picture 4">
+            <a:extLst>
+              <a:ext uri="{FF2B5EF4-FFF2-40B4-BE49-F238E27FC236}">
+                <a16:creationId xmlns:a16="http://schemas.microsoft.com/office/drawing/2014/main" id="{9801000B-CDA5-42C8-A5EC-AFBA16D77164}"/>
               </a:ext>
             </a:extLst>
           </p:cNvPr>
@@ -4912,8 +4647,8 @@
         </p:blipFill>
         <p:spPr>
           <a:xfrm>
-            <a:off x="1614196" y="76339"/>
-            <a:ext cx="8619568" cy="6464676"/>
+            <a:off x="2533990" y="1328373"/>
+            <a:ext cx="6900084" cy="5175063"/>
           </a:xfrm>
           <a:prstGeom prst="rect">
             <a:avLst/>
@@ -4923,7 +4658,7 @@
     </p:spTree>
     <p:extLst>
       <p:ext uri="{BB962C8B-B14F-4D97-AF65-F5344CB8AC3E}">
-        <p14:creationId xmlns:p14="http://schemas.microsoft.com/office/powerpoint/2010/main" val="4179417363"/>
+        <p14:creationId xmlns:p14="http://schemas.microsoft.com/office/powerpoint/2010/main" val="2759223940"/>
       </p:ext>
     </p:extLst>
   </p:cSld>
@@ -4958,12 +4693,53 @@
           <a:chExt cx="0" cy="0"/>
         </a:xfrm>
       </p:grpSpPr>
+      <p:sp>
+        <p:nvSpPr>
+          <p:cNvPr id="2" name="Title 1">
+            <a:extLst>
+              <a:ext uri="{FF2B5EF4-FFF2-40B4-BE49-F238E27FC236}">
+                <a16:creationId xmlns:a16="http://schemas.microsoft.com/office/drawing/2014/main" id="{2FA0B769-09AB-475D-BDC1-794AA9E07B30}"/>
+              </a:ext>
+            </a:extLst>
+          </p:cNvPr>
+          <p:cNvSpPr>
+            <a:spLocks noGrp="1"/>
+          </p:cNvSpPr>
+          <p:nvPr>
+            <p:ph type="ctrTitle"/>
+          </p:nvPr>
+        </p:nvSpPr>
+        <p:spPr>
+          <a:xfrm>
+            <a:off x="1412033" y="189302"/>
+            <a:ext cx="9144000" cy="902380"/>
+          </a:xfrm>
+        </p:spPr>
+        <p:txBody>
+          <a:bodyPr>
+            <a:normAutofit fontScale="90000"/>
+          </a:bodyPr>
+          <a:lstStyle/>
+          <a:p>
+            <a:r>
+              <a:rPr lang="en-US" dirty="0">
+                <a:solidFill>
+                  <a:schemeClr val="bg1"/>
+                </a:solidFill>
+                <a:latin typeface="Cambria Math" panose="02040503050406030204" pitchFamily="18" charset="0"/>
+                <a:ea typeface="Cambria Math" panose="02040503050406030204" pitchFamily="18" charset="0"/>
+              </a:rPr>
+              <a:t>Better Errors</a:t>
+            </a:r>
+          </a:p>
+        </p:txBody>
+      </p:sp>
       <p:pic>
         <p:nvPicPr>
-          <p:cNvPr id="6" name="Picture 5">
-            <a:extLst>
-              <a:ext uri="{FF2B5EF4-FFF2-40B4-BE49-F238E27FC236}">
-                <a16:creationId xmlns:a16="http://schemas.microsoft.com/office/drawing/2014/main" id="{D4D3DB43-E7F6-42EF-8EB2-0C66DAAEF0D4}"/>
+          <p:cNvPr id="5" name="Picture 4">
+            <a:extLst>
+              <a:ext uri="{FF2B5EF4-FFF2-40B4-BE49-F238E27FC236}">
+                <a16:creationId xmlns:a16="http://schemas.microsoft.com/office/drawing/2014/main" id="{9801000B-CDA5-42C8-A5EC-AFBA16D77164}"/>
               </a:ext>
             </a:extLst>
           </p:cNvPr>
@@ -4986,8 +4762,8 @@
         </p:blipFill>
         <p:spPr>
           <a:xfrm>
-            <a:off x="1614196" y="76339"/>
-            <a:ext cx="8619568" cy="6464676"/>
+            <a:off x="2533990" y="1328373"/>
+            <a:ext cx="6900084" cy="5175063"/>
           </a:xfrm>
           <a:prstGeom prst="rect">
             <a:avLst/>
@@ -4997,7 +4773,7 @@
     </p:spTree>
     <p:extLst>
       <p:ext uri="{BB962C8B-B14F-4D97-AF65-F5344CB8AC3E}">
-        <p14:creationId xmlns:p14="http://schemas.microsoft.com/office/powerpoint/2010/main" val="119168463"/>
+        <p14:creationId xmlns:p14="http://schemas.microsoft.com/office/powerpoint/2010/main" val="4170861231"/>
       </p:ext>
     </p:extLst>
   </p:cSld>
@@ -5196,53 +4972,105 @@
         </p:nvSpPr>
         <p:spPr>
           <a:xfrm>
-            <a:off x="1457325" y="0"/>
-            <a:ext cx="9144000" cy="4057650"/>
+            <a:off x="1412033" y="189302"/>
+            <a:ext cx="9144000" cy="902380"/>
           </a:xfrm>
         </p:spPr>
         <p:txBody>
           <a:bodyPr>
-            <a:normAutofit/>
+            <a:normAutofit fontScale="90000"/>
           </a:bodyPr>
           <a:lstStyle/>
           <a:p>
             <a:r>
-              <a:rPr lang="en-US" sz="8000" dirty="0">
+              <a:rPr lang="en-US" dirty="0">
                 <a:solidFill>
                   <a:schemeClr val="bg1"/>
                 </a:solidFill>
                 <a:latin typeface="Cambria Math" panose="02040503050406030204" pitchFamily="18" charset="0"/>
                 <a:ea typeface="Cambria Math" panose="02040503050406030204" pitchFamily="18" charset="0"/>
               </a:rPr>
-              <a:t>Runge-</a:t>
-            </a:r>
-            <a:r>
-              <a:rPr lang="en-US" sz="8000" dirty="0" err="1">
-                <a:solidFill>
-                  <a:schemeClr val="bg1"/>
-                </a:solidFill>
-                <a:latin typeface="Cambria Math" panose="02040503050406030204" pitchFamily="18" charset="0"/>
-                <a:ea typeface="Cambria Math" panose="02040503050406030204" pitchFamily="18" charset="0"/>
-              </a:rPr>
-              <a:t>Kutta</a:t>
-            </a:r>
-            <a:r>
-              <a:rPr lang="en-US" sz="8000" dirty="0">
-                <a:solidFill>
-                  <a:schemeClr val="bg1"/>
-                </a:solidFill>
-                <a:latin typeface="Cambria Math" panose="02040503050406030204" pitchFamily="18" charset="0"/>
-                <a:ea typeface="Cambria Math" panose="02040503050406030204" pitchFamily="18" charset="0"/>
-              </a:rPr>
-              <a:t> 4</a:t>
+              <a:t>Comparison of Structures</a:t>
             </a:r>
           </a:p>
         </p:txBody>
       </p:sp>
+      <p:pic>
+        <p:nvPicPr>
+          <p:cNvPr id="5" name="Picture 4">
+            <a:extLst>
+              <a:ext uri="{FF2B5EF4-FFF2-40B4-BE49-F238E27FC236}">
+                <a16:creationId xmlns:a16="http://schemas.microsoft.com/office/drawing/2014/main" id="{9801000B-CDA5-42C8-A5EC-AFBA16D77164}"/>
+              </a:ext>
+            </a:extLst>
+          </p:cNvPr>
+          <p:cNvPicPr>
+            <a:picLocks noChangeAspect="1"/>
+          </p:cNvPicPr>
+          <p:nvPr/>
+        </p:nvPicPr>
+        <p:blipFill>
+          <a:blip r:embed="rId2">
+            <a:extLst>
+              <a:ext uri="{28A0092B-C50C-407E-A947-70E740481C1C}">
+                <a14:useLocalDpi xmlns:a14="http://schemas.microsoft.com/office/drawing/2010/main" val="0"/>
+              </a:ext>
+            </a:extLst>
+          </a:blip>
+          <a:stretch>
+            <a:fillRect/>
+          </a:stretch>
+        </p:blipFill>
+        <p:spPr>
+          <a:xfrm>
+            <a:off x="295564" y="1328373"/>
+            <a:ext cx="6285608" cy="4714205"/>
+          </a:xfrm>
+          <a:prstGeom prst="rect">
+            <a:avLst/>
+          </a:prstGeom>
+        </p:spPr>
+      </p:pic>
+      <p:pic>
+        <p:nvPicPr>
+          <p:cNvPr id="4" name="Picture 3">
+            <a:extLst>
+              <a:ext uri="{FF2B5EF4-FFF2-40B4-BE49-F238E27FC236}">
+                <a16:creationId xmlns:a16="http://schemas.microsoft.com/office/drawing/2014/main" id="{83FBFD05-F6F8-4867-ADB8-FE8F4386DB6A}"/>
+              </a:ext>
+            </a:extLst>
+          </p:cNvPr>
+          <p:cNvPicPr>
+            <a:picLocks noChangeAspect="1"/>
+          </p:cNvPicPr>
+          <p:nvPr/>
+        </p:nvPicPr>
+        <p:blipFill>
+          <a:blip r:embed="rId3">
+            <a:extLst>
+              <a:ext uri="{28A0092B-C50C-407E-A947-70E740481C1C}">
+                <a14:useLocalDpi xmlns:a14="http://schemas.microsoft.com/office/drawing/2010/main" val="0"/>
+              </a:ext>
+            </a:extLst>
+          </a:blip>
+          <a:stretch>
+            <a:fillRect/>
+          </a:stretch>
+        </p:blipFill>
+        <p:spPr>
+          <a:xfrm>
+            <a:off x="5185957" y="1328373"/>
+            <a:ext cx="6285607" cy="4714205"/>
+          </a:xfrm>
+          <a:prstGeom prst="rect">
+            <a:avLst/>
+          </a:prstGeom>
+        </p:spPr>
+      </p:pic>
     </p:spTree>
     <p:extLst>
       <p:ext uri="{BB962C8B-B14F-4D97-AF65-F5344CB8AC3E}">
-        <p14:creationId xmlns:p14="http://schemas.microsoft.com/office/powerpoint/2010/main" val="3559297031"/>
+        <p14:creationId xmlns:p14="http://schemas.microsoft.com/office/powerpoint/2010/main" val="1089967737"/>
       </p:ext>
     </p:extLst>
   </p:cSld>
@@ -5277,12 +5105,53 @@
           <a:chExt cx="0" cy="0"/>
         </a:xfrm>
       </p:grpSpPr>
+      <p:sp>
+        <p:nvSpPr>
+          <p:cNvPr id="2" name="Title 1">
+            <a:extLst>
+              <a:ext uri="{FF2B5EF4-FFF2-40B4-BE49-F238E27FC236}">
+                <a16:creationId xmlns:a16="http://schemas.microsoft.com/office/drawing/2014/main" id="{2FA0B769-09AB-475D-BDC1-794AA9E07B30}"/>
+              </a:ext>
+            </a:extLst>
+          </p:cNvPr>
+          <p:cNvSpPr>
+            <a:spLocks noGrp="1"/>
+          </p:cNvSpPr>
+          <p:nvPr>
+            <p:ph type="ctrTitle"/>
+          </p:nvPr>
+        </p:nvSpPr>
+        <p:spPr>
+          <a:xfrm>
+            <a:off x="1412033" y="189302"/>
+            <a:ext cx="9144000" cy="902380"/>
+          </a:xfrm>
+        </p:spPr>
+        <p:txBody>
+          <a:bodyPr>
+            <a:normAutofit fontScale="90000"/>
+          </a:bodyPr>
+          <a:lstStyle/>
+          <a:p>
+            <a:r>
+              <a:rPr lang="en-US" dirty="0">
+                <a:solidFill>
+                  <a:schemeClr val="bg1"/>
+                </a:solidFill>
+                <a:latin typeface="Cambria Math" panose="02040503050406030204" pitchFamily="18" charset="0"/>
+                <a:ea typeface="Cambria Math" panose="02040503050406030204" pitchFamily="18" charset="0"/>
+              </a:rPr>
+              <a:t>Comparison of Errors</a:t>
+            </a:r>
+          </a:p>
+        </p:txBody>
+      </p:sp>
       <p:pic>
         <p:nvPicPr>
-          <p:cNvPr id="6" name="Picture 5">
-            <a:extLst>
-              <a:ext uri="{FF2B5EF4-FFF2-40B4-BE49-F238E27FC236}">
-                <a16:creationId xmlns:a16="http://schemas.microsoft.com/office/drawing/2014/main" id="{D4D3DB43-E7F6-42EF-8EB2-0C66DAAEF0D4}"/>
+          <p:cNvPr id="5" name="Picture 4">
+            <a:extLst>
+              <a:ext uri="{FF2B5EF4-FFF2-40B4-BE49-F238E27FC236}">
+                <a16:creationId xmlns:a16="http://schemas.microsoft.com/office/drawing/2014/main" id="{9801000B-CDA5-42C8-A5EC-AFBA16D77164}"/>
               </a:ext>
             </a:extLst>
           </p:cNvPr>
@@ -5305,8 +5174,44 @@
         </p:blipFill>
         <p:spPr>
           <a:xfrm>
-            <a:off x="1614196" y="76339"/>
-            <a:ext cx="8619568" cy="6464676"/>
+            <a:off x="6138405" y="1599605"/>
+            <a:ext cx="5646905" cy="4235179"/>
+          </a:xfrm>
+          <a:prstGeom prst="rect">
+            <a:avLst/>
+          </a:prstGeom>
+        </p:spPr>
+      </p:pic>
+      <p:pic>
+        <p:nvPicPr>
+          <p:cNvPr id="4" name="Picture 3">
+            <a:extLst>
+              <a:ext uri="{FF2B5EF4-FFF2-40B4-BE49-F238E27FC236}">
+                <a16:creationId xmlns:a16="http://schemas.microsoft.com/office/drawing/2014/main" id="{80453F59-F1AA-485F-91A1-6EED80AE8CE4}"/>
+              </a:ext>
+            </a:extLst>
+          </p:cNvPr>
+          <p:cNvPicPr>
+            <a:picLocks noChangeAspect="1"/>
+          </p:cNvPicPr>
+          <p:nvPr/>
+        </p:nvPicPr>
+        <p:blipFill>
+          <a:blip r:embed="rId3">
+            <a:extLst>
+              <a:ext uri="{28A0092B-C50C-407E-A947-70E740481C1C}">
+                <a14:useLocalDpi xmlns:a14="http://schemas.microsoft.com/office/drawing/2010/main" val="0"/>
+              </a:ext>
+            </a:extLst>
+          </a:blip>
+          <a:stretch>
+            <a:fillRect/>
+          </a:stretch>
+        </p:blipFill>
+        <p:spPr>
+          <a:xfrm>
+            <a:off x="485756" y="1595297"/>
+            <a:ext cx="5652649" cy="4239487"/>
           </a:xfrm>
           <a:prstGeom prst="rect">
             <a:avLst/>
@@ -5316,7 +5221,7 @@
     </p:spTree>
     <p:extLst>
       <p:ext uri="{BB962C8B-B14F-4D97-AF65-F5344CB8AC3E}">
-        <p14:creationId xmlns:p14="http://schemas.microsoft.com/office/powerpoint/2010/main" val="2233843294"/>
+        <p14:creationId xmlns:p14="http://schemas.microsoft.com/office/powerpoint/2010/main" val="1159493989"/>
       </p:ext>
     </p:extLst>
   </p:cSld>
@@ -5351,46 +5256,199 @@
           <a:chExt cx="0" cy="0"/>
         </a:xfrm>
       </p:grpSpPr>
-      <p:pic>
-        <p:nvPicPr>
-          <p:cNvPr id="6" name="Picture 5">
-            <a:extLst>
-              <a:ext uri="{FF2B5EF4-FFF2-40B4-BE49-F238E27FC236}">
-                <a16:creationId xmlns:a16="http://schemas.microsoft.com/office/drawing/2014/main" id="{D4D3DB43-E7F6-42EF-8EB2-0C66DAAEF0D4}"/>
-              </a:ext>
-            </a:extLst>
-          </p:cNvPr>
-          <p:cNvPicPr>
-            <a:picLocks noChangeAspect="1"/>
-          </p:cNvPicPr>
-          <p:nvPr/>
-        </p:nvPicPr>
-        <p:blipFill>
-          <a:blip r:embed="rId2">
-            <a:extLst>
-              <a:ext uri="{28A0092B-C50C-407E-A947-70E740481C1C}">
-                <a14:useLocalDpi xmlns:a14="http://schemas.microsoft.com/office/drawing/2010/main" val="0"/>
-              </a:ext>
-            </a:extLst>
-          </a:blip>
-          <a:stretch>
-            <a:fillRect/>
-          </a:stretch>
-        </p:blipFill>
+      <p:sp>
+        <p:nvSpPr>
+          <p:cNvPr id="2" name="Title 1">
+            <a:extLst>
+              <a:ext uri="{FF2B5EF4-FFF2-40B4-BE49-F238E27FC236}">
+                <a16:creationId xmlns:a16="http://schemas.microsoft.com/office/drawing/2014/main" id="{2FA0B769-09AB-475D-BDC1-794AA9E07B30}"/>
+              </a:ext>
+            </a:extLst>
+          </p:cNvPr>
+          <p:cNvSpPr>
+            <a:spLocks noGrp="1"/>
+          </p:cNvSpPr>
+          <p:nvPr>
+            <p:ph type="ctrTitle"/>
+          </p:nvPr>
+        </p:nvSpPr>
         <p:spPr>
           <a:xfrm>
-            <a:off x="1614196" y="76339"/>
-            <a:ext cx="8619568" cy="6464676"/>
+            <a:off x="1524000" y="1122363"/>
+            <a:ext cx="9144000" cy="1294266"/>
+          </a:xfrm>
+        </p:spPr>
+        <p:txBody>
+          <a:bodyPr>
+            <a:normAutofit fontScale="90000"/>
+          </a:bodyPr>
+          <a:lstStyle/>
+          <a:p>
+            <a:r>
+              <a:rPr lang="en-US" dirty="0">
+                <a:solidFill>
+                  <a:schemeClr val="bg1"/>
+                </a:solidFill>
+                <a:latin typeface="Cambria Math" panose="02040503050406030204" pitchFamily="18" charset="0"/>
+                <a:ea typeface="Cambria Math" panose="02040503050406030204" pitchFamily="18" charset="0"/>
+              </a:rPr>
+              <a:t>A lot of things didn’t work:</a:t>
+            </a:r>
+            <a:br>
+              <a:rPr lang="en-US" dirty="0">
+                <a:solidFill>
+                  <a:schemeClr val="bg1"/>
+                </a:solidFill>
+                <a:latin typeface="Cambria Math" panose="02040503050406030204" pitchFamily="18" charset="0"/>
+                <a:ea typeface="Cambria Math" panose="02040503050406030204" pitchFamily="18" charset="0"/>
+              </a:rPr>
+            </a:br>
+            <a:endParaRPr lang="en-US" dirty="0">
+              <a:solidFill>
+                <a:schemeClr val="bg1"/>
+              </a:solidFill>
+              <a:latin typeface="Cambria Math" panose="02040503050406030204" pitchFamily="18" charset="0"/>
+              <a:ea typeface="Cambria Math" panose="02040503050406030204" pitchFamily="18" charset="0"/>
+            </a:endParaRPr>
+          </a:p>
+        </p:txBody>
+      </p:sp>
+      <p:sp>
+        <p:nvSpPr>
+          <p:cNvPr id="3" name="Title 1">
+            <a:extLst>
+              <a:ext uri="{FF2B5EF4-FFF2-40B4-BE49-F238E27FC236}">
+                <a16:creationId xmlns:a16="http://schemas.microsoft.com/office/drawing/2014/main" id="{345AC506-49CE-47A5-9932-3F83E48B7E41}"/>
+              </a:ext>
+            </a:extLst>
+          </p:cNvPr>
+          <p:cNvSpPr txBox="1">
+            <a:spLocks/>
+          </p:cNvSpPr>
+          <p:nvPr/>
+        </p:nvSpPr>
+        <p:spPr>
+          <a:xfrm>
+            <a:off x="1524000" y="4923032"/>
+            <a:ext cx="9144000" cy="1294266"/>
           </a:xfrm>
           <a:prstGeom prst="rect">
             <a:avLst/>
           </a:prstGeom>
         </p:spPr>
-      </p:pic>
+        <p:txBody>
+          <a:bodyPr vert="horz" lIns="91440" tIns="45720" rIns="91440" bIns="45720" rtlCol="0" anchor="b">
+            <a:noAutofit/>
+          </a:bodyPr>
+          <a:lstStyle>
+            <a:lvl1pPr algn="ctr" defTabSz="914400" rtl="0" eaLnBrk="1" latinLnBrk="0" hangingPunct="1">
+              <a:lnSpc>
+                <a:spcPct val="90000"/>
+              </a:lnSpc>
+              <a:spcBef>
+                <a:spcPct val="0"/>
+              </a:spcBef>
+              <a:buNone/>
+              <a:defRPr sz="6000" kern="1200">
+                <a:solidFill>
+                  <a:schemeClr val="tx1"/>
+                </a:solidFill>
+                <a:latin typeface="+mj-lt"/>
+                <a:ea typeface="+mj-ea"/>
+                <a:cs typeface="+mj-cs"/>
+              </a:defRPr>
+            </a:lvl1pPr>
+          </a:lstStyle>
+          <a:p>
+            <a:pPr marL="857250" indent="-857250" algn="l">
+              <a:buFont typeface="Arial" panose="020B0604020202020204" pitchFamily="34" charset="0"/>
+              <a:buChar char="•"/>
+            </a:pPr>
+            <a:r>
+              <a:rPr lang="en-US" sz="4000" dirty="0">
+                <a:solidFill>
+                  <a:schemeClr val="bg1"/>
+                </a:solidFill>
+                <a:latin typeface="Cambria Math" panose="02040503050406030204" pitchFamily="18" charset="0"/>
+                <a:ea typeface="Cambria Math" panose="02040503050406030204" pitchFamily="18" charset="0"/>
+              </a:rPr>
+              <a:t>Steepest Descent with Golden Section Search (Didn’t converge)</a:t>
+            </a:r>
+          </a:p>
+          <a:p>
+            <a:pPr marL="857250" indent="-857250" algn="l">
+              <a:buFont typeface="Arial" panose="020B0604020202020204" pitchFamily="34" charset="0"/>
+              <a:buChar char="•"/>
+            </a:pPr>
+            <a:endParaRPr lang="en-US" sz="4000" dirty="0">
+              <a:solidFill>
+                <a:schemeClr val="bg1"/>
+              </a:solidFill>
+              <a:latin typeface="Cambria Math" panose="02040503050406030204" pitchFamily="18" charset="0"/>
+              <a:ea typeface="Cambria Math" panose="02040503050406030204" pitchFamily="18" charset="0"/>
+            </a:endParaRPr>
+          </a:p>
+          <a:p>
+            <a:pPr marL="857250" indent="-857250" algn="l">
+              <a:buFont typeface="Arial" panose="020B0604020202020204" pitchFamily="34" charset="0"/>
+              <a:buChar char="•"/>
+            </a:pPr>
+            <a:r>
+              <a:rPr lang="en-US" sz="4000" dirty="0" err="1">
+                <a:solidFill>
+                  <a:schemeClr val="bg1"/>
+                </a:solidFill>
+                <a:latin typeface="Cambria Math" panose="02040503050406030204" pitchFamily="18" charset="0"/>
+                <a:ea typeface="Cambria Math" panose="02040503050406030204" pitchFamily="18" charset="0"/>
+              </a:rPr>
+              <a:t>Nelder</a:t>
+            </a:r>
+            <a:r>
+              <a:rPr lang="en-US" sz="4000" dirty="0">
+                <a:solidFill>
+                  <a:schemeClr val="bg1"/>
+                </a:solidFill>
+                <a:latin typeface="Cambria Math" panose="02040503050406030204" pitchFamily="18" charset="0"/>
+                <a:ea typeface="Cambria Math" panose="02040503050406030204" pitchFamily="18" charset="0"/>
+              </a:rPr>
+              <a:t>-Mead</a:t>
+            </a:r>
+          </a:p>
+          <a:p>
+            <a:pPr marL="857250" indent="-857250" algn="l">
+              <a:buFont typeface="Arial" panose="020B0604020202020204" pitchFamily="34" charset="0"/>
+              <a:buChar char="•"/>
+            </a:pPr>
+            <a:endParaRPr lang="en-US" sz="4000" dirty="0">
+              <a:solidFill>
+                <a:schemeClr val="bg1"/>
+              </a:solidFill>
+              <a:latin typeface="Cambria Math" panose="02040503050406030204" pitchFamily="18" charset="0"/>
+              <a:ea typeface="Cambria Math" panose="02040503050406030204" pitchFamily="18" charset="0"/>
+            </a:endParaRPr>
+          </a:p>
+          <a:p>
+            <a:pPr marL="857250" indent="-857250" algn="l">
+              <a:buFont typeface="Arial" panose="020B0604020202020204" pitchFamily="34" charset="0"/>
+              <a:buChar char="•"/>
+            </a:pPr>
+            <a:r>
+              <a:rPr lang="en-US" sz="4000" dirty="0">
+                <a:solidFill>
+                  <a:schemeClr val="bg1"/>
+                </a:solidFill>
+                <a:latin typeface="Cambria Math" panose="02040503050406030204" pitchFamily="18" charset="0"/>
+                <a:ea typeface="Cambria Math" panose="02040503050406030204" pitchFamily="18" charset="0"/>
+              </a:rPr>
+              <a:t>Using completely random initial guesses.</a:t>
+            </a:r>
+          </a:p>
+        </p:txBody>
+      </p:sp>
     </p:spTree>
     <p:extLst>
       <p:ext uri="{BB962C8B-B14F-4D97-AF65-F5344CB8AC3E}">
-        <p14:creationId xmlns:p14="http://schemas.microsoft.com/office/powerpoint/2010/main" val="1259508564"/>
+        <p14:creationId xmlns:p14="http://schemas.microsoft.com/office/powerpoint/2010/main" val="1865021846"/>
       </p:ext>
     </p:extLst>
   </p:cSld>
@@ -5441,9 +5499,16 @@
             <p:ph type="ctrTitle"/>
           </p:nvPr>
         </p:nvSpPr>
-        <p:spPr/>
+        <p:spPr>
+          <a:xfrm>
+            <a:off x="831273" y="489527"/>
+            <a:ext cx="10418618" cy="1927102"/>
+          </a:xfrm>
+        </p:spPr>
         <p:txBody>
-          <a:bodyPr/>
+          <a:bodyPr>
+            <a:normAutofit fontScale="90000"/>
+          </a:bodyPr>
           <a:lstStyle/>
           <a:p>
             <a:r>
@@ -5451,250 +5516,156 @@
                 <a:solidFill>
                   <a:schemeClr val="bg1"/>
                 </a:solidFill>
+                <a:latin typeface="Cambria Math" panose="02040503050406030204" pitchFamily="18" charset="0"/>
+                <a:ea typeface="Cambria Math" panose="02040503050406030204" pitchFamily="18" charset="0"/>
               </a:rPr>
-              <a:t>Things that didn’t work…</a:t>
-            </a:r>
+              <a:t>Factors that led to improvement:</a:t>
+            </a:r>
+            <a:br>
+              <a:rPr lang="en-US" dirty="0">
+                <a:solidFill>
+                  <a:schemeClr val="bg1"/>
+                </a:solidFill>
+                <a:latin typeface="Cambria Math" panose="02040503050406030204" pitchFamily="18" charset="0"/>
+                <a:ea typeface="Cambria Math" panose="02040503050406030204" pitchFamily="18" charset="0"/>
+              </a:rPr>
+            </a:br>
+            <a:endParaRPr lang="en-US" dirty="0">
+              <a:solidFill>
+                <a:schemeClr val="bg1"/>
+              </a:solidFill>
+              <a:latin typeface="Cambria Math" panose="02040503050406030204" pitchFamily="18" charset="0"/>
+              <a:ea typeface="Cambria Math" panose="02040503050406030204" pitchFamily="18" charset="0"/>
+            </a:endParaRPr>
           </a:p>
         </p:txBody>
       </p:sp>
       <p:sp>
         <p:nvSpPr>
-          <p:cNvPr id="3" name="Subtitle 2">
-            <a:extLst>
-              <a:ext uri="{FF2B5EF4-FFF2-40B4-BE49-F238E27FC236}">
-                <a16:creationId xmlns:a16="http://schemas.microsoft.com/office/drawing/2014/main" id="{CF850071-BBB8-47D9-8794-1C1655299F1D}"/>
-              </a:ext>
-            </a:extLst>
-          </p:cNvPr>
-          <p:cNvSpPr>
-            <a:spLocks noGrp="1"/>
+          <p:cNvPr id="3" name="Title 1">
+            <a:extLst>
+              <a:ext uri="{FF2B5EF4-FFF2-40B4-BE49-F238E27FC236}">
+                <a16:creationId xmlns:a16="http://schemas.microsoft.com/office/drawing/2014/main" id="{345AC506-49CE-47A5-9932-3F83E48B7E41}"/>
+              </a:ext>
+            </a:extLst>
+          </p:cNvPr>
+          <p:cNvSpPr txBox="1">
+            <a:spLocks/>
           </p:cNvSpPr>
-          <p:nvPr>
-            <p:ph type="subTitle" idx="1"/>
-          </p:nvPr>
+          <p:nvPr/>
         </p:nvSpPr>
         <p:spPr>
           <a:xfrm>
-            <a:off x="1524000" y="3602037"/>
-            <a:ext cx="9144000" cy="2789431"/>
+            <a:off x="1524000" y="4923032"/>
+            <a:ext cx="9144000" cy="1294266"/>
           </a:xfrm>
+          <a:prstGeom prst="rect">
+            <a:avLst/>
+          </a:prstGeom>
         </p:spPr>
         <p:txBody>
-          <a:bodyPr/>
-          <a:lstStyle/>
-          <a:p>
-            <a:r>
-              <a:rPr lang="en-US" dirty="0">
+          <a:bodyPr vert="horz" lIns="91440" tIns="45720" rIns="91440" bIns="45720" rtlCol="0" anchor="b">
+            <a:noAutofit/>
+          </a:bodyPr>
+          <a:lstStyle>
+            <a:lvl1pPr algn="ctr" defTabSz="914400" rtl="0" eaLnBrk="1" latinLnBrk="0" hangingPunct="1">
+              <a:lnSpc>
+                <a:spcPct val="90000"/>
+              </a:lnSpc>
+              <a:spcBef>
+                <a:spcPct val="0"/>
+              </a:spcBef>
+              <a:buNone/>
+              <a:defRPr sz="6000" kern="1200">
+                <a:solidFill>
+                  <a:schemeClr val="tx1"/>
+                </a:solidFill>
+                <a:latin typeface="+mj-lt"/>
+                <a:ea typeface="+mj-ea"/>
+                <a:cs typeface="+mj-cs"/>
+              </a:defRPr>
+            </a:lvl1pPr>
+          </a:lstStyle>
+          <a:p>
+            <a:pPr marL="857250" indent="-857250" algn="l">
+              <a:buFont typeface="Arial" panose="020B0604020202020204" pitchFamily="34" charset="0"/>
+              <a:buChar char="•"/>
+            </a:pPr>
+            <a:r>
+              <a:rPr lang="en-US" sz="4000" dirty="0">
                 <a:solidFill>
                   <a:schemeClr val="bg1"/>
                 </a:solidFill>
+                <a:latin typeface="Cambria Math" panose="02040503050406030204" pitchFamily="18" charset="0"/>
+                <a:ea typeface="Cambria Math" panose="02040503050406030204" pitchFamily="18" charset="0"/>
               </a:rPr>
-              <a:t>Backwards </a:t>
-            </a:r>
-            <a:r>
-              <a:rPr lang="en-US" dirty="0" err="1">
+              <a:t>Throwing out guesses with wildly inaccurate energies</a:t>
+            </a:r>
+          </a:p>
+          <a:p>
+            <a:pPr marL="857250" indent="-857250" algn="l">
+              <a:buFont typeface="Arial" panose="020B0604020202020204" pitchFamily="34" charset="0"/>
+              <a:buChar char="•"/>
+            </a:pPr>
+            <a:endParaRPr lang="en-US" sz="4000" dirty="0">
+              <a:solidFill>
+                <a:schemeClr val="bg1"/>
+              </a:solidFill>
+              <a:latin typeface="Cambria Math" panose="02040503050406030204" pitchFamily="18" charset="0"/>
+              <a:ea typeface="Cambria Math" panose="02040503050406030204" pitchFamily="18" charset="0"/>
+            </a:endParaRPr>
+          </a:p>
+          <a:p>
+            <a:pPr marL="857250" indent="-857250" algn="l">
+              <a:buFont typeface="Arial" panose="020B0604020202020204" pitchFamily="34" charset="0"/>
+              <a:buChar char="•"/>
+            </a:pPr>
+            <a:r>
+              <a:rPr lang="en-US" sz="4000" dirty="0">
                 <a:solidFill>
                   <a:schemeClr val="bg1"/>
                 </a:solidFill>
+                <a:latin typeface="Cambria Math" panose="02040503050406030204" pitchFamily="18" charset="0"/>
+                <a:ea typeface="Cambria Math" panose="02040503050406030204" pitchFamily="18" charset="0"/>
               </a:rPr>
-              <a:t>Eulers</a:t>
-            </a:r>
-            <a:r>
-              <a:rPr lang="en-US" dirty="0">
+              <a:t>Changing the bounds for the random guesses</a:t>
+            </a:r>
+          </a:p>
+          <a:p>
+            <a:pPr marL="857250" indent="-857250" algn="l">
+              <a:buFont typeface="Arial" panose="020B0604020202020204" pitchFamily="34" charset="0"/>
+              <a:buChar char="•"/>
+            </a:pPr>
+            <a:endParaRPr lang="en-US" sz="4000" dirty="0">
+              <a:solidFill>
+                <a:schemeClr val="bg1"/>
+              </a:solidFill>
+              <a:latin typeface="Cambria Math" panose="02040503050406030204" pitchFamily="18" charset="0"/>
+              <a:ea typeface="Cambria Math" panose="02040503050406030204" pitchFamily="18" charset="0"/>
+            </a:endParaRPr>
+          </a:p>
+          <a:p>
+            <a:pPr marL="857250" indent="-857250" algn="l">
+              <a:buFont typeface="Arial" panose="020B0604020202020204" pitchFamily="34" charset="0"/>
+              <a:buChar char="•"/>
+            </a:pPr>
+            <a:r>
+              <a:rPr lang="en-US" sz="4000" dirty="0">
                 <a:solidFill>
                   <a:schemeClr val="bg1"/>
                 </a:solidFill>
+                <a:latin typeface="Cambria Math" panose="02040503050406030204" pitchFamily="18" charset="0"/>
+                <a:ea typeface="Cambria Math" panose="02040503050406030204" pitchFamily="18" charset="0"/>
               </a:rPr>
-              <a:t> (Newton’s method failed to converge)</a:t>
-            </a:r>
-          </a:p>
-          <a:p>
-            <a:r>
-              <a:rPr lang="en-US" dirty="0">
-                <a:solidFill>
-                  <a:schemeClr val="bg1"/>
-                </a:solidFill>
-              </a:rPr>
-              <a:t>Predictor corrector (</a:t>
-            </a:r>
-            <a:r>
-              <a:rPr lang="en-US" dirty="0" err="1">
-                <a:solidFill>
-                  <a:schemeClr val="bg1"/>
-                </a:solidFill>
-              </a:rPr>
-              <a:t>adams</a:t>
-            </a:r>
-            <a:r>
-              <a:rPr lang="en-US" dirty="0">
-                <a:solidFill>
-                  <a:schemeClr val="bg1"/>
-                </a:solidFill>
-              </a:rPr>
-              <a:t> </a:t>
-            </a:r>
-            <a:r>
-              <a:rPr lang="en-US" dirty="0" err="1">
-                <a:solidFill>
-                  <a:schemeClr val="bg1"/>
-                </a:solidFill>
-              </a:rPr>
-              <a:t>bashforth</a:t>
-            </a:r>
-            <a:r>
-              <a:rPr lang="en-US" dirty="0">
-                <a:solidFill>
-                  <a:schemeClr val="bg1"/>
-                </a:solidFill>
-              </a:rPr>
-              <a:t>/</a:t>
-            </a:r>
-            <a:r>
-              <a:rPr lang="en-US" dirty="0" err="1">
-                <a:solidFill>
-                  <a:schemeClr val="bg1"/>
-                </a:solidFill>
-              </a:rPr>
-              <a:t>moulton</a:t>
-            </a:r>
-            <a:r>
-              <a:rPr lang="en-US" dirty="0">
-                <a:solidFill>
-                  <a:schemeClr val="bg1"/>
-                </a:solidFill>
-              </a:rPr>
-              <a:t> 4</a:t>
-            </a:r>
-            <a:r>
-              <a:rPr lang="en-US" baseline="30000" dirty="0">
-                <a:solidFill>
-                  <a:schemeClr val="bg1"/>
-                </a:solidFill>
-              </a:rPr>
-              <a:t>th</a:t>
-            </a:r>
-            <a:r>
-              <a:rPr lang="en-US" dirty="0">
-                <a:solidFill>
-                  <a:schemeClr val="bg1"/>
-                </a:solidFill>
-              </a:rPr>
-              <a:t> order)</a:t>
-            </a:r>
-          </a:p>
-          <a:p>
-            <a:r>
-              <a:rPr lang="en-US" dirty="0">
-                <a:solidFill>
-                  <a:schemeClr val="bg1"/>
-                </a:solidFill>
-              </a:rPr>
-              <a:t>Adams </a:t>
-            </a:r>
-            <a:r>
-              <a:rPr lang="en-US" dirty="0" err="1">
-                <a:solidFill>
-                  <a:schemeClr val="bg1"/>
-                </a:solidFill>
-              </a:rPr>
-              <a:t>bashforth</a:t>
-            </a:r>
-            <a:endParaRPr lang="en-US" dirty="0">
-              <a:solidFill>
-                <a:schemeClr val="bg1"/>
-              </a:solidFill>
-            </a:endParaRPr>
-          </a:p>
-          <a:p>
-            <a:r>
-              <a:rPr lang="en-US" dirty="0">
-                <a:solidFill>
-                  <a:schemeClr val="bg1"/>
-                </a:solidFill>
-              </a:rPr>
-              <a:t>Rearranging pc4</a:t>
-            </a:r>
-          </a:p>
-          <a:p>
-            <a:r>
-              <a:rPr lang="en-US" dirty="0">
-                <a:solidFill>
-                  <a:schemeClr val="bg1"/>
-                </a:solidFill>
-              </a:rPr>
-              <a:t>Predictor corrector 2</a:t>
-            </a:r>
-            <a:r>
-              <a:rPr lang="en-US" baseline="30000" dirty="0">
-                <a:solidFill>
-                  <a:schemeClr val="bg1"/>
-                </a:solidFill>
-              </a:rPr>
-              <a:t>nd</a:t>
-            </a:r>
-            <a:r>
-              <a:rPr lang="en-US" dirty="0">
-                <a:solidFill>
-                  <a:schemeClr val="bg1"/>
-                </a:solidFill>
-              </a:rPr>
-              <a:t> order </a:t>
-            </a:r>
-            <a:r>
-              <a:rPr lang="en-US" dirty="0" err="1">
-                <a:solidFill>
-                  <a:schemeClr val="bg1"/>
-                </a:solidFill>
-              </a:rPr>
-              <a:t>adams</a:t>
-            </a:r>
-            <a:r>
-              <a:rPr lang="en-US" dirty="0">
-                <a:solidFill>
-                  <a:schemeClr val="bg1"/>
-                </a:solidFill>
-              </a:rPr>
-              <a:t> </a:t>
-            </a:r>
-            <a:r>
-              <a:rPr lang="en-US" dirty="0" err="1">
-                <a:solidFill>
-                  <a:schemeClr val="bg1"/>
-                </a:solidFill>
-              </a:rPr>
-              <a:t>bashforth</a:t>
-            </a:r>
-            <a:r>
-              <a:rPr lang="en-US" dirty="0">
-                <a:solidFill>
-                  <a:schemeClr val="bg1"/>
-                </a:solidFill>
-              </a:rPr>
-              <a:t>/ </a:t>
-            </a:r>
-            <a:r>
-              <a:rPr lang="en-US" dirty="0" err="1">
-                <a:solidFill>
-                  <a:schemeClr val="bg1"/>
-                </a:solidFill>
-              </a:rPr>
-              <a:t>moulton</a:t>
-            </a:r>
-            <a:endParaRPr lang="en-US" dirty="0">
-              <a:solidFill>
-                <a:schemeClr val="bg1"/>
-              </a:solidFill>
-            </a:endParaRPr>
-          </a:p>
-          <a:p>
-            <a:endParaRPr lang="en-US" dirty="0"/>
+              <a:t>Shifting structures back to the origin</a:t>
+            </a:r>
           </a:p>
         </p:txBody>
       </p:sp>
     </p:spTree>
     <p:extLst>
       <p:ext uri="{BB962C8B-B14F-4D97-AF65-F5344CB8AC3E}">
-        <p14:creationId xmlns:p14="http://schemas.microsoft.com/office/powerpoint/2010/main" val="3053666111"/>
+        <p14:creationId xmlns:p14="http://schemas.microsoft.com/office/powerpoint/2010/main" val="2683482098"/>
       </p:ext>
     </p:extLst>
   </p:cSld>
@@ -5747,101 +5718,25 @@
         </p:nvSpPr>
         <p:spPr>
           <a:xfrm>
-            <a:off x="1384040" y="637170"/>
-            <a:ext cx="9144000" cy="4336045"/>
+            <a:off x="1524000" y="1692814"/>
+            <a:ext cx="9144000" cy="1922842"/>
           </a:xfrm>
         </p:spPr>
         <p:txBody>
           <a:bodyPr>
-            <a:normAutofit fontScale="90000"/>
+            <a:normAutofit/>
           </a:bodyPr>
           <a:lstStyle/>
           <a:p>
-            <a:br>
+            <a:r>
               <a:rPr lang="en-US" dirty="0">
                 <a:solidFill>
                   <a:schemeClr val="bg1"/>
                 </a:solidFill>
+                <a:latin typeface="Cambria Math" panose="02040503050406030204" pitchFamily="18" charset="0"/>
+                <a:ea typeface="Cambria Math" panose="02040503050406030204" pitchFamily="18" charset="0"/>
               </a:rPr>
-            </a:br>
-            <a:br>
-              <a:rPr lang="en-US" dirty="0">
-                <a:solidFill>
-                  <a:schemeClr val="bg1"/>
-                </a:solidFill>
-              </a:rPr>
-            </a:br>
-            <a:br>
-              <a:rPr lang="en-US" dirty="0">
-                <a:solidFill>
-                  <a:schemeClr val="bg1"/>
-                </a:solidFill>
-              </a:rPr>
-            </a:br>
-            <a:br>
-              <a:rPr lang="en-US" dirty="0">
-                <a:solidFill>
-                  <a:schemeClr val="bg1"/>
-                </a:solidFill>
-              </a:rPr>
-            </a:br>
-            <a:br>
-              <a:rPr lang="en-US" dirty="0">
-                <a:solidFill>
-                  <a:schemeClr val="bg1"/>
-                </a:solidFill>
-              </a:rPr>
-            </a:br>
-            <a:br>
-              <a:rPr lang="en-US" dirty="0">
-                <a:solidFill>
-                  <a:schemeClr val="bg1"/>
-                </a:solidFill>
-              </a:rPr>
-            </a:br>
-            <a:br>
-              <a:rPr lang="en-US" dirty="0">
-                <a:solidFill>
-                  <a:schemeClr val="bg1"/>
-                </a:solidFill>
-              </a:rPr>
-            </a:br>
-            <a:br>
-              <a:rPr lang="en-US" dirty="0">
-                <a:solidFill>
-                  <a:schemeClr val="bg1"/>
-                </a:solidFill>
-              </a:rPr>
-            </a:br>
-            <a:r>
-              <a:rPr lang="en-US" dirty="0">
-                <a:solidFill>
-                  <a:schemeClr val="bg1"/>
-                </a:solidFill>
-              </a:rPr>
-              <a:t>Backwards Euler’s </a:t>
-            </a:r>
-            <a:br>
-              <a:rPr lang="en-US" dirty="0">
-                <a:solidFill>
-                  <a:schemeClr val="bg1"/>
-                </a:solidFill>
-              </a:rPr>
-            </a:br>
-            <a:br>
-              <a:rPr lang="en-US" dirty="0">
-                <a:solidFill>
-                  <a:schemeClr val="bg1"/>
-                </a:solidFill>
-              </a:rPr>
-            </a:br>
-            <a:r>
-              <a:rPr lang="en-US" dirty="0">
-                <a:solidFill>
-                  <a:schemeClr val="bg1"/>
-                </a:solidFill>
-              </a:rPr>
-              <a:t>(Newton’s method failed to converge)</a:t>
+              <a:t>But does the tolerance affect the accuracy?</a:t>
             </a:r>
           </a:p>
         </p:txBody>
@@ -5849,7 +5744,7 @@
     </p:spTree>
     <p:extLst>
       <p:ext uri="{BB962C8B-B14F-4D97-AF65-F5344CB8AC3E}">
-        <p14:creationId xmlns:p14="http://schemas.microsoft.com/office/powerpoint/2010/main" val="1287514615"/>
+        <p14:creationId xmlns:p14="http://schemas.microsoft.com/office/powerpoint/2010/main" val="154520853"/>
       </p:ext>
     </p:extLst>
   </p:cSld>
@@ -5902,8 +5797,8 @@
         </p:nvSpPr>
         <p:spPr>
           <a:xfrm>
-            <a:off x="1524000" y="1122362"/>
-            <a:ext cx="9144000" cy="4065457"/>
+            <a:off x="-79641" y="124647"/>
+            <a:ext cx="12127346" cy="1139071"/>
           </a:xfrm>
         </p:spPr>
         <p:txBody>
@@ -5913,74 +5808,58 @@
           <a:lstStyle/>
           <a:p>
             <a:r>
-              <a:rPr lang="en-US" dirty="0">
+              <a:rPr lang="en-US" sz="5400" dirty="0">
                 <a:solidFill>
                   <a:schemeClr val="bg1"/>
                 </a:solidFill>
+                <a:latin typeface="Cambria Math" panose="02040503050406030204" pitchFamily="18" charset="0"/>
+                <a:ea typeface="Cambria Math" panose="02040503050406030204" pitchFamily="18" charset="0"/>
               </a:rPr>
-              <a:t>Predictor Corrector </a:t>
-            </a:r>
-            <a:br>
-              <a:rPr lang="en-US" dirty="0">
-                <a:solidFill>
-                  <a:schemeClr val="bg1"/>
-                </a:solidFill>
-              </a:rPr>
-            </a:br>
-            <a:br>
-              <a:rPr lang="en-US" dirty="0">
-                <a:solidFill>
-                  <a:schemeClr val="bg1"/>
-                </a:solidFill>
-              </a:rPr>
-            </a:br>
-            <a:r>
-              <a:rPr lang="en-US" dirty="0">
-                <a:solidFill>
-                  <a:schemeClr val="bg1"/>
-                </a:solidFill>
-              </a:rPr>
-              <a:t>(Adams-</a:t>
-            </a:r>
-            <a:r>
-              <a:rPr lang="en-US" dirty="0" err="1">
-                <a:solidFill>
-                  <a:schemeClr val="bg1"/>
-                </a:solidFill>
-              </a:rPr>
-              <a:t>Bashforth</a:t>
-            </a:r>
-            <a:r>
-              <a:rPr lang="en-US" dirty="0">
-                <a:solidFill>
-                  <a:schemeClr val="bg1"/>
-                </a:solidFill>
-              </a:rPr>
-              <a:t> / Adams-Moulton 4</a:t>
-            </a:r>
-            <a:r>
-              <a:rPr lang="en-US" baseline="30000" dirty="0">
-                <a:solidFill>
-                  <a:schemeClr val="bg1"/>
-                </a:solidFill>
-              </a:rPr>
-              <a:t>th</a:t>
-            </a:r>
-            <a:r>
-              <a:rPr lang="en-US" dirty="0">
-                <a:solidFill>
-                  <a:schemeClr val="bg1"/>
-                </a:solidFill>
-              </a:rPr>
-              <a:t> order)</a:t>
+              <a:t>Comparing Structures by Tolerance</a:t>
             </a:r>
           </a:p>
         </p:txBody>
       </p:sp>
+      <p:pic>
+        <p:nvPicPr>
+          <p:cNvPr id="5" name="Picture 4">
+            <a:extLst>
+              <a:ext uri="{FF2B5EF4-FFF2-40B4-BE49-F238E27FC236}">
+                <a16:creationId xmlns:a16="http://schemas.microsoft.com/office/drawing/2014/main" id="{9801000B-CDA5-42C8-A5EC-AFBA16D77164}"/>
+              </a:ext>
+            </a:extLst>
+          </p:cNvPr>
+          <p:cNvPicPr>
+            <a:picLocks noChangeAspect="1"/>
+          </p:cNvPicPr>
+          <p:nvPr/>
+        </p:nvPicPr>
+        <p:blipFill>
+          <a:blip r:embed="rId2">
+            <a:extLst>
+              <a:ext uri="{28A0092B-C50C-407E-A947-70E740481C1C}">
+                <a14:useLocalDpi xmlns:a14="http://schemas.microsoft.com/office/drawing/2010/main" val="0"/>
+              </a:ext>
+            </a:extLst>
+          </a:blip>
+          <a:stretch>
+            <a:fillRect/>
+          </a:stretch>
+        </p:blipFill>
+        <p:spPr>
+          <a:xfrm>
+            <a:off x="2533990" y="1328373"/>
+            <a:ext cx="6900084" cy="5175063"/>
+          </a:xfrm>
+          <a:prstGeom prst="rect">
+            <a:avLst/>
+          </a:prstGeom>
+        </p:spPr>
+      </p:pic>
     </p:spTree>
     <p:extLst>
       <p:ext uri="{BB962C8B-B14F-4D97-AF65-F5344CB8AC3E}">
-        <p14:creationId xmlns:p14="http://schemas.microsoft.com/office/powerpoint/2010/main" val="3682423453"/>
+        <p14:creationId xmlns:p14="http://schemas.microsoft.com/office/powerpoint/2010/main" val="3899485382"/>
       </p:ext>
     </p:extLst>
   </p:cSld>
@@ -6015,12 +5894,53 @@
           <a:chExt cx="0" cy="0"/>
         </a:xfrm>
       </p:grpSpPr>
+      <p:sp>
+        <p:nvSpPr>
+          <p:cNvPr id="2" name="Title 1">
+            <a:extLst>
+              <a:ext uri="{FF2B5EF4-FFF2-40B4-BE49-F238E27FC236}">
+                <a16:creationId xmlns:a16="http://schemas.microsoft.com/office/drawing/2014/main" id="{2FA0B769-09AB-475D-BDC1-794AA9E07B30}"/>
+              </a:ext>
+            </a:extLst>
+          </p:cNvPr>
+          <p:cNvSpPr>
+            <a:spLocks noGrp="1"/>
+          </p:cNvSpPr>
+          <p:nvPr>
+            <p:ph type="ctrTitle"/>
+          </p:nvPr>
+        </p:nvSpPr>
+        <p:spPr>
+          <a:xfrm>
+            <a:off x="397164" y="189302"/>
+            <a:ext cx="11231417" cy="902380"/>
+          </a:xfrm>
+        </p:spPr>
+        <p:txBody>
+          <a:bodyPr>
+            <a:normAutofit fontScale="90000"/>
+          </a:bodyPr>
+          <a:lstStyle/>
+          <a:p>
+            <a:r>
+              <a:rPr lang="en-US" dirty="0">
+                <a:solidFill>
+                  <a:schemeClr val="bg1"/>
+                </a:solidFill>
+                <a:latin typeface="Cambria Math" panose="02040503050406030204" pitchFamily="18" charset="0"/>
+                <a:ea typeface="Cambria Math" panose="02040503050406030204" pitchFamily="18" charset="0"/>
+              </a:rPr>
+              <a:t>Comparing Errors by Tolerance</a:t>
+            </a:r>
+          </a:p>
+        </p:txBody>
+      </p:sp>
       <p:pic>
         <p:nvPicPr>
-          <p:cNvPr id="6" name="Picture 5">
-            <a:extLst>
-              <a:ext uri="{FF2B5EF4-FFF2-40B4-BE49-F238E27FC236}">
-                <a16:creationId xmlns:a16="http://schemas.microsoft.com/office/drawing/2014/main" id="{D4D3DB43-E7F6-42EF-8EB2-0C66DAAEF0D4}"/>
+          <p:cNvPr id="5" name="Picture 4">
+            <a:extLst>
+              <a:ext uri="{FF2B5EF4-FFF2-40B4-BE49-F238E27FC236}">
+                <a16:creationId xmlns:a16="http://schemas.microsoft.com/office/drawing/2014/main" id="{9801000B-CDA5-42C8-A5EC-AFBA16D77164}"/>
               </a:ext>
             </a:extLst>
           </p:cNvPr>
@@ -6043,57 +5963,18 @@
         </p:blipFill>
         <p:spPr>
           <a:xfrm>
-            <a:off x="1614196" y="76339"/>
-            <a:ext cx="8619568" cy="6464676"/>
+            <a:off x="2533990" y="1328373"/>
+            <a:ext cx="6900084" cy="5175063"/>
           </a:xfrm>
           <a:prstGeom prst="rect">
             <a:avLst/>
           </a:prstGeom>
         </p:spPr>
       </p:pic>
-      <p:sp>
-        <p:nvSpPr>
-          <p:cNvPr id="2" name="TextBox 1">
-            <a:extLst>
-              <a:ext uri="{FF2B5EF4-FFF2-40B4-BE49-F238E27FC236}">
-                <a16:creationId xmlns:a16="http://schemas.microsoft.com/office/drawing/2014/main" id="{D2DE124B-9290-4A45-A8A5-10971BC23E8D}"/>
-              </a:ext>
-            </a:extLst>
-          </p:cNvPr>
-          <p:cNvSpPr txBox="1"/>
-          <p:nvPr/>
-        </p:nvSpPr>
-        <p:spPr>
-          <a:xfrm>
-            <a:off x="9785894" y="3489648"/>
-            <a:ext cx="1942685" cy="2585323"/>
-          </a:xfrm>
-          <a:prstGeom prst="rect">
-            <a:avLst/>
-          </a:prstGeom>
-          <a:noFill/>
-        </p:spPr>
-        <p:txBody>
-          <a:bodyPr wrap="square" rtlCol="0">
-            <a:spAutoFit/>
-          </a:bodyPr>
-          <a:lstStyle/>
-          <a:p>
-            <a:r>
-              <a:rPr lang="en-US" dirty="0">
-                <a:solidFill>
-                  <a:schemeClr val="bg1"/>
-                </a:solidFill>
-              </a:rPr>
-              <a:t>Note that the step size at which pc4 devolves into chaos is around 0.175, which is smaller than 0.18 for which Euler’s converged to the correct value. </a:t>
-            </a:r>
-          </a:p>
-        </p:txBody>
-      </p:sp>
     </p:spTree>
     <p:extLst>
       <p:ext uri="{BB962C8B-B14F-4D97-AF65-F5344CB8AC3E}">
-        <p14:creationId xmlns:p14="http://schemas.microsoft.com/office/powerpoint/2010/main" val="992379388"/>
+        <p14:creationId xmlns:p14="http://schemas.microsoft.com/office/powerpoint/2010/main" val="2029122835"/>
       </p:ext>
     </p:extLst>
   </p:cSld>
@@ -6130,103 +6011,100 @@
       </p:grpSpPr>
       <p:sp>
         <p:nvSpPr>
-          <p:cNvPr id="2" name="Title 1">
-            <a:extLst>
-              <a:ext uri="{FF2B5EF4-FFF2-40B4-BE49-F238E27FC236}">
-                <a16:creationId xmlns:a16="http://schemas.microsoft.com/office/drawing/2014/main" id="{2FA0B769-09AB-475D-BDC1-794AA9E07B30}"/>
-              </a:ext>
-            </a:extLst>
-          </p:cNvPr>
-          <p:cNvSpPr>
-            <a:spLocks noGrp="1"/>
+          <p:cNvPr id="3" name="Title 1">
+            <a:extLst>
+              <a:ext uri="{FF2B5EF4-FFF2-40B4-BE49-F238E27FC236}">
+                <a16:creationId xmlns:a16="http://schemas.microsoft.com/office/drawing/2014/main" id="{A26760F5-765B-4B3F-8DDF-7A4F61292F54}"/>
+              </a:ext>
+            </a:extLst>
+          </p:cNvPr>
+          <p:cNvSpPr txBox="1">
+            <a:spLocks/>
           </p:cNvSpPr>
-          <p:nvPr>
-            <p:ph type="ctrTitle"/>
-          </p:nvPr>
+          <p:nvPr/>
         </p:nvSpPr>
         <p:spPr>
           <a:xfrm>
-            <a:off x="1287625" y="905069"/>
-            <a:ext cx="9343053" cy="4310742"/>
+            <a:off x="720436" y="1505527"/>
+            <a:ext cx="10252364" cy="2225582"/>
           </a:xfrm>
+          <a:prstGeom prst="rect">
+            <a:avLst/>
+          </a:prstGeom>
         </p:spPr>
         <p:txBody>
-          <a:bodyPr/>
-          <a:lstStyle/>
-          <a:p>
-            <a:br>
+          <a:bodyPr vert="horz" lIns="91440" tIns="45720" rIns="91440" bIns="45720" rtlCol="0" anchor="b">
+            <a:normAutofit/>
+          </a:bodyPr>
+          <a:lstStyle>
+            <a:lvl1pPr algn="ctr" defTabSz="914400" rtl="0" eaLnBrk="1" latinLnBrk="0" hangingPunct="1">
+              <a:lnSpc>
+                <a:spcPct val="90000"/>
+              </a:lnSpc>
+              <a:spcBef>
+                <a:spcPct val="0"/>
+              </a:spcBef>
+              <a:buNone/>
+              <a:defRPr sz="6000" kern="1200">
+                <a:solidFill>
+                  <a:schemeClr val="tx1"/>
+                </a:solidFill>
+                <a:latin typeface="+mj-lt"/>
+                <a:ea typeface="+mj-ea"/>
+                <a:cs typeface="+mj-cs"/>
+              </a:defRPr>
+            </a:lvl1pPr>
+          </a:lstStyle>
+          <a:p>
+            <a:r>
               <a:rPr lang="en-US" dirty="0">
                 <a:solidFill>
                   <a:schemeClr val="bg1"/>
                 </a:solidFill>
+                <a:latin typeface="Cambria Math" panose="02040503050406030204" pitchFamily="18" charset="0"/>
+                <a:ea typeface="Cambria Math" panose="02040503050406030204" pitchFamily="18" charset="0"/>
               </a:rPr>
-            </a:br>
-            <a:r>
-              <a:rPr lang="en-US" dirty="0">
+              <a:t>…Not by a significant amount.</a:t>
+            </a:r>
+          </a:p>
+          <a:p>
+            <a:r>
+              <a:rPr lang="en-US" sz="1800" dirty="0">
                 <a:solidFill>
                   <a:schemeClr val="bg1"/>
                 </a:solidFill>
+                <a:latin typeface="Cambria Math" panose="02040503050406030204" pitchFamily="18" charset="0"/>
+                <a:ea typeface="Cambria Math" panose="02040503050406030204" pitchFamily="18" charset="0"/>
               </a:rPr>
-              <a:t>Adams-</a:t>
-            </a:r>
-            <a:r>
-              <a:rPr lang="en-US" dirty="0" err="1">
+              <a:t>(A difference is seen starting at approximately the 12</a:t>
+            </a:r>
+            <a:r>
+              <a:rPr lang="en-US" sz="1800" baseline="30000" dirty="0">
                 <a:solidFill>
                   <a:schemeClr val="bg1"/>
                 </a:solidFill>
+                <a:latin typeface="Cambria Math" panose="02040503050406030204" pitchFamily="18" charset="0"/>
+                <a:ea typeface="Cambria Math" panose="02040503050406030204" pitchFamily="18" charset="0"/>
               </a:rPr>
-              <a:t>Bashforth</a:t>
-            </a:r>
-            <a:br>
-              <a:rPr lang="en-US" dirty="0">
+              <a:t>th</a:t>
+            </a:r>
+            <a:r>
+              <a:rPr lang="en-US" sz="1800" dirty="0">
                 <a:solidFill>
                   <a:schemeClr val="bg1"/>
                 </a:solidFill>
+                <a:latin typeface="Cambria Math" panose="02040503050406030204" pitchFamily="18" charset="0"/>
+                <a:ea typeface="Cambria Math" panose="02040503050406030204" pitchFamily="18" charset="0"/>
               </a:rPr>
-            </a:br>
-            <a:r>
-              <a:rPr lang="en-US" dirty="0">
-                <a:solidFill>
-                  <a:schemeClr val="bg1"/>
-                </a:solidFill>
-              </a:rPr>
-              <a:t>(4</a:t>
-            </a:r>
-            <a:r>
-              <a:rPr lang="en-US" baseline="30000" dirty="0">
-                <a:solidFill>
-                  <a:schemeClr val="bg1"/>
-                </a:solidFill>
-              </a:rPr>
-              <a:t>th</a:t>
-            </a:r>
-            <a:r>
-              <a:rPr lang="en-US" dirty="0">
-                <a:solidFill>
-                  <a:schemeClr val="bg1"/>
-                </a:solidFill>
-              </a:rPr>
-              <a:t> order)</a:t>
-            </a:r>
-            <a:br>
-              <a:rPr lang="en-US" dirty="0">
-                <a:solidFill>
-                  <a:schemeClr val="bg1"/>
-                </a:solidFill>
-              </a:rPr>
-            </a:br>
-            <a:endParaRPr lang="en-US" dirty="0">
-              <a:solidFill>
-                <a:schemeClr val="bg1"/>
-              </a:solidFill>
-            </a:endParaRPr>
+              <a:t> digit of the potential energy.)</a:t>
+            </a:r>
           </a:p>
         </p:txBody>
       </p:sp>
     </p:spTree>
     <p:extLst>
       <p:ext uri="{BB962C8B-B14F-4D97-AF65-F5344CB8AC3E}">
-        <p14:creationId xmlns:p14="http://schemas.microsoft.com/office/powerpoint/2010/main" val="3900330993"/>
+        <p14:creationId xmlns:p14="http://schemas.microsoft.com/office/powerpoint/2010/main" val="4133127592"/>
       </p:ext>
     </p:extLst>
   </p:cSld>
@@ -6263,95 +6141,67 @@
       </p:grpSpPr>
       <p:sp>
         <p:nvSpPr>
-          <p:cNvPr id="2" name="Title 1">
-            <a:extLst>
-              <a:ext uri="{FF2B5EF4-FFF2-40B4-BE49-F238E27FC236}">
-                <a16:creationId xmlns:a16="http://schemas.microsoft.com/office/drawing/2014/main" id="{2FA0B769-09AB-475D-BDC1-794AA9E07B30}"/>
-              </a:ext>
-            </a:extLst>
-          </p:cNvPr>
-          <p:cNvSpPr>
-            <a:spLocks noGrp="1"/>
+          <p:cNvPr id="3" name="Title 1">
+            <a:extLst>
+              <a:ext uri="{FF2B5EF4-FFF2-40B4-BE49-F238E27FC236}">
+                <a16:creationId xmlns:a16="http://schemas.microsoft.com/office/drawing/2014/main" id="{A26760F5-765B-4B3F-8DDF-7A4F61292F54}"/>
+              </a:ext>
+            </a:extLst>
+          </p:cNvPr>
+          <p:cNvSpPr txBox="1">
+            <a:spLocks/>
           </p:cNvSpPr>
-          <p:nvPr>
-            <p:ph type="ctrTitle"/>
-          </p:nvPr>
+          <p:nvPr/>
         </p:nvSpPr>
         <p:spPr>
           <a:xfrm>
-            <a:off x="1287625" y="905069"/>
-            <a:ext cx="9343053" cy="4310742"/>
+            <a:off x="720436" y="1505527"/>
+            <a:ext cx="10252364" cy="2225582"/>
           </a:xfrm>
+          <a:prstGeom prst="rect">
+            <a:avLst/>
+          </a:prstGeom>
         </p:spPr>
         <p:txBody>
-          <a:bodyPr/>
-          <a:lstStyle/>
-          <a:p>
-            <a:br>
+          <a:bodyPr vert="horz" lIns="91440" tIns="45720" rIns="91440" bIns="45720" rtlCol="0" anchor="b">
+            <a:normAutofit/>
+          </a:bodyPr>
+          <a:lstStyle>
+            <a:lvl1pPr algn="ctr" defTabSz="914400" rtl="0" eaLnBrk="1" latinLnBrk="0" hangingPunct="1">
+              <a:lnSpc>
+                <a:spcPct val="90000"/>
+              </a:lnSpc>
+              <a:spcBef>
+                <a:spcPct val="0"/>
+              </a:spcBef>
+              <a:buNone/>
+              <a:defRPr sz="6000" kern="1200">
+                <a:solidFill>
+                  <a:schemeClr val="tx1"/>
+                </a:solidFill>
+                <a:latin typeface="+mj-lt"/>
+                <a:ea typeface="+mj-ea"/>
+                <a:cs typeface="+mj-cs"/>
+              </a:defRPr>
+            </a:lvl1pPr>
+          </a:lstStyle>
+          <a:p>
+            <a:r>
               <a:rPr lang="en-US" dirty="0">
                 <a:solidFill>
                   <a:schemeClr val="bg1"/>
                 </a:solidFill>
+                <a:latin typeface="Cambria Math" panose="02040503050406030204" pitchFamily="18" charset="0"/>
+                <a:ea typeface="Cambria Math" panose="02040503050406030204" pitchFamily="18" charset="0"/>
               </a:rPr>
-            </a:br>
-            <a:r>
-              <a:rPr lang="en-US" dirty="0">
-                <a:solidFill>
-                  <a:schemeClr val="bg1"/>
-                </a:solidFill>
-              </a:rPr>
-              <a:t>Adams-</a:t>
-            </a:r>
-            <a:r>
-              <a:rPr lang="en-US" dirty="0" err="1">
-                <a:solidFill>
-                  <a:schemeClr val="bg1"/>
-                </a:solidFill>
-              </a:rPr>
-              <a:t>Bashforth</a:t>
-            </a:r>
-            <a:br>
-              <a:rPr lang="en-US" dirty="0">
-                <a:solidFill>
-                  <a:schemeClr val="bg1"/>
-                </a:solidFill>
-              </a:rPr>
-            </a:br>
-            <a:r>
-              <a:rPr lang="en-US" dirty="0">
-                <a:solidFill>
-                  <a:schemeClr val="bg1"/>
-                </a:solidFill>
-              </a:rPr>
-              <a:t>(4</a:t>
-            </a:r>
-            <a:r>
-              <a:rPr lang="en-US" baseline="30000" dirty="0">
-                <a:solidFill>
-                  <a:schemeClr val="bg1"/>
-                </a:solidFill>
-              </a:rPr>
-              <a:t>th</a:t>
-            </a:r>
-            <a:r>
-              <a:rPr lang="en-US" dirty="0">
-                <a:solidFill>
-                  <a:schemeClr val="bg1"/>
-                </a:solidFill>
-              </a:rPr>
-              <a:t> order)</a:t>
-            </a:r>
-            <a:br>
-              <a:rPr lang="en-US" dirty="0">
-                <a:solidFill>
-                  <a:schemeClr val="bg1"/>
-                </a:solidFill>
-              </a:rPr>
-            </a:br>
-            <a:endParaRPr lang="en-US" dirty="0">
+              <a:t>What do the other structures look like?</a:t>
+            </a:r>
+            <a:endParaRPr lang="en-US" sz="1800" dirty="0">
               <a:solidFill>
                 <a:schemeClr val="bg1"/>
               </a:solidFill>
+              <a:latin typeface="Cambria Math" panose="02040503050406030204" pitchFamily="18" charset="0"/>
+              <a:ea typeface="Cambria Math" panose="02040503050406030204" pitchFamily="18" charset="0"/>
             </a:endParaRPr>
           </a:p>
         </p:txBody>
@@ -6359,7 +6209,7 @@
     </p:spTree>
     <p:extLst>
       <p:ext uri="{BB962C8B-B14F-4D97-AF65-F5344CB8AC3E}">
-        <p14:creationId xmlns:p14="http://schemas.microsoft.com/office/powerpoint/2010/main" val="2761002330"/>
+        <p14:creationId xmlns:p14="http://schemas.microsoft.com/office/powerpoint/2010/main" val="1331041432"/>
       </p:ext>
     </p:extLst>
   </p:cSld>
@@ -6394,101 +6244,77 @@
           <a:chExt cx="0" cy="0"/>
         </a:xfrm>
       </p:grpSpPr>
-      <p:pic>
-        <p:nvPicPr>
-          <p:cNvPr id="6" name="Picture 5">
-            <a:extLst>
-              <a:ext uri="{FF2B5EF4-FFF2-40B4-BE49-F238E27FC236}">
-                <a16:creationId xmlns:a16="http://schemas.microsoft.com/office/drawing/2014/main" id="{D4D3DB43-E7F6-42EF-8EB2-0C66DAAEF0D4}"/>
-              </a:ext>
-            </a:extLst>
-          </p:cNvPr>
-          <p:cNvPicPr>
-            <a:picLocks noChangeAspect="1"/>
-          </p:cNvPicPr>
+      <p:sp>
+        <p:nvSpPr>
+          <p:cNvPr id="3" name="Title 1">
+            <a:extLst>
+              <a:ext uri="{FF2B5EF4-FFF2-40B4-BE49-F238E27FC236}">
+                <a16:creationId xmlns:a16="http://schemas.microsoft.com/office/drawing/2014/main" id="{A26760F5-765B-4B3F-8DDF-7A4F61292F54}"/>
+              </a:ext>
+            </a:extLst>
+          </p:cNvPr>
+          <p:cNvSpPr txBox="1">
+            <a:spLocks/>
+          </p:cNvSpPr>
           <p:nvPr/>
-        </p:nvPicPr>
-        <p:blipFill>
-          <a:blip r:embed="rId2">
-            <a:extLst>
-              <a:ext uri="{28A0092B-C50C-407E-A947-70E740481C1C}">
-                <a14:useLocalDpi xmlns:a14="http://schemas.microsoft.com/office/drawing/2010/main" val="0"/>
-              </a:ext>
-            </a:extLst>
-          </a:blip>
-          <a:stretch>
-            <a:fillRect/>
-          </a:stretch>
-        </p:blipFill>
+        </p:nvSpPr>
         <p:spPr>
           <a:xfrm>
-            <a:off x="1614196" y="76339"/>
-            <a:ext cx="8619568" cy="6464676"/>
+            <a:off x="720436" y="1505527"/>
+            <a:ext cx="10252364" cy="2225582"/>
           </a:xfrm>
           <a:prstGeom prst="rect">
             <a:avLst/>
           </a:prstGeom>
         </p:spPr>
-      </p:pic>
-      <p:sp>
-        <p:nvSpPr>
-          <p:cNvPr id="2" name="TextBox 1">
-            <a:extLst>
-              <a:ext uri="{FF2B5EF4-FFF2-40B4-BE49-F238E27FC236}">
-                <a16:creationId xmlns:a16="http://schemas.microsoft.com/office/drawing/2014/main" id="{D2DE124B-9290-4A45-A8A5-10971BC23E8D}"/>
-              </a:ext>
-            </a:extLst>
-          </p:cNvPr>
-          <p:cNvSpPr txBox="1"/>
-          <p:nvPr/>
-        </p:nvSpPr>
-        <p:spPr>
-          <a:xfrm>
-            <a:off x="9785894" y="3489648"/>
-            <a:ext cx="1942685" cy="2308324"/>
-          </a:xfrm>
-          <a:prstGeom prst="rect">
-            <a:avLst/>
-          </a:prstGeom>
-          <a:noFill/>
-        </p:spPr>
         <p:txBody>
-          <a:bodyPr wrap="square" rtlCol="0">
-            <a:spAutoFit/>
+          <a:bodyPr vert="horz" lIns="91440" tIns="45720" rIns="91440" bIns="45720" rtlCol="0" anchor="b">
+            <a:normAutofit/>
           </a:bodyPr>
-          <a:lstStyle/>
+          <a:lstStyle>
+            <a:lvl1pPr algn="ctr" defTabSz="914400" rtl="0" eaLnBrk="1" latinLnBrk="0" hangingPunct="1">
+              <a:lnSpc>
+                <a:spcPct val="90000"/>
+              </a:lnSpc>
+              <a:spcBef>
+                <a:spcPct val="0"/>
+              </a:spcBef>
+              <a:buNone/>
+              <a:defRPr sz="6000" kern="1200">
+                <a:solidFill>
+                  <a:schemeClr val="tx1"/>
+                </a:solidFill>
+                <a:latin typeface="+mj-lt"/>
+                <a:ea typeface="+mj-ea"/>
+                <a:cs typeface="+mj-cs"/>
+              </a:defRPr>
+            </a:lvl1pPr>
+          </a:lstStyle>
           <a:p>
             <a:r>
               <a:rPr lang="en-US" dirty="0">
                 <a:solidFill>
                   <a:schemeClr val="bg1"/>
                 </a:solidFill>
+                <a:latin typeface="Cambria Math" panose="02040503050406030204" pitchFamily="18" charset="0"/>
+                <a:ea typeface="Cambria Math" panose="02040503050406030204" pitchFamily="18" charset="0"/>
               </a:rPr>
-              <a:t>Note that the step size at which Adams-</a:t>
-            </a:r>
-            <a:r>
-              <a:rPr lang="en-US" dirty="0" err="1">
-                <a:solidFill>
-                  <a:schemeClr val="bg1"/>
-                </a:solidFill>
-              </a:rPr>
-              <a:t>Bashforth</a:t>
-            </a:r>
-            <a:r>
-              <a:rPr lang="en-US" dirty="0">
-                <a:solidFill>
-                  <a:schemeClr val="bg1"/>
-                </a:solidFill>
-              </a:rPr>
-              <a:t> alone devolves into chaos is even smaller (~0.7 vs ~0.175) than for pc4.</a:t>
-            </a:r>
+              <a:t>Why are some structures so hard to get the right shape for?</a:t>
+            </a:r>
+            <a:endParaRPr lang="en-US" sz="1800" dirty="0">
+              <a:solidFill>
+                <a:schemeClr val="bg1"/>
+              </a:solidFill>
+              <a:latin typeface="Cambria Math" panose="02040503050406030204" pitchFamily="18" charset="0"/>
+              <a:ea typeface="Cambria Math" panose="02040503050406030204" pitchFamily="18" charset="0"/>
+            </a:endParaRPr>
           </a:p>
         </p:txBody>
       </p:sp>
     </p:spTree>
     <p:extLst>
       <p:ext uri="{BB962C8B-B14F-4D97-AF65-F5344CB8AC3E}">
-        <p14:creationId xmlns:p14="http://schemas.microsoft.com/office/powerpoint/2010/main" val="4212463848"/>
+        <p14:creationId xmlns:p14="http://schemas.microsoft.com/office/powerpoint/2010/main" val="26677656"/>
       </p:ext>
     </p:extLst>
   </p:cSld>
@@ -6599,160 +6425,128 @@
       </p:grpSpPr>
       <p:sp>
         <p:nvSpPr>
-          <p:cNvPr id="2" name="Title 1">
-            <a:extLst>
-              <a:ext uri="{FF2B5EF4-FFF2-40B4-BE49-F238E27FC236}">
-                <a16:creationId xmlns:a16="http://schemas.microsoft.com/office/drawing/2014/main" id="{2FA0B769-09AB-475D-BDC1-794AA9E07B30}"/>
-              </a:ext>
-            </a:extLst>
-          </p:cNvPr>
-          <p:cNvSpPr>
-            <a:spLocks noGrp="1"/>
+          <p:cNvPr id="3" name="Title 1">
+            <a:extLst>
+              <a:ext uri="{FF2B5EF4-FFF2-40B4-BE49-F238E27FC236}">
+                <a16:creationId xmlns:a16="http://schemas.microsoft.com/office/drawing/2014/main" id="{A26760F5-765B-4B3F-8DDF-7A4F61292F54}"/>
+              </a:ext>
+            </a:extLst>
+          </p:cNvPr>
+          <p:cNvSpPr txBox="1">
+            <a:spLocks/>
           </p:cNvSpPr>
-          <p:nvPr>
-            <p:ph type="ctrTitle"/>
-          </p:nvPr>
+          <p:nvPr/>
         </p:nvSpPr>
         <p:spPr>
           <a:xfrm>
-            <a:off x="1287625" y="905069"/>
-            <a:ext cx="9343053" cy="5393094"/>
+            <a:off x="646543" y="249229"/>
+            <a:ext cx="10252364" cy="665018"/>
           </a:xfrm>
+          <a:prstGeom prst="rect">
+            <a:avLst/>
+          </a:prstGeom>
         </p:spPr>
         <p:txBody>
-          <a:bodyPr>
-            <a:normAutofit fontScale="90000"/>
+          <a:bodyPr vert="horz" lIns="91440" tIns="45720" rIns="91440" bIns="45720" rtlCol="0" anchor="b">
+            <a:normAutofit fontScale="85000" lnSpcReduction="20000"/>
           </a:bodyPr>
-          <a:lstStyle/>
-          <a:p>
-            <a:br>
+          <a:lstStyle>
+            <a:lvl1pPr algn="ctr" defTabSz="914400" rtl="0" eaLnBrk="1" latinLnBrk="0" hangingPunct="1">
+              <a:lnSpc>
+                <a:spcPct val="90000"/>
+              </a:lnSpc>
+              <a:spcBef>
+                <a:spcPct val="0"/>
+              </a:spcBef>
+              <a:buNone/>
+              <a:defRPr sz="6000" kern="1200">
+                <a:solidFill>
+                  <a:schemeClr val="tx1"/>
+                </a:solidFill>
+                <a:latin typeface="+mj-lt"/>
+                <a:ea typeface="+mj-ea"/>
+                <a:cs typeface="+mj-cs"/>
+              </a:defRPr>
+            </a:lvl1pPr>
+          </a:lstStyle>
+          <a:p>
+            <a:r>
+              <a:rPr lang="en-US" dirty="0" err="1">
+                <a:solidFill>
+                  <a:schemeClr val="bg1"/>
+                </a:solidFill>
+                <a:latin typeface="Cambria Math" panose="02040503050406030204" pitchFamily="18" charset="0"/>
+                <a:ea typeface="Cambria Math" panose="02040503050406030204" pitchFamily="18" charset="0"/>
+              </a:rPr>
+              <a:t>Disconnectivity</a:t>
+            </a:r>
+            <a:r>
               <a:rPr lang="en-US" dirty="0">
                 <a:solidFill>
                   <a:schemeClr val="bg1"/>
                 </a:solidFill>
+                <a:latin typeface="Cambria Math" panose="02040503050406030204" pitchFamily="18" charset="0"/>
+                <a:ea typeface="Cambria Math" panose="02040503050406030204" pitchFamily="18" charset="0"/>
               </a:rPr>
-            </a:br>
-            <a:r>
-              <a:rPr lang="en-US" dirty="0">
+              <a:t> Graph</a:t>
+            </a:r>
+            <a:endParaRPr lang="en-US" sz="1800" dirty="0">
+              <a:solidFill>
+                <a:schemeClr val="bg1"/>
+              </a:solidFill>
+              <a:latin typeface="Cambria Math" panose="02040503050406030204" pitchFamily="18" charset="0"/>
+              <a:ea typeface="Cambria Math" panose="02040503050406030204" pitchFamily="18" charset="0"/>
+            </a:endParaRPr>
+          </a:p>
+        </p:txBody>
+      </p:sp>
+      <p:sp>
+        <p:nvSpPr>
+          <p:cNvPr id="2" name="TextBox 1">
+            <a:extLst>
+              <a:ext uri="{FF2B5EF4-FFF2-40B4-BE49-F238E27FC236}">
+                <a16:creationId xmlns:a16="http://schemas.microsoft.com/office/drawing/2014/main" id="{34112D07-C625-4201-BBB1-58B52F126F3B}"/>
+              </a:ext>
+            </a:extLst>
+          </p:cNvPr>
+          <p:cNvSpPr txBox="1"/>
+          <p:nvPr/>
+        </p:nvSpPr>
+        <p:spPr>
+          <a:xfrm>
+            <a:off x="1307721" y="6019669"/>
+            <a:ext cx="9391161" cy="461665"/>
+          </a:xfrm>
+          <a:prstGeom prst="rect">
+            <a:avLst/>
+          </a:prstGeom>
+          <a:noFill/>
+        </p:spPr>
+        <p:txBody>
+          <a:bodyPr wrap="none" rtlCol="0">
+            <a:spAutoFit/>
+          </a:bodyPr>
+          <a:lstStyle/>
+          <a:p>
+            <a:r>
+              <a:rPr lang="en-US" sz="2400" dirty="0">
                 <a:solidFill>
                   <a:schemeClr val="bg1"/>
                 </a:solidFill>
+                <a:latin typeface="Cambria Math" panose="02040503050406030204" pitchFamily="18" charset="0"/>
+                <a:ea typeface="Cambria Math" panose="02040503050406030204" pitchFamily="18" charset="0"/>
               </a:rPr>
-              <a:t>Rearranging math in Predictor Corrector</a:t>
-            </a:r>
-            <a:br>
-              <a:rPr lang="en-US" dirty="0">
-                <a:solidFill>
-                  <a:schemeClr val="bg1"/>
-                </a:solidFill>
-              </a:rPr>
-            </a:br>
-            <a:br>
-              <a:rPr lang="en-US" dirty="0">
-                <a:solidFill>
-                  <a:schemeClr val="bg1"/>
-                </a:solidFill>
-              </a:rPr>
-            </a:br>
-            <a:r>
-              <a:rPr lang="en-US" dirty="0">
-                <a:solidFill>
-                  <a:schemeClr val="bg1"/>
-                </a:solidFill>
-              </a:rPr>
-              <a:t>(Adams-</a:t>
-            </a:r>
-            <a:r>
-              <a:rPr lang="en-US" dirty="0" err="1">
-                <a:solidFill>
-                  <a:schemeClr val="bg1"/>
-                </a:solidFill>
-              </a:rPr>
-              <a:t>Bashforth</a:t>
-            </a:r>
-            <a:r>
-              <a:rPr lang="en-US" dirty="0">
-                <a:solidFill>
-                  <a:schemeClr val="bg1"/>
-                </a:solidFill>
-              </a:rPr>
-              <a:t> / Adams-Moulton 4</a:t>
-            </a:r>
-            <a:r>
-              <a:rPr lang="en-US" baseline="30000" dirty="0">
-                <a:solidFill>
-                  <a:schemeClr val="bg1"/>
-                </a:solidFill>
-              </a:rPr>
-              <a:t>th</a:t>
-            </a:r>
-            <a:r>
-              <a:rPr lang="en-US" dirty="0">
-                <a:solidFill>
-                  <a:schemeClr val="bg1"/>
-                </a:solidFill>
-              </a:rPr>
-              <a:t> order)</a:t>
-            </a:r>
-            <a:br>
-              <a:rPr lang="en-US" dirty="0">
-                <a:solidFill>
-                  <a:schemeClr val="bg1"/>
-                </a:solidFill>
-              </a:rPr>
-            </a:br>
-            <a:endParaRPr lang="en-US" dirty="0">
-              <a:solidFill>
-                <a:schemeClr val="bg1"/>
-              </a:solidFill>
-            </a:endParaRPr>
+              <a:t>Source: http://pele-python.github.io/pele/disconnectivity_graph.html</a:t>
+            </a:r>
           </a:p>
         </p:txBody>
       </p:sp>
-    </p:spTree>
-    <p:extLst>
-      <p:ext uri="{BB962C8B-B14F-4D97-AF65-F5344CB8AC3E}">
-        <p14:creationId xmlns:p14="http://schemas.microsoft.com/office/powerpoint/2010/main" val="3968085201"/>
-      </p:ext>
-    </p:extLst>
-  </p:cSld>
-  <p:clrMapOvr>
-    <a:masterClrMapping/>
-  </p:clrMapOvr>
-</p:sld>
-</file>
-
-<file path=ppt/slides/slide31.xml><?xml version="1.0" encoding="utf-8"?>
-<p:sld xmlns:a="http://schemas.openxmlformats.org/drawingml/2006/main" xmlns:r="http://schemas.openxmlformats.org/officeDocument/2006/relationships" xmlns:p="http://schemas.openxmlformats.org/presentationml/2006/main">
-  <p:cSld>
-    <p:bg>
-      <p:bgPr>
-        <a:solidFill>
-          <a:schemeClr val="tx1"/>
-        </a:solidFill>
-        <a:effectLst/>
-      </p:bgPr>
-    </p:bg>
-    <p:spTree>
-      <p:nvGrpSpPr>
-        <p:cNvPr id="1" name=""/>
-        <p:cNvGrpSpPr/>
-        <p:nvPr/>
-      </p:nvGrpSpPr>
-      <p:grpSpPr>
-        <a:xfrm>
-          <a:off x="0" y="0"/>
-          <a:ext cx="0" cy="0"/>
-          <a:chOff x="0" y="0"/>
-          <a:chExt cx="0" cy="0"/>
-        </a:xfrm>
-      </p:grpSpPr>
       <p:pic>
         <p:nvPicPr>
-          <p:cNvPr id="6" name="Picture 5">
-            <a:extLst>
-              <a:ext uri="{FF2B5EF4-FFF2-40B4-BE49-F238E27FC236}">
-                <a16:creationId xmlns:a16="http://schemas.microsoft.com/office/drawing/2014/main" id="{D4D3DB43-E7F6-42EF-8EB2-0C66DAAEF0D4}"/>
+          <p:cNvPr id="8" name="Picture 7">
+            <a:extLst>
+              <a:ext uri="{FF2B5EF4-FFF2-40B4-BE49-F238E27FC236}">
+                <a16:creationId xmlns:a16="http://schemas.microsoft.com/office/drawing/2014/main" id="{526FEF8B-7A9C-4DF6-86C3-0B6C553C96BC}"/>
               </a:ext>
             </a:extLst>
           </p:cNvPr>
@@ -6775,704 +6569,8 @@
         </p:blipFill>
         <p:spPr>
           <a:xfrm>
-            <a:off x="1614196" y="76339"/>
-            <a:ext cx="8619568" cy="6464676"/>
-          </a:xfrm>
-          <a:prstGeom prst="rect">
-            <a:avLst/>
-          </a:prstGeom>
-        </p:spPr>
-      </p:pic>
-      <p:sp>
-        <p:nvSpPr>
-          <p:cNvPr id="2" name="TextBox 1">
-            <a:extLst>
-              <a:ext uri="{FF2B5EF4-FFF2-40B4-BE49-F238E27FC236}">
-                <a16:creationId xmlns:a16="http://schemas.microsoft.com/office/drawing/2014/main" id="{D2DE124B-9290-4A45-A8A5-10971BC23E8D}"/>
-              </a:ext>
-            </a:extLst>
-          </p:cNvPr>
-          <p:cNvSpPr txBox="1"/>
-          <p:nvPr/>
-        </p:nvSpPr>
-        <p:spPr>
-          <a:xfrm>
-            <a:off x="9489233" y="2847012"/>
-            <a:ext cx="2621902" cy="923330"/>
-          </a:xfrm>
-          <a:prstGeom prst="rect">
-            <a:avLst/>
-          </a:prstGeom>
-          <a:noFill/>
-        </p:spPr>
-        <p:txBody>
-          <a:bodyPr wrap="square" rtlCol="0">
-            <a:spAutoFit/>
-          </a:bodyPr>
-          <a:lstStyle/>
-          <a:p>
-            <a:r>
-              <a:rPr lang="en-US" dirty="0">
-                <a:solidFill>
-                  <a:schemeClr val="bg1"/>
-                </a:solidFill>
-              </a:rPr>
-              <a:t>Note that this is the same diagram as for the original Predictor / Corrector</a:t>
-            </a:r>
-          </a:p>
-        </p:txBody>
-      </p:sp>
-    </p:spTree>
-    <p:extLst>
-      <p:ext uri="{BB962C8B-B14F-4D97-AF65-F5344CB8AC3E}">
-        <p14:creationId xmlns:p14="http://schemas.microsoft.com/office/powerpoint/2010/main" val="3845587548"/>
-      </p:ext>
-    </p:extLst>
-  </p:cSld>
-  <p:clrMapOvr>
-    <a:masterClrMapping/>
-  </p:clrMapOvr>
-</p:sld>
-</file>
-
-<file path=ppt/slides/slide32.xml><?xml version="1.0" encoding="utf-8"?>
-<p:sld xmlns:a="http://schemas.openxmlformats.org/drawingml/2006/main" xmlns:r="http://schemas.openxmlformats.org/officeDocument/2006/relationships" xmlns:p="http://schemas.openxmlformats.org/presentationml/2006/main">
-  <p:cSld>
-    <p:bg>
-      <p:bgPr>
-        <a:solidFill>
-          <a:schemeClr val="tx1"/>
-        </a:solidFill>
-        <a:effectLst/>
-      </p:bgPr>
-    </p:bg>
-    <p:spTree>
-      <p:nvGrpSpPr>
-        <p:cNvPr id="1" name=""/>
-        <p:cNvGrpSpPr/>
-        <p:nvPr/>
-      </p:nvGrpSpPr>
-      <p:grpSpPr>
-        <a:xfrm>
-          <a:off x="0" y="0"/>
-          <a:ext cx="0" cy="0"/>
-          <a:chOff x="0" y="0"/>
-          <a:chExt cx="0" cy="0"/>
-        </a:xfrm>
-      </p:grpSpPr>
-      <p:pic>
-        <p:nvPicPr>
-          <p:cNvPr id="6" name="Picture 5">
-            <a:extLst>
-              <a:ext uri="{FF2B5EF4-FFF2-40B4-BE49-F238E27FC236}">
-                <a16:creationId xmlns:a16="http://schemas.microsoft.com/office/drawing/2014/main" id="{D4D3DB43-E7F6-42EF-8EB2-0C66DAAEF0D4}"/>
-              </a:ext>
-            </a:extLst>
-          </p:cNvPr>
-          <p:cNvPicPr>
-            <a:picLocks noChangeAspect="1"/>
-          </p:cNvPicPr>
-          <p:nvPr/>
-        </p:nvPicPr>
-        <p:blipFill>
-          <a:blip r:embed="rId2">
-            <a:extLst>
-              <a:ext uri="{28A0092B-C50C-407E-A947-70E740481C1C}">
-                <a14:useLocalDpi xmlns:a14="http://schemas.microsoft.com/office/drawing/2010/main" val="0"/>
-              </a:ext>
-            </a:extLst>
-          </a:blip>
-          <a:stretch>
-            <a:fillRect/>
-          </a:stretch>
-        </p:blipFill>
-        <p:spPr>
-          <a:xfrm>
-            <a:off x="1614196" y="76339"/>
-            <a:ext cx="8619568" cy="6464676"/>
-          </a:xfrm>
-          <a:prstGeom prst="rect">
-            <a:avLst/>
-          </a:prstGeom>
-        </p:spPr>
-      </p:pic>
-      <p:sp>
-        <p:nvSpPr>
-          <p:cNvPr id="2" name="TextBox 1">
-            <a:extLst>
-              <a:ext uri="{FF2B5EF4-FFF2-40B4-BE49-F238E27FC236}">
-                <a16:creationId xmlns:a16="http://schemas.microsoft.com/office/drawing/2014/main" id="{D2DE124B-9290-4A45-A8A5-10971BC23E8D}"/>
-              </a:ext>
-            </a:extLst>
-          </p:cNvPr>
-          <p:cNvSpPr txBox="1"/>
-          <p:nvPr/>
-        </p:nvSpPr>
-        <p:spPr>
-          <a:xfrm>
-            <a:off x="9785894" y="3489648"/>
-            <a:ext cx="1942685" cy="369332"/>
-          </a:xfrm>
-          <a:prstGeom prst="rect">
-            <a:avLst/>
-          </a:prstGeom>
-          <a:noFill/>
-        </p:spPr>
-        <p:txBody>
-          <a:bodyPr wrap="square" rtlCol="0">
-            <a:spAutoFit/>
-          </a:bodyPr>
-          <a:lstStyle/>
-          <a:p>
-            <a:r>
-              <a:rPr lang="en-US" dirty="0">
-                <a:solidFill>
-                  <a:schemeClr val="bg1"/>
-                </a:solidFill>
-              </a:rPr>
-              <a:t>Exactly the same…</a:t>
-            </a:r>
-          </a:p>
-        </p:txBody>
-      </p:sp>
-    </p:spTree>
-    <p:extLst>
-      <p:ext uri="{BB962C8B-B14F-4D97-AF65-F5344CB8AC3E}">
-        <p14:creationId xmlns:p14="http://schemas.microsoft.com/office/powerpoint/2010/main" val="1368792776"/>
-      </p:ext>
-    </p:extLst>
-  </p:cSld>
-  <p:clrMapOvr>
-    <a:masterClrMapping/>
-  </p:clrMapOvr>
-</p:sld>
-</file>
-
-<file path=ppt/slides/slide33.xml><?xml version="1.0" encoding="utf-8"?>
-<p:sld xmlns:a="http://schemas.openxmlformats.org/drawingml/2006/main" xmlns:r="http://schemas.openxmlformats.org/officeDocument/2006/relationships" xmlns:p="http://schemas.openxmlformats.org/presentationml/2006/main">
-  <p:cSld>
-    <p:bg>
-      <p:bgPr>
-        <a:solidFill>
-          <a:schemeClr val="tx1"/>
-        </a:solidFill>
-        <a:effectLst/>
-      </p:bgPr>
-    </p:bg>
-    <p:spTree>
-      <p:nvGrpSpPr>
-        <p:cNvPr id="1" name=""/>
-        <p:cNvGrpSpPr/>
-        <p:nvPr/>
-      </p:nvGrpSpPr>
-      <p:grpSpPr>
-        <a:xfrm>
-          <a:off x="0" y="0"/>
-          <a:ext cx="0" cy="0"/>
-          <a:chOff x="0" y="0"/>
-          <a:chExt cx="0" cy="0"/>
-        </a:xfrm>
-      </p:grpSpPr>
-      <p:sp>
-        <p:nvSpPr>
-          <p:cNvPr id="2" name="Title 1">
-            <a:extLst>
-              <a:ext uri="{FF2B5EF4-FFF2-40B4-BE49-F238E27FC236}">
-                <a16:creationId xmlns:a16="http://schemas.microsoft.com/office/drawing/2014/main" id="{2FA0B769-09AB-475D-BDC1-794AA9E07B30}"/>
-              </a:ext>
-            </a:extLst>
-          </p:cNvPr>
-          <p:cNvSpPr>
-            <a:spLocks noGrp="1"/>
-          </p:cNvSpPr>
-          <p:nvPr>
-            <p:ph type="ctrTitle"/>
-          </p:nvPr>
-        </p:nvSpPr>
-        <p:spPr>
-          <a:xfrm>
-            <a:off x="1524000" y="1122362"/>
-            <a:ext cx="9144000" cy="4065457"/>
-          </a:xfrm>
-        </p:spPr>
-        <p:txBody>
-          <a:bodyPr>
-            <a:normAutofit/>
-          </a:bodyPr>
-          <a:lstStyle/>
-          <a:p>
-            <a:r>
-              <a:rPr lang="en-US" dirty="0">
-                <a:solidFill>
-                  <a:schemeClr val="bg1"/>
-                </a:solidFill>
-              </a:rPr>
-              <a:t>Predictor Corrector </a:t>
-            </a:r>
-            <a:br>
-              <a:rPr lang="en-US" dirty="0">
-                <a:solidFill>
-                  <a:schemeClr val="bg1"/>
-                </a:solidFill>
-              </a:rPr>
-            </a:br>
-            <a:br>
-              <a:rPr lang="en-US" dirty="0">
-                <a:solidFill>
-                  <a:schemeClr val="bg1"/>
-                </a:solidFill>
-              </a:rPr>
-            </a:br>
-            <a:r>
-              <a:rPr lang="en-US" dirty="0">
-                <a:solidFill>
-                  <a:schemeClr val="bg1"/>
-                </a:solidFill>
-              </a:rPr>
-              <a:t>(Adams-</a:t>
-            </a:r>
-            <a:r>
-              <a:rPr lang="en-US" dirty="0" err="1">
-                <a:solidFill>
-                  <a:schemeClr val="bg1"/>
-                </a:solidFill>
-              </a:rPr>
-              <a:t>Bashforth</a:t>
-            </a:r>
-            <a:r>
-              <a:rPr lang="en-US" dirty="0">
-                <a:solidFill>
-                  <a:schemeClr val="bg1"/>
-                </a:solidFill>
-              </a:rPr>
-              <a:t> / Adams-Moulton 2</a:t>
-            </a:r>
-            <a:r>
-              <a:rPr lang="en-US" baseline="30000" dirty="0">
-                <a:solidFill>
-                  <a:schemeClr val="bg1"/>
-                </a:solidFill>
-              </a:rPr>
-              <a:t>nd</a:t>
-            </a:r>
-            <a:r>
-              <a:rPr lang="en-US" dirty="0">
-                <a:solidFill>
-                  <a:schemeClr val="bg1"/>
-                </a:solidFill>
-              </a:rPr>
-              <a:t> order)</a:t>
-            </a:r>
-          </a:p>
-        </p:txBody>
-      </p:sp>
-    </p:spTree>
-    <p:extLst>
-      <p:ext uri="{BB962C8B-B14F-4D97-AF65-F5344CB8AC3E}">
-        <p14:creationId xmlns:p14="http://schemas.microsoft.com/office/powerpoint/2010/main" val="4201607692"/>
-      </p:ext>
-    </p:extLst>
-  </p:cSld>
-  <p:clrMapOvr>
-    <a:masterClrMapping/>
-  </p:clrMapOvr>
-</p:sld>
-</file>
-
-<file path=ppt/slides/slide34.xml><?xml version="1.0" encoding="utf-8"?>
-<p:sld xmlns:a="http://schemas.openxmlformats.org/drawingml/2006/main" xmlns:r="http://schemas.openxmlformats.org/officeDocument/2006/relationships" xmlns:p="http://schemas.openxmlformats.org/presentationml/2006/main">
-  <p:cSld>
-    <p:bg>
-      <p:bgPr>
-        <a:solidFill>
-          <a:schemeClr val="tx1"/>
-        </a:solidFill>
-        <a:effectLst/>
-      </p:bgPr>
-    </p:bg>
-    <p:spTree>
-      <p:nvGrpSpPr>
-        <p:cNvPr id="1" name=""/>
-        <p:cNvGrpSpPr/>
-        <p:nvPr/>
-      </p:nvGrpSpPr>
-      <p:grpSpPr>
-        <a:xfrm>
-          <a:off x="0" y="0"/>
-          <a:ext cx="0" cy="0"/>
-          <a:chOff x="0" y="0"/>
-          <a:chExt cx="0" cy="0"/>
-        </a:xfrm>
-      </p:grpSpPr>
-      <p:pic>
-        <p:nvPicPr>
-          <p:cNvPr id="6" name="Picture 5">
-            <a:extLst>
-              <a:ext uri="{FF2B5EF4-FFF2-40B4-BE49-F238E27FC236}">
-                <a16:creationId xmlns:a16="http://schemas.microsoft.com/office/drawing/2014/main" id="{D4D3DB43-E7F6-42EF-8EB2-0C66DAAEF0D4}"/>
-              </a:ext>
-            </a:extLst>
-          </p:cNvPr>
-          <p:cNvPicPr>
-            <a:picLocks noChangeAspect="1"/>
-          </p:cNvPicPr>
-          <p:nvPr/>
-        </p:nvPicPr>
-        <p:blipFill>
-          <a:blip r:embed="rId2">
-            <a:extLst>
-              <a:ext uri="{28A0092B-C50C-407E-A947-70E740481C1C}">
-                <a14:useLocalDpi xmlns:a14="http://schemas.microsoft.com/office/drawing/2010/main" val="0"/>
-              </a:ext>
-            </a:extLst>
-          </a:blip>
-          <a:stretch>
-            <a:fillRect/>
-          </a:stretch>
-        </p:blipFill>
-        <p:spPr>
-          <a:xfrm>
-            <a:off x="1614196" y="76339"/>
-            <a:ext cx="8619568" cy="6464676"/>
-          </a:xfrm>
-          <a:prstGeom prst="rect">
-            <a:avLst/>
-          </a:prstGeom>
-        </p:spPr>
-      </p:pic>
-      <p:sp>
-        <p:nvSpPr>
-          <p:cNvPr id="2" name="TextBox 1">
-            <a:extLst>
-              <a:ext uri="{FF2B5EF4-FFF2-40B4-BE49-F238E27FC236}">
-                <a16:creationId xmlns:a16="http://schemas.microsoft.com/office/drawing/2014/main" id="{D2DE124B-9290-4A45-A8A5-10971BC23E8D}"/>
-              </a:ext>
-            </a:extLst>
-          </p:cNvPr>
-          <p:cNvSpPr txBox="1"/>
-          <p:nvPr/>
-        </p:nvSpPr>
-        <p:spPr>
-          <a:xfrm>
-            <a:off x="9785894" y="3489648"/>
-            <a:ext cx="1942685" cy="646331"/>
-          </a:xfrm>
-          <a:prstGeom prst="rect">
-            <a:avLst/>
-          </a:prstGeom>
-          <a:noFill/>
-        </p:spPr>
-        <p:txBody>
-          <a:bodyPr wrap="square" rtlCol="0">
-            <a:spAutoFit/>
-          </a:bodyPr>
-          <a:lstStyle/>
-          <a:p>
-            <a:r>
-              <a:rPr lang="en-US" dirty="0">
-                <a:solidFill>
-                  <a:schemeClr val="bg1"/>
-                </a:solidFill>
-              </a:rPr>
-              <a:t>Somewhat disappointing…</a:t>
-            </a:r>
-          </a:p>
-        </p:txBody>
-      </p:sp>
-    </p:spTree>
-    <p:extLst>
-      <p:ext uri="{BB962C8B-B14F-4D97-AF65-F5344CB8AC3E}">
-        <p14:creationId xmlns:p14="http://schemas.microsoft.com/office/powerpoint/2010/main" val="3733915953"/>
-      </p:ext>
-    </p:extLst>
-  </p:cSld>
-  <p:clrMapOvr>
-    <a:masterClrMapping/>
-  </p:clrMapOvr>
-</p:sld>
-</file>
-
-<file path=ppt/slides/slide35.xml><?xml version="1.0" encoding="utf-8"?>
-<p:sld xmlns:a="http://schemas.openxmlformats.org/drawingml/2006/main" xmlns:r="http://schemas.openxmlformats.org/officeDocument/2006/relationships" xmlns:p="http://schemas.openxmlformats.org/presentationml/2006/main">
-  <p:cSld>
-    <p:bg>
-      <p:bgPr>
-        <a:solidFill>
-          <a:schemeClr val="tx1"/>
-        </a:solidFill>
-        <a:effectLst/>
-      </p:bgPr>
-    </p:bg>
-    <p:spTree>
-      <p:nvGrpSpPr>
-        <p:cNvPr id="1" name=""/>
-        <p:cNvGrpSpPr/>
-        <p:nvPr/>
-      </p:nvGrpSpPr>
-      <p:grpSpPr>
-        <a:xfrm>
-          <a:off x="0" y="0"/>
-          <a:ext cx="0" cy="0"/>
-          <a:chOff x="0" y="0"/>
-          <a:chExt cx="0" cy="0"/>
-        </a:xfrm>
-      </p:grpSpPr>
-      <p:sp>
-        <p:nvSpPr>
-          <p:cNvPr id="2" name="Title 1">
-            <a:extLst>
-              <a:ext uri="{FF2B5EF4-FFF2-40B4-BE49-F238E27FC236}">
-                <a16:creationId xmlns:a16="http://schemas.microsoft.com/office/drawing/2014/main" id="{2FA0B769-09AB-475D-BDC1-794AA9E07B30}"/>
-              </a:ext>
-            </a:extLst>
-          </p:cNvPr>
-          <p:cNvSpPr>
-            <a:spLocks noGrp="1"/>
-          </p:cNvSpPr>
-          <p:nvPr>
-            <p:ph type="ctrTitle"/>
-          </p:nvPr>
-        </p:nvSpPr>
-        <p:spPr>
-          <a:xfrm>
-            <a:off x="1524000" y="1122362"/>
-            <a:ext cx="9144000" cy="4690609"/>
-          </a:xfrm>
-        </p:spPr>
-        <p:txBody>
-          <a:bodyPr>
-            <a:normAutofit fontScale="90000"/>
-          </a:bodyPr>
-          <a:lstStyle/>
-          <a:p>
-            <a:r>
-              <a:rPr lang="en-US" dirty="0">
-                <a:solidFill>
-                  <a:schemeClr val="bg1"/>
-                </a:solidFill>
-              </a:rPr>
-              <a:t>Correcting Adams-</a:t>
-            </a:r>
-            <a:r>
-              <a:rPr lang="en-US" dirty="0" err="1">
-                <a:solidFill>
-                  <a:schemeClr val="bg1"/>
-                </a:solidFill>
-              </a:rPr>
-              <a:t>Bashforth</a:t>
-            </a:r>
-            <a:r>
-              <a:rPr lang="en-US" dirty="0">
-                <a:solidFill>
-                  <a:schemeClr val="bg1"/>
-                </a:solidFill>
-              </a:rPr>
-              <a:t> helped…</a:t>
-            </a:r>
-            <a:br>
-              <a:rPr lang="en-US" dirty="0">
-                <a:solidFill>
-                  <a:schemeClr val="bg1"/>
-                </a:solidFill>
-              </a:rPr>
-            </a:br>
-            <a:br>
-              <a:rPr lang="en-US" dirty="0">
-                <a:solidFill>
-                  <a:schemeClr val="bg1"/>
-                </a:solidFill>
-              </a:rPr>
-            </a:br>
-            <a:r>
-              <a:rPr lang="en-US" dirty="0">
-                <a:solidFill>
-                  <a:schemeClr val="bg1"/>
-                </a:solidFill>
-              </a:rPr>
-              <a:t> </a:t>
-            </a:r>
-            <a:br>
-              <a:rPr lang="en-US" dirty="0">
-                <a:solidFill>
-                  <a:schemeClr val="bg1"/>
-                </a:solidFill>
-              </a:rPr>
-            </a:br>
-            <a:r>
-              <a:rPr lang="en-US" dirty="0">
-                <a:solidFill>
-                  <a:schemeClr val="bg1"/>
-                </a:solidFill>
-              </a:rPr>
-              <a:t>What about other implicit methods?</a:t>
-            </a:r>
-          </a:p>
-        </p:txBody>
-      </p:sp>
-    </p:spTree>
-    <p:extLst>
-      <p:ext uri="{BB962C8B-B14F-4D97-AF65-F5344CB8AC3E}">
-        <p14:creationId xmlns:p14="http://schemas.microsoft.com/office/powerpoint/2010/main" val="1593539392"/>
-      </p:ext>
-    </p:extLst>
-  </p:cSld>
-  <p:clrMapOvr>
-    <a:masterClrMapping/>
-  </p:clrMapOvr>
-</p:sld>
-</file>
-
-<file path=ppt/slides/slide36.xml><?xml version="1.0" encoding="utf-8"?>
-<p:sld xmlns:a="http://schemas.openxmlformats.org/drawingml/2006/main" xmlns:r="http://schemas.openxmlformats.org/officeDocument/2006/relationships" xmlns:p="http://schemas.openxmlformats.org/presentationml/2006/main">
-  <p:cSld>
-    <p:bg>
-      <p:bgPr>
-        <a:solidFill>
-          <a:schemeClr val="tx1"/>
-        </a:solidFill>
-        <a:effectLst/>
-      </p:bgPr>
-    </p:bg>
-    <p:spTree>
-      <p:nvGrpSpPr>
-        <p:cNvPr id="1" name=""/>
-        <p:cNvGrpSpPr/>
-        <p:nvPr/>
-      </p:nvGrpSpPr>
-      <p:grpSpPr>
-        <a:xfrm>
-          <a:off x="0" y="0"/>
-          <a:ext cx="0" cy="0"/>
-          <a:chOff x="0" y="0"/>
-          <a:chExt cx="0" cy="0"/>
-        </a:xfrm>
-      </p:grpSpPr>
-      <p:sp>
-        <p:nvSpPr>
-          <p:cNvPr id="2" name="Title 1">
-            <a:extLst>
-              <a:ext uri="{FF2B5EF4-FFF2-40B4-BE49-F238E27FC236}">
-                <a16:creationId xmlns:a16="http://schemas.microsoft.com/office/drawing/2014/main" id="{2FA0B769-09AB-475D-BDC1-794AA9E07B30}"/>
-              </a:ext>
-            </a:extLst>
-          </p:cNvPr>
-          <p:cNvSpPr>
-            <a:spLocks noGrp="1"/>
-          </p:cNvSpPr>
-          <p:nvPr>
-            <p:ph type="ctrTitle"/>
-          </p:nvPr>
-        </p:nvSpPr>
-        <p:spPr>
-          <a:xfrm>
-            <a:off x="1524000" y="1122362"/>
-            <a:ext cx="9144000" cy="4261401"/>
-          </a:xfrm>
-        </p:spPr>
-        <p:txBody>
-          <a:bodyPr>
-            <a:normAutofit/>
-          </a:bodyPr>
-          <a:lstStyle/>
-          <a:p>
-            <a:r>
-              <a:rPr lang="en-US" sz="8000" dirty="0">
-                <a:solidFill>
-                  <a:schemeClr val="bg1"/>
-                </a:solidFill>
-              </a:rPr>
-              <a:t>Trapezoid</a:t>
-            </a:r>
-            <a:br>
-              <a:rPr lang="en-US" dirty="0">
-                <a:solidFill>
-                  <a:schemeClr val="bg1"/>
-                </a:solidFill>
-              </a:rPr>
-            </a:br>
-            <a:br>
-              <a:rPr lang="en-US" dirty="0">
-                <a:solidFill>
-                  <a:schemeClr val="bg1"/>
-                </a:solidFill>
-              </a:rPr>
-            </a:br>
-            <a:endParaRPr lang="en-US" dirty="0">
-              <a:solidFill>
-                <a:schemeClr val="bg1"/>
-              </a:solidFill>
-            </a:endParaRPr>
-          </a:p>
-        </p:txBody>
-      </p:sp>
-    </p:spTree>
-    <p:extLst>
-      <p:ext uri="{BB962C8B-B14F-4D97-AF65-F5344CB8AC3E}">
-        <p14:creationId xmlns:p14="http://schemas.microsoft.com/office/powerpoint/2010/main" val="1840451971"/>
-      </p:ext>
-    </p:extLst>
-  </p:cSld>
-  <p:clrMapOvr>
-    <a:masterClrMapping/>
-  </p:clrMapOvr>
-</p:sld>
-</file>
-
-<file path=ppt/slides/slide37.xml><?xml version="1.0" encoding="utf-8"?>
-<p:sld xmlns:a="http://schemas.openxmlformats.org/drawingml/2006/main" xmlns:r="http://schemas.openxmlformats.org/officeDocument/2006/relationships" xmlns:p="http://schemas.openxmlformats.org/presentationml/2006/main">
-  <p:cSld>
-    <p:bg>
-      <p:bgPr>
-        <a:solidFill>
-          <a:schemeClr val="tx1"/>
-        </a:solidFill>
-        <a:effectLst/>
-      </p:bgPr>
-    </p:bg>
-    <p:spTree>
-      <p:nvGrpSpPr>
-        <p:cNvPr id="1" name=""/>
-        <p:cNvGrpSpPr/>
-        <p:nvPr/>
-      </p:nvGrpSpPr>
-      <p:grpSpPr>
-        <a:xfrm>
-          <a:off x="0" y="0"/>
-          <a:ext cx="0" cy="0"/>
-          <a:chOff x="0" y="0"/>
-          <a:chExt cx="0" cy="0"/>
-        </a:xfrm>
-      </p:grpSpPr>
-      <p:pic>
-        <p:nvPicPr>
-          <p:cNvPr id="6" name="Picture 5">
-            <a:extLst>
-              <a:ext uri="{FF2B5EF4-FFF2-40B4-BE49-F238E27FC236}">
-                <a16:creationId xmlns:a16="http://schemas.microsoft.com/office/drawing/2014/main" id="{D4D3DB43-E7F6-42EF-8EB2-0C66DAAEF0D4}"/>
-              </a:ext>
-            </a:extLst>
-          </p:cNvPr>
-          <p:cNvPicPr>
-            <a:picLocks noChangeAspect="1"/>
-          </p:cNvPicPr>
-          <p:nvPr/>
-        </p:nvPicPr>
-        <p:blipFill>
-          <a:blip r:embed="rId2">
-            <a:extLst>
-              <a:ext uri="{28A0092B-C50C-407E-A947-70E740481C1C}">
-                <a14:useLocalDpi xmlns:a14="http://schemas.microsoft.com/office/drawing/2010/main" val="0"/>
-              </a:ext>
-            </a:extLst>
-          </a:blip>
-          <a:stretch>
-            <a:fillRect/>
-          </a:stretch>
-        </p:blipFill>
-        <p:spPr>
-          <a:xfrm>
-            <a:off x="1614196" y="76339"/>
-            <a:ext cx="8619568" cy="6464676"/>
+            <a:off x="2619184" y="1077912"/>
+            <a:ext cx="6307081" cy="4778092"/>
           </a:xfrm>
           <a:prstGeom prst="rect">
             <a:avLst/>
@@ -7482,227 +6580,7 @@
     </p:spTree>
     <p:extLst>
       <p:ext uri="{BB962C8B-B14F-4D97-AF65-F5344CB8AC3E}">
-        <p14:creationId xmlns:p14="http://schemas.microsoft.com/office/powerpoint/2010/main" val="3873948839"/>
-      </p:ext>
-    </p:extLst>
-  </p:cSld>
-  <p:clrMapOvr>
-    <a:masterClrMapping/>
-  </p:clrMapOvr>
-</p:sld>
-</file>
-
-<file path=ppt/slides/slide38.xml><?xml version="1.0" encoding="utf-8"?>
-<p:sld xmlns:a="http://schemas.openxmlformats.org/drawingml/2006/main" xmlns:r="http://schemas.openxmlformats.org/officeDocument/2006/relationships" xmlns:p="http://schemas.openxmlformats.org/presentationml/2006/main">
-  <p:cSld>
-    <p:bg>
-      <p:bgPr>
-        <a:solidFill>
-          <a:schemeClr val="tx1"/>
-        </a:solidFill>
-        <a:effectLst/>
-      </p:bgPr>
-    </p:bg>
-    <p:spTree>
-      <p:nvGrpSpPr>
-        <p:cNvPr id="1" name=""/>
-        <p:cNvGrpSpPr/>
-        <p:nvPr/>
-      </p:nvGrpSpPr>
-      <p:grpSpPr>
-        <a:xfrm>
-          <a:off x="0" y="0"/>
-          <a:ext cx="0" cy="0"/>
-          <a:chOff x="0" y="0"/>
-          <a:chExt cx="0" cy="0"/>
-        </a:xfrm>
-      </p:grpSpPr>
-      <p:pic>
-        <p:nvPicPr>
-          <p:cNvPr id="6" name="Picture 5">
-            <a:extLst>
-              <a:ext uri="{FF2B5EF4-FFF2-40B4-BE49-F238E27FC236}">
-                <a16:creationId xmlns:a16="http://schemas.microsoft.com/office/drawing/2014/main" id="{D4D3DB43-E7F6-42EF-8EB2-0C66DAAEF0D4}"/>
-              </a:ext>
-            </a:extLst>
-          </p:cNvPr>
-          <p:cNvPicPr>
-            <a:picLocks noChangeAspect="1"/>
-          </p:cNvPicPr>
-          <p:nvPr/>
-        </p:nvPicPr>
-        <p:blipFill>
-          <a:blip r:embed="rId2">
-            <a:extLst>
-              <a:ext uri="{28A0092B-C50C-407E-A947-70E740481C1C}">
-                <a14:useLocalDpi xmlns:a14="http://schemas.microsoft.com/office/drawing/2010/main" val="0"/>
-              </a:ext>
-            </a:extLst>
-          </a:blip>
-          <a:stretch>
-            <a:fillRect/>
-          </a:stretch>
-        </p:blipFill>
-        <p:spPr>
-          <a:xfrm>
-            <a:off x="5979267" y="625700"/>
-            <a:ext cx="6226309" cy="4883286"/>
-          </a:xfrm>
-          <a:prstGeom prst="rect">
-            <a:avLst/>
-          </a:prstGeom>
-        </p:spPr>
-      </p:pic>
-      <p:pic>
-        <p:nvPicPr>
-          <p:cNvPr id="3" name="Picture 2">
-            <a:extLst>
-              <a:ext uri="{FF2B5EF4-FFF2-40B4-BE49-F238E27FC236}">
-                <a16:creationId xmlns:a16="http://schemas.microsoft.com/office/drawing/2014/main" id="{BB2765F2-63DB-46AD-B44F-846F8C922CCE}"/>
-              </a:ext>
-            </a:extLst>
-          </p:cNvPr>
-          <p:cNvPicPr>
-            <a:picLocks noChangeAspect="1"/>
-          </p:cNvPicPr>
-          <p:nvPr/>
-        </p:nvPicPr>
-        <p:blipFill>
-          <a:blip r:embed="rId3">
-            <a:extLst>
-              <a:ext uri="{28A0092B-C50C-407E-A947-70E740481C1C}">
-                <a14:useLocalDpi xmlns:a14="http://schemas.microsoft.com/office/drawing/2010/main" val="0"/>
-              </a:ext>
-            </a:extLst>
-          </a:blip>
-          <a:stretch>
-            <a:fillRect/>
-          </a:stretch>
-        </p:blipFill>
-        <p:spPr>
-          <a:xfrm>
-            <a:off x="-79126" y="625700"/>
-            <a:ext cx="6058393" cy="4883286"/>
-          </a:xfrm>
-          <a:prstGeom prst="rect">
-            <a:avLst/>
-          </a:prstGeom>
-        </p:spPr>
-      </p:pic>
-    </p:spTree>
-    <p:extLst>
-      <p:ext uri="{BB962C8B-B14F-4D97-AF65-F5344CB8AC3E}">
-        <p14:creationId xmlns:p14="http://schemas.microsoft.com/office/powerpoint/2010/main" val="3024242561"/>
-      </p:ext>
-    </p:extLst>
-  </p:cSld>
-  <p:clrMapOvr>
-    <a:masterClrMapping/>
-  </p:clrMapOvr>
-</p:sld>
-</file>
-
-<file path=ppt/slides/slide39.xml><?xml version="1.0" encoding="utf-8"?>
-<p:sld xmlns:a="http://schemas.openxmlformats.org/drawingml/2006/main" xmlns:r="http://schemas.openxmlformats.org/officeDocument/2006/relationships" xmlns:p="http://schemas.openxmlformats.org/presentationml/2006/main">
-  <p:cSld>
-    <p:bg>
-      <p:bgPr>
-        <a:solidFill>
-          <a:schemeClr val="tx1"/>
-        </a:solidFill>
-        <a:effectLst/>
-      </p:bgPr>
-    </p:bg>
-    <p:spTree>
-      <p:nvGrpSpPr>
-        <p:cNvPr id="1" name=""/>
-        <p:cNvGrpSpPr/>
-        <p:nvPr/>
-      </p:nvGrpSpPr>
-      <p:grpSpPr>
-        <a:xfrm>
-          <a:off x="0" y="0"/>
-          <a:ext cx="0" cy="0"/>
-          <a:chOff x="0" y="0"/>
-          <a:chExt cx="0" cy="0"/>
-        </a:xfrm>
-      </p:grpSpPr>
-      <p:pic>
-        <p:nvPicPr>
-          <p:cNvPr id="6" name="Picture 5">
-            <a:extLst>
-              <a:ext uri="{FF2B5EF4-FFF2-40B4-BE49-F238E27FC236}">
-                <a16:creationId xmlns:a16="http://schemas.microsoft.com/office/drawing/2014/main" id="{D4D3DB43-E7F6-42EF-8EB2-0C66DAAEF0D4}"/>
-              </a:ext>
-            </a:extLst>
-          </p:cNvPr>
-          <p:cNvPicPr>
-            <a:picLocks noChangeAspect="1"/>
-          </p:cNvPicPr>
-          <p:nvPr/>
-        </p:nvPicPr>
-        <p:blipFill>
-          <a:blip r:embed="rId2">
-            <a:extLst>
-              <a:ext uri="{28A0092B-C50C-407E-A947-70E740481C1C}">
-                <a14:useLocalDpi xmlns:a14="http://schemas.microsoft.com/office/drawing/2010/main" val="0"/>
-              </a:ext>
-            </a:extLst>
-          </a:blip>
-          <a:stretch>
-            <a:fillRect/>
-          </a:stretch>
-        </p:blipFill>
-        <p:spPr>
-          <a:xfrm>
-            <a:off x="5979267" y="625700"/>
-            <a:ext cx="6226309" cy="4883286"/>
-          </a:xfrm>
-          <a:prstGeom prst="rect">
-            <a:avLst/>
-          </a:prstGeom>
-        </p:spPr>
-      </p:pic>
-      <p:pic>
-        <p:nvPicPr>
-          <p:cNvPr id="3" name="Picture 2">
-            <a:extLst>
-              <a:ext uri="{FF2B5EF4-FFF2-40B4-BE49-F238E27FC236}">
-                <a16:creationId xmlns:a16="http://schemas.microsoft.com/office/drawing/2014/main" id="{BB2765F2-63DB-46AD-B44F-846F8C922CCE}"/>
-              </a:ext>
-            </a:extLst>
-          </p:cNvPr>
-          <p:cNvPicPr>
-            <a:picLocks noChangeAspect="1"/>
-          </p:cNvPicPr>
-          <p:nvPr/>
-        </p:nvPicPr>
-        <p:blipFill>
-          <a:blip r:embed="rId3">
-            <a:extLst>
-              <a:ext uri="{28A0092B-C50C-407E-A947-70E740481C1C}">
-                <a14:useLocalDpi xmlns:a14="http://schemas.microsoft.com/office/drawing/2010/main" val="0"/>
-              </a:ext>
-            </a:extLst>
-          </a:blip>
-          <a:stretch>
-            <a:fillRect/>
-          </a:stretch>
-        </p:blipFill>
-        <p:spPr>
-          <a:xfrm>
-            <a:off x="0" y="625700"/>
-            <a:ext cx="6058393" cy="4883286"/>
-          </a:xfrm>
-          <a:prstGeom prst="rect">
-            <a:avLst/>
-          </a:prstGeom>
-        </p:spPr>
-      </p:pic>
-    </p:spTree>
-    <p:extLst>
-      <p:ext uri="{BB962C8B-B14F-4D97-AF65-F5344CB8AC3E}">
-        <p14:creationId xmlns:p14="http://schemas.microsoft.com/office/powerpoint/2010/main" val="2499527766"/>
+        <p14:creationId xmlns:p14="http://schemas.microsoft.com/office/powerpoint/2010/main" val="1681186436"/>
       </p:ext>
     </p:extLst>
   </p:cSld>
@@ -7737,8 +6615,8 @@
           <a:chExt cx="0" cy="0"/>
         </a:xfrm>
       </p:grpSpPr>
-      <mc:AlternateContent xmlns:mc="http://schemas.openxmlformats.org/markup-compatibility/2006" xmlns:a14="http://schemas.microsoft.com/office/drawing/2010/main">
-        <mc:Choice Requires="a14">
+      <mc:AlternateContent xmlns:mc="http://schemas.openxmlformats.org/markup-compatibility/2006">
+        <mc:Choice xmlns:a14="http://schemas.microsoft.com/office/drawing/2010/main" Requires="a14">
           <p:sp>
             <p:nvSpPr>
               <p:cNvPr id="2" name="Title 1">
@@ -7763,7 +6641,7 @@
             </p:spPr>
             <p:txBody>
               <a:bodyPr>
-                <a:normAutofit fontScale="90000"/>
+                <a:normAutofit/>
               </a:bodyPr>
               <a:lstStyle/>
               <a:p>
@@ -8532,7 +7410,7 @@
             </p:txBody>
           </p:sp>
         </mc:Choice>
-        <mc:Fallback xmlns="">
+        <mc:Fallback>
           <p:sp>
             <p:nvSpPr>
               <p:cNvPr id="2" name="Title 1">
@@ -8557,7 +7435,7 @@
               <a:blipFill>
                 <a:blip r:embed="rId2"/>
                 <a:stretch>
-                  <a:fillRect t="-942"/>
+                  <a:fillRect/>
                 </a:stretch>
               </a:blipFill>
             </p:spPr>
@@ -8663,450 +7541,6 @@
     <p:extLst>
       <p:ext uri="{BB962C8B-B14F-4D97-AF65-F5344CB8AC3E}">
         <p14:creationId xmlns:p14="http://schemas.microsoft.com/office/powerpoint/2010/main" val="4003166880"/>
-      </p:ext>
-    </p:extLst>
-  </p:cSld>
-  <p:clrMapOvr>
-    <a:masterClrMapping/>
-  </p:clrMapOvr>
-</p:sld>
-</file>
-
-<file path=ppt/slides/slide40.xml><?xml version="1.0" encoding="utf-8"?>
-<p:sld xmlns:a="http://schemas.openxmlformats.org/drawingml/2006/main" xmlns:r="http://schemas.openxmlformats.org/officeDocument/2006/relationships" xmlns:p="http://schemas.openxmlformats.org/presentationml/2006/main">
-  <p:cSld>
-    <p:bg>
-      <p:bgPr>
-        <a:solidFill>
-          <a:schemeClr val="tx1"/>
-        </a:solidFill>
-        <a:effectLst/>
-      </p:bgPr>
-    </p:bg>
-    <p:spTree>
-      <p:nvGrpSpPr>
-        <p:cNvPr id="1" name=""/>
-        <p:cNvGrpSpPr/>
-        <p:nvPr/>
-      </p:nvGrpSpPr>
-      <p:grpSpPr>
-        <a:xfrm>
-          <a:off x="0" y="0"/>
-          <a:ext cx="0" cy="0"/>
-          <a:chOff x="0" y="0"/>
-          <a:chExt cx="0" cy="0"/>
-        </a:xfrm>
-      </p:grpSpPr>
-      <p:sp>
-        <p:nvSpPr>
-          <p:cNvPr id="2" name="Title 1">
-            <a:extLst>
-              <a:ext uri="{FF2B5EF4-FFF2-40B4-BE49-F238E27FC236}">
-                <a16:creationId xmlns:a16="http://schemas.microsoft.com/office/drawing/2014/main" id="{2FA0B769-09AB-475D-BDC1-794AA9E07B30}"/>
-              </a:ext>
-            </a:extLst>
-          </p:cNvPr>
-          <p:cNvSpPr>
-            <a:spLocks noGrp="1"/>
-          </p:cNvSpPr>
-          <p:nvPr>
-            <p:ph type="ctrTitle"/>
-          </p:nvPr>
-        </p:nvSpPr>
-        <p:spPr>
-          <a:xfrm>
-            <a:off x="1505338" y="1831488"/>
-            <a:ext cx="9144000" cy="4261401"/>
-          </a:xfrm>
-        </p:spPr>
-        <p:txBody>
-          <a:bodyPr>
-            <a:normAutofit fontScale="90000"/>
-          </a:bodyPr>
-          <a:lstStyle/>
-          <a:p>
-            <a:r>
-              <a:rPr lang="en-US" sz="8000" dirty="0">
-                <a:solidFill>
-                  <a:schemeClr val="bg1"/>
-                </a:solidFill>
-              </a:rPr>
-              <a:t>Why are linear multi-step methods worse than single-step here?</a:t>
-            </a:r>
-            <a:br>
-              <a:rPr lang="en-US" dirty="0">
-                <a:solidFill>
-                  <a:schemeClr val="bg1"/>
-                </a:solidFill>
-              </a:rPr>
-            </a:br>
-            <a:br>
-              <a:rPr lang="en-US" dirty="0">
-                <a:solidFill>
-                  <a:schemeClr val="bg1"/>
-                </a:solidFill>
-              </a:rPr>
-            </a:br>
-            <a:endParaRPr lang="en-US" dirty="0">
-              <a:solidFill>
-                <a:schemeClr val="bg1"/>
-              </a:solidFill>
-            </a:endParaRPr>
-          </a:p>
-        </p:txBody>
-      </p:sp>
-    </p:spTree>
-    <p:extLst>
-      <p:ext uri="{BB962C8B-B14F-4D97-AF65-F5344CB8AC3E}">
-        <p14:creationId xmlns:p14="http://schemas.microsoft.com/office/powerpoint/2010/main" val="3017673853"/>
-      </p:ext>
-    </p:extLst>
-  </p:cSld>
-  <p:clrMapOvr>
-    <a:masterClrMapping/>
-  </p:clrMapOvr>
-</p:sld>
-</file>
-
-<file path=ppt/slides/slide41.xml><?xml version="1.0" encoding="utf-8"?>
-<p:sld xmlns:a="http://schemas.openxmlformats.org/drawingml/2006/main" xmlns:r="http://schemas.openxmlformats.org/officeDocument/2006/relationships" xmlns:p="http://schemas.openxmlformats.org/presentationml/2006/main">
-  <p:cSld>
-    <p:bg>
-      <p:bgPr>
-        <a:solidFill>
-          <a:schemeClr val="tx1"/>
-        </a:solidFill>
-        <a:effectLst/>
-      </p:bgPr>
-    </p:bg>
-    <p:spTree>
-      <p:nvGrpSpPr>
-        <p:cNvPr id="1" name=""/>
-        <p:cNvGrpSpPr/>
-        <p:nvPr/>
-      </p:nvGrpSpPr>
-      <p:grpSpPr>
-        <a:xfrm>
-          <a:off x="0" y="0"/>
-          <a:ext cx="0" cy="0"/>
-          <a:chOff x="0" y="0"/>
-          <a:chExt cx="0" cy="0"/>
-        </a:xfrm>
-      </p:grpSpPr>
-      <p:sp>
-        <p:nvSpPr>
-          <p:cNvPr id="2" name="Title 1">
-            <a:extLst>
-              <a:ext uri="{FF2B5EF4-FFF2-40B4-BE49-F238E27FC236}">
-                <a16:creationId xmlns:a16="http://schemas.microsoft.com/office/drawing/2014/main" id="{2FA0B769-09AB-475D-BDC1-794AA9E07B30}"/>
-              </a:ext>
-            </a:extLst>
-          </p:cNvPr>
-          <p:cNvSpPr>
-            <a:spLocks noGrp="1"/>
-          </p:cNvSpPr>
-          <p:nvPr>
-            <p:ph type="ctrTitle"/>
-          </p:nvPr>
-        </p:nvSpPr>
-        <p:spPr>
-          <a:xfrm>
-            <a:off x="1427584" y="335901"/>
-            <a:ext cx="9193762" cy="4581330"/>
-          </a:xfrm>
-        </p:spPr>
-        <p:txBody>
-          <a:bodyPr>
-            <a:noAutofit/>
-          </a:bodyPr>
-          <a:lstStyle/>
-          <a:p>
-            <a:r>
-              <a:rPr lang="en-US" sz="4000" dirty="0">
-                <a:solidFill>
-                  <a:schemeClr val="bg1"/>
-                </a:solidFill>
-                <a:latin typeface="Cambria Math" panose="02040503050406030204" pitchFamily="18" charset="0"/>
-                <a:ea typeface="Cambria Math" panose="02040503050406030204" pitchFamily="18" charset="0"/>
-              </a:rPr>
-              <a:t>“When multistep numerical methods are used, instability problems may arise that cannot be circumvented by simply choosing a sufficiently small step size h. This is because multistep methods yield ‘extraneous solutions,’ which may dominate the calculations….”</a:t>
-            </a:r>
-            <a:br>
-              <a:rPr lang="en-US" sz="4000" dirty="0">
-                <a:solidFill>
-                  <a:schemeClr val="bg1"/>
-                </a:solidFill>
-                <a:latin typeface="Cambria Math" panose="02040503050406030204" pitchFamily="18" charset="0"/>
-                <a:ea typeface="Cambria Math" panose="02040503050406030204" pitchFamily="18" charset="0"/>
-              </a:rPr>
-            </a:br>
-            <a:endParaRPr lang="en-US" sz="4000" dirty="0">
-              <a:solidFill>
-                <a:schemeClr val="bg1"/>
-              </a:solidFill>
-              <a:latin typeface="Cambria Math" panose="02040503050406030204" pitchFamily="18" charset="0"/>
-              <a:ea typeface="Cambria Math" panose="02040503050406030204" pitchFamily="18" charset="0"/>
-            </a:endParaRPr>
-          </a:p>
-        </p:txBody>
-      </p:sp>
-      <p:sp>
-        <p:nvSpPr>
-          <p:cNvPr id="3" name="TextBox 2">
-            <a:extLst>
-              <a:ext uri="{FF2B5EF4-FFF2-40B4-BE49-F238E27FC236}">
-                <a16:creationId xmlns:a16="http://schemas.microsoft.com/office/drawing/2014/main" id="{A77B9EC4-0A7F-456A-A7BF-2BA9423EE20E}"/>
-              </a:ext>
-            </a:extLst>
-          </p:cNvPr>
-          <p:cNvSpPr txBox="1"/>
-          <p:nvPr/>
-        </p:nvSpPr>
-        <p:spPr>
-          <a:xfrm>
-            <a:off x="813070" y="4917231"/>
-            <a:ext cx="10422790" cy="400110"/>
-          </a:xfrm>
-          <a:prstGeom prst="rect">
-            <a:avLst/>
-          </a:prstGeom>
-          <a:noFill/>
-        </p:spPr>
-        <p:txBody>
-          <a:bodyPr wrap="none" rtlCol="0">
-            <a:spAutoFit/>
-          </a:bodyPr>
-          <a:lstStyle/>
-          <a:p>
-            <a:r>
-              <a:rPr lang="en-US" sz="2000" dirty="0">
-                <a:solidFill>
-                  <a:schemeClr val="bg1"/>
-                </a:solidFill>
-                <a:latin typeface="Cambria Math" panose="02040503050406030204" pitchFamily="18" charset="0"/>
-                <a:ea typeface="Cambria Math" panose="02040503050406030204" pitchFamily="18" charset="0"/>
-              </a:rPr>
-              <a:t>Source: Fundamentals of Differential Equations. Eighth Edition. Nagle, </a:t>
-            </a:r>
-            <a:r>
-              <a:rPr lang="en-US" sz="2000" dirty="0" err="1">
-                <a:solidFill>
-                  <a:schemeClr val="bg1"/>
-                </a:solidFill>
-                <a:latin typeface="Cambria Math" panose="02040503050406030204" pitchFamily="18" charset="0"/>
-                <a:ea typeface="Cambria Math" panose="02040503050406030204" pitchFamily="18" charset="0"/>
-              </a:rPr>
-              <a:t>Saff</a:t>
-            </a:r>
-            <a:r>
-              <a:rPr lang="en-US" sz="2000" dirty="0">
-                <a:solidFill>
-                  <a:schemeClr val="bg1"/>
-                </a:solidFill>
-                <a:latin typeface="Cambria Math" panose="02040503050406030204" pitchFamily="18" charset="0"/>
-                <a:ea typeface="Cambria Math" panose="02040503050406030204" pitchFamily="18" charset="0"/>
-              </a:rPr>
-              <a:t>, and Snider. Pg. 150</a:t>
-            </a:r>
-          </a:p>
-        </p:txBody>
-      </p:sp>
-    </p:spTree>
-    <p:extLst>
-      <p:ext uri="{BB962C8B-B14F-4D97-AF65-F5344CB8AC3E}">
-        <p14:creationId xmlns:p14="http://schemas.microsoft.com/office/powerpoint/2010/main" val="3100945798"/>
-      </p:ext>
-    </p:extLst>
-  </p:cSld>
-  <p:clrMapOvr>
-    <a:masterClrMapping/>
-  </p:clrMapOvr>
-</p:sld>
-</file>
-
-<file path=ppt/slides/slide42.xml><?xml version="1.0" encoding="utf-8"?>
-<p:sld xmlns:a="http://schemas.openxmlformats.org/drawingml/2006/main" xmlns:r="http://schemas.openxmlformats.org/officeDocument/2006/relationships" xmlns:p="http://schemas.openxmlformats.org/presentationml/2006/main">
-  <p:cSld>
-    <p:bg>
-      <p:bgPr>
-        <a:solidFill>
-          <a:schemeClr val="tx1"/>
-        </a:solidFill>
-        <a:effectLst/>
-      </p:bgPr>
-    </p:bg>
-    <p:spTree>
-      <p:nvGrpSpPr>
-        <p:cNvPr id="1" name=""/>
-        <p:cNvGrpSpPr/>
-        <p:nvPr/>
-      </p:nvGrpSpPr>
-      <p:grpSpPr>
-        <a:xfrm>
-          <a:off x="0" y="0"/>
-          <a:ext cx="0" cy="0"/>
-          <a:chOff x="0" y="0"/>
-          <a:chExt cx="0" cy="0"/>
-        </a:xfrm>
-      </p:grpSpPr>
-      <p:sp>
-        <p:nvSpPr>
-          <p:cNvPr id="2" name="Title 1">
-            <a:extLst>
-              <a:ext uri="{FF2B5EF4-FFF2-40B4-BE49-F238E27FC236}">
-                <a16:creationId xmlns:a16="http://schemas.microsoft.com/office/drawing/2014/main" id="{2FA0B769-09AB-475D-BDC1-794AA9E07B30}"/>
-              </a:ext>
-            </a:extLst>
-          </p:cNvPr>
-          <p:cNvSpPr>
-            <a:spLocks noGrp="1"/>
-          </p:cNvSpPr>
-          <p:nvPr>
-            <p:ph type="ctrTitle"/>
-          </p:nvPr>
-        </p:nvSpPr>
-        <p:spPr>
-          <a:xfrm>
-            <a:off x="1548882" y="1073020"/>
-            <a:ext cx="9100456" cy="4544009"/>
-          </a:xfrm>
-        </p:spPr>
-        <p:txBody>
-          <a:bodyPr>
-            <a:normAutofit/>
-          </a:bodyPr>
-          <a:lstStyle/>
-          <a:p>
-            <a:r>
-              <a:rPr lang="en-US" sz="8000" dirty="0">
-                <a:solidFill>
-                  <a:schemeClr val="bg1"/>
-                </a:solidFill>
-              </a:rPr>
-              <a:t>But why?</a:t>
-            </a:r>
-            <a:br>
-              <a:rPr lang="en-US" dirty="0">
-                <a:solidFill>
-                  <a:schemeClr val="bg1"/>
-                </a:solidFill>
-              </a:rPr>
-            </a:br>
-            <a:br>
-              <a:rPr lang="en-US" dirty="0">
-                <a:solidFill>
-                  <a:schemeClr val="bg1"/>
-                </a:solidFill>
-              </a:rPr>
-            </a:br>
-            <a:endParaRPr lang="en-US" dirty="0">
-              <a:solidFill>
-                <a:schemeClr val="bg1"/>
-              </a:solidFill>
-            </a:endParaRPr>
-          </a:p>
-        </p:txBody>
-      </p:sp>
-    </p:spTree>
-    <p:extLst>
-      <p:ext uri="{BB962C8B-B14F-4D97-AF65-F5344CB8AC3E}">
-        <p14:creationId xmlns:p14="http://schemas.microsoft.com/office/powerpoint/2010/main" val="2279195908"/>
-      </p:ext>
-    </p:extLst>
-  </p:cSld>
-  <p:clrMapOvr>
-    <a:masterClrMapping/>
-  </p:clrMapOvr>
-</p:sld>
-</file>
-
-<file path=ppt/slides/slide43.xml><?xml version="1.0" encoding="utf-8"?>
-<p:sld xmlns:a="http://schemas.openxmlformats.org/drawingml/2006/main" xmlns:r="http://schemas.openxmlformats.org/officeDocument/2006/relationships" xmlns:p="http://schemas.openxmlformats.org/presentationml/2006/main">
-  <p:cSld>
-    <p:bg>
-      <p:bgPr>
-        <a:solidFill>
-          <a:schemeClr val="tx1"/>
-        </a:solidFill>
-        <a:effectLst/>
-      </p:bgPr>
-    </p:bg>
-    <p:spTree>
-      <p:nvGrpSpPr>
-        <p:cNvPr id="1" name=""/>
-        <p:cNvGrpSpPr/>
-        <p:nvPr/>
-      </p:nvGrpSpPr>
-      <p:grpSpPr>
-        <a:xfrm>
-          <a:off x="0" y="0"/>
-          <a:ext cx="0" cy="0"/>
-          <a:chOff x="0" y="0"/>
-          <a:chExt cx="0" cy="0"/>
-        </a:xfrm>
-      </p:grpSpPr>
-      <p:sp>
-        <p:nvSpPr>
-          <p:cNvPr id="2" name="Title 1">
-            <a:extLst>
-              <a:ext uri="{FF2B5EF4-FFF2-40B4-BE49-F238E27FC236}">
-                <a16:creationId xmlns:a16="http://schemas.microsoft.com/office/drawing/2014/main" id="{2FA0B769-09AB-475D-BDC1-794AA9E07B30}"/>
-              </a:ext>
-            </a:extLst>
-          </p:cNvPr>
-          <p:cNvSpPr>
-            <a:spLocks noGrp="1"/>
-          </p:cNvSpPr>
-          <p:nvPr>
-            <p:ph type="ctrTitle"/>
-          </p:nvPr>
-        </p:nvSpPr>
-        <p:spPr>
-          <a:xfrm>
-            <a:off x="1548882" y="1073020"/>
-            <a:ext cx="9100456" cy="4544009"/>
-          </a:xfrm>
-        </p:spPr>
-        <p:txBody>
-          <a:bodyPr>
-            <a:normAutofit fontScale="90000"/>
-          </a:bodyPr>
-          <a:lstStyle/>
-          <a:p>
-            <a:r>
-              <a:rPr lang="en-US" sz="8000" dirty="0">
-                <a:solidFill>
-                  <a:schemeClr val="bg1"/>
-                </a:solidFill>
-              </a:rPr>
-              <a:t>Some really complicated stuff, that’s why.</a:t>
-            </a:r>
-            <a:br>
-              <a:rPr lang="en-US" dirty="0">
-                <a:solidFill>
-                  <a:schemeClr val="bg1"/>
-                </a:solidFill>
-              </a:rPr>
-            </a:br>
-            <a:br>
-              <a:rPr lang="en-US" dirty="0">
-                <a:solidFill>
-                  <a:schemeClr val="bg1"/>
-                </a:solidFill>
-              </a:rPr>
-            </a:br>
-            <a:endParaRPr lang="en-US" dirty="0">
-              <a:solidFill>
-                <a:schemeClr val="bg1"/>
-              </a:solidFill>
-            </a:endParaRPr>
-          </a:p>
-        </p:txBody>
-      </p:sp>
-    </p:spTree>
-    <p:extLst>
-      <p:ext uri="{BB962C8B-B14F-4D97-AF65-F5344CB8AC3E}">
-        <p14:creationId xmlns:p14="http://schemas.microsoft.com/office/powerpoint/2010/main" val="2568696483"/>
       </p:ext>
     </p:extLst>
   </p:cSld>
@@ -9237,8 +7671,8 @@
           <a:chExt cx="0" cy="0"/>
         </a:xfrm>
       </p:grpSpPr>
-      <mc:AlternateContent xmlns:mc="http://schemas.openxmlformats.org/markup-compatibility/2006" xmlns:a14="http://schemas.microsoft.com/office/drawing/2010/main">
-        <mc:Choice Requires="a14">
+      <mc:AlternateContent xmlns:mc="http://schemas.openxmlformats.org/markup-compatibility/2006">
+        <mc:Choice xmlns:a14="http://schemas.microsoft.com/office/drawing/2010/main" Requires="a14">
           <p:sp>
             <p:nvSpPr>
               <p:cNvPr id="2" name="Title 1">
@@ -9257,13 +7691,13 @@
             </p:nvSpPr>
             <p:spPr>
               <a:xfrm>
-                <a:off x="1328057" y="1648009"/>
+                <a:off x="693575" y="1561562"/>
                 <a:ext cx="8637037" cy="3880335"/>
               </a:xfrm>
             </p:spPr>
             <p:txBody>
               <a:bodyPr>
-                <a:normAutofit fontScale="90000"/>
+                <a:normAutofit/>
               </a:bodyPr>
               <a:lstStyle/>
               <a:p>
@@ -10015,7 +8449,7 @@
             </p:txBody>
           </p:sp>
         </mc:Choice>
-        <mc:Fallback xmlns="">
+        <mc:Fallback>
           <p:sp>
             <p:nvSpPr>
               <p:cNvPr id="2" name="Title 1">
@@ -10034,13 +8468,13 @@
             </p:nvSpPr>
             <p:spPr>
               <a:xfrm>
-                <a:off x="1328057" y="1648009"/>
+                <a:off x="693575" y="1561562"/>
                 <a:ext cx="8637037" cy="3880335"/>
               </a:xfrm>
               <a:blipFill>
                 <a:blip r:embed="rId2"/>
                 <a:stretch>
-                  <a:fillRect b="-2041"/>
+                  <a:fillRect/>
                 </a:stretch>
               </a:blipFill>
             </p:spPr>
@@ -10142,6 +8576,549 @@
           </a:p>
         </p:txBody>
       </p:sp>
+      <mc:AlternateContent xmlns:mc="http://schemas.openxmlformats.org/markup-compatibility/2006">
+        <mc:Choice xmlns:a14="http://schemas.microsoft.com/office/drawing/2010/main" Requires="a14">
+          <p:sp>
+            <p:nvSpPr>
+              <p:cNvPr id="4" name="TextBox 3">
+                <a:extLst>
+                  <a:ext uri="{FF2B5EF4-FFF2-40B4-BE49-F238E27FC236}">
+                    <a16:creationId xmlns:a16="http://schemas.microsoft.com/office/drawing/2014/main" id="{31CF4B06-06E3-4EDE-AB27-09DC9BDE4833}"/>
+                  </a:ext>
+                </a:extLst>
+              </p:cNvPr>
+              <p:cNvSpPr txBox="1"/>
+              <p:nvPr/>
+            </p:nvSpPr>
+            <p:spPr>
+              <a:xfrm>
+                <a:off x="2847546" y="5026011"/>
+                <a:ext cx="6496907" cy="566630"/>
+              </a:xfrm>
+              <a:prstGeom prst="rect">
+                <a:avLst/>
+              </a:prstGeom>
+              <a:noFill/>
+            </p:spPr>
+            <p:txBody>
+              <a:bodyPr wrap="none" rtlCol="0">
+                <a:spAutoFit/>
+              </a:bodyPr>
+              <a:lstStyle/>
+              <a:p>
+                <a14:m>
+                  <m:oMathPara xmlns:m="http://schemas.openxmlformats.org/officeDocument/2006/math">
+                    <m:oMathParaPr>
+                      <m:jc m:val="centerGroup"/>
+                    </m:oMathParaPr>
+                    <m:oMath xmlns:m="http://schemas.openxmlformats.org/officeDocument/2006/math">
+                      <m:sSub>
+                        <m:sSubPr>
+                          <m:ctrlPr>
+                            <a:rPr lang="en-US" sz="2800" i="1">
+                              <a:solidFill>
+                                <a:schemeClr val="bg1"/>
+                              </a:solidFill>
+                              <a:latin typeface="Cambria Math" panose="02040503050406030204" pitchFamily="18" charset="0"/>
+                              <a:ea typeface="Cambria Math" panose="02040503050406030204" pitchFamily="18" charset="0"/>
+                            </a:rPr>
+                          </m:ctrlPr>
+                        </m:sSubPr>
+                        <m:e>
+                          <m:r>
+                            <a:rPr lang="en-US" sz="2800" i="1">
+                              <a:solidFill>
+                                <a:schemeClr val="bg1"/>
+                              </a:solidFill>
+                              <a:latin typeface="Cambria Math" panose="02040503050406030204" pitchFamily="18" charset="0"/>
+                              <a:ea typeface="Cambria Math" panose="02040503050406030204" pitchFamily="18" charset="0"/>
+                            </a:rPr>
+                            <m:t>𝑅</m:t>
+                          </m:r>
+                        </m:e>
+                        <m:sub>
+                          <m:r>
+                            <a:rPr lang="en-US" sz="2800" i="1">
+                              <a:solidFill>
+                                <a:schemeClr val="bg1"/>
+                              </a:solidFill>
+                              <a:latin typeface="Cambria Math" panose="02040503050406030204" pitchFamily="18" charset="0"/>
+                              <a:ea typeface="Cambria Math" panose="02040503050406030204" pitchFamily="18" charset="0"/>
+                            </a:rPr>
+                            <m:t>𝑖𝑗</m:t>
+                          </m:r>
+                        </m:sub>
+                      </m:sSub>
+                      <m:r>
+                        <a:rPr lang="en-US" sz="2800" i="1">
+                          <a:solidFill>
+                            <a:schemeClr val="bg1"/>
+                          </a:solidFill>
+                          <a:latin typeface="Cambria Math" panose="02040503050406030204" pitchFamily="18" charset="0"/>
+                          <a:ea typeface="Cambria Math" panose="02040503050406030204" pitchFamily="18" charset="0"/>
+                        </a:rPr>
+                        <m:t>=</m:t>
+                      </m:r>
+                      <m:sSup>
+                        <m:sSupPr>
+                          <m:ctrlPr>
+                            <a:rPr lang="en-US" sz="2800" i="1">
+                              <a:solidFill>
+                                <a:schemeClr val="bg1"/>
+                              </a:solidFill>
+                              <a:latin typeface="Cambria Math" panose="02040503050406030204" pitchFamily="18" charset="0"/>
+                              <a:ea typeface="Cambria Math" panose="02040503050406030204" pitchFamily="18" charset="0"/>
+                            </a:rPr>
+                          </m:ctrlPr>
+                        </m:sSupPr>
+                        <m:e>
+                          <m:d>
+                            <m:dPr>
+                              <m:ctrlPr>
+                                <a:rPr lang="en-US" sz="2800" i="1">
+                                  <a:solidFill>
+                                    <a:schemeClr val="bg1"/>
+                                  </a:solidFill>
+                                  <a:latin typeface="Cambria Math" panose="02040503050406030204" pitchFamily="18" charset="0"/>
+                                  <a:ea typeface="Cambria Math" panose="02040503050406030204" pitchFamily="18" charset="0"/>
+                                </a:rPr>
+                              </m:ctrlPr>
+                            </m:dPr>
+                            <m:e>
+                              <m:sSub>
+                                <m:sSubPr>
+                                  <m:ctrlPr>
+                                    <a:rPr lang="en-US" sz="2800" i="1">
+                                      <a:solidFill>
+                                        <a:schemeClr val="bg1"/>
+                                      </a:solidFill>
+                                      <a:latin typeface="Cambria Math" panose="02040503050406030204" pitchFamily="18" charset="0"/>
+                                      <a:ea typeface="Cambria Math" panose="02040503050406030204" pitchFamily="18" charset="0"/>
+                                    </a:rPr>
+                                  </m:ctrlPr>
+                                </m:sSubPr>
+                                <m:e>
+                                  <m:r>
+                                    <a:rPr lang="en-US" sz="2800" i="1">
+                                      <a:solidFill>
+                                        <a:schemeClr val="bg1"/>
+                                      </a:solidFill>
+                                      <a:latin typeface="Cambria Math" panose="02040503050406030204" pitchFamily="18" charset="0"/>
+                                      <a:ea typeface="Cambria Math" panose="02040503050406030204" pitchFamily="18" charset="0"/>
+                                    </a:rPr>
+                                    <m:t>𝑥</m:t>
+                                  </m:r>
+                                </m:e>
+                                <m:sub>
+                                  <m:r>
+                                    <a:rPr lang="en-US" sz="2800" i="1">
+                                      <a:solidFill>
+                                        <a:schemeClr val="bg1"/>
+                                      </a:solidFill>
+                                      <a:latin typeface="Cambria Math" panose="02040503050406030204" pitchFamily="18" charset="0"/>
+                                      <a:ea typeface="Cambria Math" panose="02040503050406030204" pitchFamily="18" charset="0"/>
+                                    </a:rPr>
+                                    <m:t>𝑖</m:t>
+                                  </m:r>
+                                </m:sub>
+                              </m:sSub>
+                              <m:r>
+                                <a:rPr lang="en-US" sz="2800" i="1">
+                                  <a:solidFill>
+                                    <a:schemeClr val="bg1"/>
+                                  </a:solidFill>
+                                  <a:latin typeface="Cambria Math" panose="02040503050406030204" pitchFamily="18" charset="0"/>
+                                  <a:ea typeface="Cambria Math" panose="02040503050406030204" pitchFamily="18" charset="0"/>
+                                </a:rPr>
+                                <m:t>−</m:t>
+                              </m:r>
+                              <m:sSub>
+                                <m:sSubPr>
+                                  <m:ctrlPr>
+                                    <a:rPr lang="en-US" sz="2800" i="1">
+                                      <a:solidFill>
+                                        <a:schemeClr val="bg1"/>
+                                      </a:solidFill>
+                                      <a:latin typeface="Cambria Math" panose="02040503050406030204" pitchFamily="18" charset="0"/>
+                                      <a:ea typeface="Cambria Math" panose="02040503050406030204" pitchFamily="18" charset="0"/>
+                                    </a:rPr>
+                                  </m:ctrlPr>
+                                </m:sSubPr>
+                                <m:e>
+                                  <m:r>
+                                    <a:rPr lang="en-US" sz="2800" i="1">
+                                      <a:solidFill>
+                                        <a:schemeClr val="bg1"/>
+                                      </a:solidFill>
+                                      <a:latin typeface="Cambria Math" panose="02040503050406030204" pitchFamily="18" charset="0"/>
+                                      <a:ea typeface="Cambria Math" panose="02040503050406030204" pitchFamily="18" charset="0"/>
+                                    </a:rPr>
+                                    <m:t>𝑥</m:t>
+                                  </m:r>
+                                </m:e>
+                                <m:sub>
+                                  <m:r>
+                                    <a:rPr lang="en-US" sz="2800" i="1">
+                                      <a:solidFill>
+                                        <a:schemeClr val="bg1"/>
+                                      </a:solidFill>
+                                      <a:latin typeface="Cambria Math" panose="02040503050406030204" pitchFamily="18" charset="0"/>
+                                      <a:ea typeface="Cambria Math" panose="02040503050406030204" pitchFamily="18" charset="0"/>
+                                    </a:rPr>
+                                    <m:t>𝑖</m:t>
+                                  </m:r>
+                                </m:sub>
+                              </m:sSub>
+                            </m:e>
+                          </m:d>
+                        </m:e>
+                        <m:sup>
+                          <m:r>
+                            <a:rPr lang="en-US" sz="2800" i="1">
+                              <a:solidFill>
+                                <a:schemeClr val="bg1"/>
+                              </a:solidFill>
+                              <a:latin typeface="Cambria Math" panose="02040503050406030204" pitchFamily="18" charset="0"/>
+                              <a:ea typeface="Cambria Math" panose="02040503050406030204" pitchFamily="18" charset="0"/>
+                            </a:rPr>
+                            <m:t>2</m:t>
+                          </m:r>
+                        </m:sup>
+                      </m:sSup>
+                      <m:r>
+                        <a:rPr lang="en-US" sz="2800" i="1">
+                          <a:solidFill>
+                            <a:schemeClr val="bg1"/>
+                          </a:solidFill>
+                          <a:latin typeface="Cambria Math" panose="02040503050406030204" pitchFamily="18" charset="0"/>
+                          <a:ea typeface="Cambria Math" panose="02040503050406030204" pitchFamily="18" charset="0"/>
+                        </a:rPr>
+                        <m:t>+</m:t>
+                      </m:r>
+                      <m:sSup>
+                        <m:sSupPr>
+                          <m:ctrlPr>
+                            <a:rPr lang="en-US" sz="2800" i="1">
+                              <a:solidFill>
+                                <a:schemeClr val="bg1"/>
+                              </a:solidFill>
+                              <a:latin typeface="Cambria Math" panose="02040503050406030204" pitchFamily="18" charset="0"/>
+                              <a:ea typeface="Cambria Math" panose="02040503050406030204" pitchFamily="18" charset="0"/>
+                            </a:rPr>
+                          </m:ctrlPr>
+                        </m:sSupPr>
+                        <m:e>
+                          <m:d>
+                            <m:dPr>
+                              <m:ctrlPr>
+                                <a:rPr lang="en-US" sz="2800" i="1">
+                                  <a:solidFill>
+                                    <a:schemeClr val="bg1"/>
+                                  </a:solidFill>
+                                  <a:latin typeface="Cambria Math" panose="02040503050406030204" pitchFamily="18" charset="0"/>
+                                  <a:ea typeface="Cambria Math" panose="02040503050406030204" pitchFamily="18" charset="0"/>
+                                </a:rPr>
+                              </m:ctrlPr>
+                            </m:dPr>
+                            <m:e>
+                              <m:sSub>
+                                <m:sSubPr>
+                                  <m:ctrlPr>
+                                    <a:rPr lang="en-US" sz="2800" i="1">
+                                      <a:solidFill>
+                                        <a:schemeClr val="bg1"/>
+                                      </a:solidFill>
+                                      <a:latin typeface="Cambria Math" panose="02040503050406030204" pitchFamily="18" charset="0"/>
+                                      <a:ea typeface="Cambria Math" panose="02040503050406030204" pitchFamily="18" charset="0"/>
+                                    </a:rPr>
+                                  </m:ctrlPr>
+                                </m:sSubPr>
+                                <m:e>
+                                  <m:r>
+                                    <a:rPr lang="en-US" sz="2800" i="1">
+                                      <a:solidFill>
+                                        <a:schemeClr val="bg1"/>
+                                      </a:solidFill>
+                                      <a:latin typeface="Cambria Math" panose="02040503050406030204" pitchFamily="18" charset="0"/>
+                                      <a:ea typeface="Cambria Math" panose="02040503050406030204" pitchFamily="18" charset="0"/>
+                                    </a:rPr>
+                                    <m:t>𝑦</m:t>
+                                  </m:r>
+                                </m:e>
+                                <m:sub>
+                                  <m:r>
+                                    <a:rPr lang="en-US" sz="2800" i="1">
+                                      <a:solidFill>
+                                        <a:schemeClr val="bg1"/>
+                                      </a:solidFill>
+                                      <a:latin typeface="Cambria Math" panose="02040503050406030204" pitchFamily="18" charset="0"/>
+                                      <a:ea typeface="Cambria Math" panose="02040503050406030204" pitchFamily="18" charset="0"/>
+                                    </a:rPr>
+                                    <m:t>𝑖</m:t>
+                                  </m:r>
+                                </m:sub>
+                              </m:sSub>
+                              <m:r>
+                                <a:rPr lang="en-US" sz="2800" i="1">
+                                  <a:solidFill>
+                                    <a:schemeClr val="bg1"/>
+                                  </a:solidFill>
+                                  <a:latin typeface="Cambria Math" panose="02040503050406030204" pitchFamily="18" charset="0"/>
+                                  <a:ea typeface="Cambria Math" panose="02040503050406030204" pitchFamily="18" charset="0"/>
+                                </a:rPr>
+                                <m:t>−</m:t>
+                              </m:r>
+                              <m:sSub>
+                                <m:sSubPr>
+                                  <m:ctrlPr>
+                                    <a:rPr lang="en-US" sz="2800" i="1">
+                                      <a:solidFill>
+                                        <a:schemeClr val="bg1"/>
+                                      </a:solidFill>
+                                      <a:latin typeface="Cambria Math" panose="02040503050406030204" pitchFamily="18" charset="0"/>
+                                      <a:ea typeface="Cambria Math" panose="02040503050406030204" pitchFamily="18" charset="0"/>
+                                    </a:rPr>
+                                  </m:ctrlPr>
+                                </m:sSubPr>
+                                <m:e>
+                                  <m:r>
+                                    <a:rPr lang="en-US" sz="2800" i="1">
+                                      <a:solidFill>
+                                        <a:schemeClr val="bg1"/>
+                                      </a:solidFill>
+                                      <a:latin typeface="Cambria Math" panose="02040503050406030204" pitchFamily="18" charset="0"/>
+                                      <a:ea typeface="Cambria Math" panose="02040503050406030204" pitchFamily="18" charset="0"/>
+                                    </a:rPr>
+                                    <m:t>𝑦</m:t>
+                                  </m:r>
+                                </m:e>
+                                <m:sub>
+                                  <m:r>
+                                    <a:rPr lang="en-US" sz="2800" i="1">
+                                      <a:solidFill>
+                                        <a:schemeClr val="bg1"/>
+                                      </a:solidFill>
+                                      <a:latin typeface="Cambria Math" panose="02040503050406030204" pitchFamily="18" charset="0"/>
+                                      <a:ea typeface="Cambria Math" panose="02040503050406030204" pitchFamily="18" charset="0"/>
+                                    </a:rPr>
+                                    <m:t>𝑖</m:t>
+                                  </m:r>
+                                </m:sub>
+                              </m:sSub>
+                            </m:e>
+                          </m:d>
+                        </m:e>
+                        <m:sup>
+                          <m:r>
+                            <a:rPr lang="en-US" sz="2800" i="1">
+                              <a:solidFill>
+                                <a:schemeClr val="bg1"/>
+                              </a:solidFill>
+                              <a:latin typeface="Cambria Math" panose="02040503050406030204" pitchFamily="18" charset="0"/>
+                              <a:ea typeface="Cambria Math" panose="02040503050406030204" pitchFamily="18" charset="0"/>
+                            </a:rPr>
+                            <m:t>2</m:t>
+                          </m:r>
+                        </m:sup>
+                      </m:sSup>
+                      <m:r>
+                        <a:rPr lang="en-US" sz="2800" i="1">
+                          <a:solidFill>
+                            <a:schemeClr val="bg1"/>
+                          </a:solidFill>
+                          <a:latin typeface="Cambria Math" panose="02040503050406030204" pitchFamily="18" charset="0"/>
+                          <a:ea typeface="Cambria Math" panose="02040503050406030204" pitchFamily="18" charset="0"/>
+                        </a:rPr>
+                        <m:t>+</m:t>
+                      </m:r>
+                      <m:sSup>
+                        <m:sSupPr>
+                          <m:ctrlPr>
+                            <a:rPr lang="en-US" sz="2800" i="1">
+                              <a:solidFill>
+                                <a:schemeClr val="bg1"/>
+                              </a:solidFill>
+                              <a:latin typeface="Cambria Math" panose="02040503050406030204" pitchFamily="18" charset="0"/>
+                              <a:ea typeface="Cambria Math" panose="02040503050406030204" pitchFamily="18" charset="0"/>
+                            </a:rPr>
+                          </m:ctrlPr>
+                        </m:sSupPr>
+                        <m:e>
+                          <m:d>
+                            <m:dPr>
+                              <m:ctrlPr>
+                                <a:rPr lang="en-US" sz="2800" i="1">
+                                  <a:solidFill>
+                                    <a:schemeClr val="bg1"/>
+                                  </a:solidFill>
+                                  <a:latin typeface="Cambria Math" panose="02040503050406030204" pitchFamily="18" charset="0"/>
+                                  <a:ea typeface="Cambria Math" panose="02040503050406030204" pitchFamily="18" charset="0"/>
+                                </a:rPr>
+                              </m:ctrlPr>
+                            </m:dPr>
+                            <m:e>
+                              <m:sSub>
+                                <m:sSubPr>
+                                  <m:ctrlPr>
+                                    <a:rPr lang="en-US" sz="2800" i="1">
+                                      <a:solidFill>
+                                        <a:schemeClr val="bg1"/>
+                                      </a:solidFill>
+                                      <a:latin typeface="Cambria Math" panose="02040503050406030204" pitchFamily="18" charset="0"/>
+                                      <a:ea typeface="Cambria Math" panose="02040503050406030204" pitchFamily="18" charset="0"/>
+                                    </a:rPr>
+                                  </m:ctrlPr>
+                                </m:sSubPr>
+                                <m:e>
+                                  <m:r>
+                                    <a:rPr lang="en-US" sz="2800" i="1">
+                                      <a:solidFill>
+                                        <a:schemeClr val="bg1"/>
+                                      </a:solidFill>
+                                      <a:latin typeface="Cambria Math" panose="02040503050406030204" pitchFamily="18" charset="0"/>
+                                      <a:ea typeface="Cambria Math" panose="02040503050406030204" pitchFamily="18" charset="0"/>
+                                    </a:rPr>
+                                    <m:t>𝑧</m:t>
+                                  </m:r>
+                                </m:e>
+                                <m:sub>
+                                  <m:r>
+                                    <a:rPr lang="en-US" sz="2800" i="1">
+                                      <a:solidFill>
+                                        <a:schemeClr val="bg1"/>
+                                      </a:solidFill>
+                                      <a:latin typeface="Cambria Math" panose="02040503050406030204" pitchFamily="18" charset="0"/>
+                                      <a:ea typeface="Cambria Math" panose="02040503050406030204" pitchFamily="18" charset="0"/>
+                                    </a:rPr>
+                                    <m:t>𝑖</m:t>
+                                  </m:r>
+                                </m:sub>
+                              </m:sSub>
+                              <m:r>
+                                <a:rPr lang="en-US" sz="2800" i="1">
+                                  <a:solidFill>
+                                    <a:schemeClr val="bg1"/>
+                                  </a:solidFill>
+                                  <a:latin typeface="Cambria Math" panose="02040503050406030204" pitchFamily="18" charset="0"/>
+                                  <a:ea typeface="Cambria Math" panose="02040503050406030204" pitchFamily="18" charset="0"/>
+                                </a:rPr>
+                                <m:t>−</m:t>
+                              </m:r>
+                              <m:sSub>
+                                <m:sSubPr>
+                                  <m:ctrlPr>
+                                    <a:rPr lang="en-US" sz="2800" i="1">
+                                      <a:solidFill>
+                                        <a:schemeClr val="bg1"/>
+                                      </a:solidFill>
+                                      <a:latin typeface="Cambria Math" panose="02040503050406030204" pitchFamily="18" charset="0"/>
+                                      <a:ea typeface="Cambria Math" panose="02040503050406030204" pitchFamily="18" charset="0"/>
+                                    </a:rPr>
+                                  </m:ctrlPr>
+                                </m:sSubPr>
+                                <m:e>
+                                  <m:r>
+                                    <a:rPr lang="en-US" sz="2800" i="1">
+                                      <a:solidFill>
+                                        <a:schemeClr val="bg1"/>
+                                      </a:solidFill>
+                                      <a:latin typeface="Cambria Math" panose="02040503050406030204" pitchFamily="18" charset="0"/>
+                                      <a:ea typeface="Cambria Math" panose="02040503050406030204" pitchFamily="18" charset="0"/>
+                                    </a:rPr>
+                                    <m:t>𝑧</m:t>
+                                  </m:r>
+                                </m:e>
+                                <m:sub>
+                                  <m:r>
+                                    <a:rPr lang="en-US" sz="2800" i="1">
+                                      <a:solidFill>
+                                        <a:schemeClr val="bg1"/>
+                                      </a:solidFill>
+                                      <a:latin typeface="Cambria Math" panose="02040503050406030204" pitchFamily="18" charset="0"/>
+                                      <a:ea typeface="Cambria Math" panose="02040503050406030204" pitchFamily="18" charset="0"/>
+                                    </a:rPr>
+                                    <m:t>𝑖</m:t>
+                                  </m:r>
+                                </m:sub>
+                              </m:sSub>
+                            </m:e>
+                          </m:d>
+                        </m:e>
+                        <m:sup>
+                          <m:r>
+                            <a:rPr lang="en-US" sz="2800" i="1">
+                              <a:solidFill>
+                                <a:schemeClr val="bg1"/>
+                              </a:solidFill>
+                              <a:latin typeface="Cambria Math" panose="02040503050406030204" pitchFamily="18" charset="0"/>
+                              <a:ea typeface="Cambria Math" panose="02040503050406030204" pitchFamily="18" charset="0"/>
+                            </a:rPr>
+                            <m:t>2</m:t>
+                          </m:r>
+                        </m:sup>
+                      </m:sSup>
+                    </m:oMath>
+                  </m:oMathPara>
+                </a14:m>
+                <a:br>
+                  <a:rPr lang="en-US" dirty="0">
+                    <a:solidFill>
+                      <a:schemeClr val="bg1"/>
+                    </a:solidFill>
+                    <a:latin typeface="Cambria Math" panose="02040503050406030204" pitchFamily="18" charset="0"/>
+                    <a:ea typeface="Cambria Math" panose="02040503050406030204" pitchFamily="18" charset="0"/>
+                  </a:rPr>
+                </a:br>
+                <a:endParaRPr lang="en-US" dirty="0"/>
+              </a:p>
+            </p:txBody>
+          </p:sp>
+        </mc:Choice>
+        <mc:Fallback>
+          <p:sp>
+            <p:nvSpPr>
+              <p:cNvPr id="4" name="TextBox 3">
+                <a:extLst>
+                  <a:ext uri="{FF2B5EF4-FFF2-40B4-BE49-F238E27FC236}">
+                    <a16:creationId xmlns:a16="http://schemas.microsoft.com/office/drawing/2014/main" id="{31CF4B06-06E3-4EDE-AB27-09DC9BDE4833}"/>
+                  </a:ext>
+                </a:extLst>
+              </p:cNvPr>
+              <p:cNvSpPr txBox="1">
+                <a:spLocks noRot="1" noChangeAspect="1" noMove="1" noResize="1" noEditPoints="1" noAdjustHandles="1" noChangeArrowheads="1" noChangeShapeType="1" noTextEdit="1"/>
+              </p:cNvSpPr>
+              <p:nvPr/>
+            </p:nvSpPr>
+            <p:spPr>
+              <a:xfrm>
+                <a:off x="2847546" y="5026011"/>
+                <a:ext cx="6496907" cy="566630"/>
+              </a:xfrm>
+              <a:prstGeom prst="rect">
+                <a:avLst/>
+              </a:prstGeom>
+              <a:blipFill>
+                <a:blip r:embed="rId3"/>
+                <a:stretch>
+                  <a:fillRect/>
+                </a:stretch>
+              </a:blipFill>
+            </p:spPr>
+            <p:txBody>
+              <a:bodyPr/>
+              <a:lstStyle/>
+              <a:p>
+                <a:r>
+                  <a:rPr lang="en-US">
+                    <a:noFill/>
+                  </a:rPr>
+                  <a:t> </a:t>
+                </a:r>
+              </a:p>
+            </p:txBody>
+          </p:sp>
+        </mc:Fallback>
+      </mc:AlternateContent>
     </p:spTree>
     <p:extLst>
       <p:ext uri="{BB962C8B-B14F-4D97-AF65-F5344CB8AC3E}">
@@ -11733,7 +10710,7 @@
         <p:spPr>
           <a:xfrm>
             <a:off x="953548" y="2430710"/>
-            <a:ext cx="10910166" cy="3539430"/>
+            <a:ext cx="11008335" cy="4031873"/>
           </a:xfrm>
           <a:prstGeom prst="rect">
             <a:avLst/>
@@ -11745,6 +10722,22 @@
             <a:spAutoFit/>
           </a:bodyPr>
           <a:lstStyle/>
+          <a:p>
+            <a:pPr marL="514350" indent="-514350">
+              <a:buFont typeface="+mj-lt"/>
+              <a:buAutoNum type="arabicPeriod"/>
+            </a:pPr>
+            <a:r>
+              <a:rPr lang="en-US" sz="3200" dirty="0">
+                <a:solidFill>
+                  <a:schemeClr val="bg1"/>
+                </a:solidFill>
+                <a:latin typeface="Cambria Math" panose="02040503050406030204" pitchFamily="18" charset="0"/>
+                <a:ea typeface="Cambria Math" panose="02040503050406030204" pitchFamily="18" charset="0"/>
+              </a:rPr>
+              <a:t>Unwrap 3D coordinates into a 1D vector.</a:t>
+            </a:r>
+          </a:p>
           <a:p>
             <a:pPr marL="514350" indent="-514350">
               <a:buFont typeface="+mj-lt"/>

--- a/Lennard-Jones Structures.pptx
+++ b/Lennard-Jones Structures.pptx
@@ -4872,7 +4872,7 @@
                 <a:latin typeface="Cambria Math" panose="02040503050406030204" pitchFamily="18" charset="0"/>
                 <a:ea typeface="Cambria Math" panose="02040503050406030204" pitchFamily="18" charset="0"/>
               </a:rPr>
-              <a:t>Fundamentals of Differential Equations. </a:t>
+              <a:t>Numerical Analysis. </a:t>
             </a:r>
             <a:br>
               <a:rPr lang="en-US" sz="4000" dirty="0">
@@ -4891,27 +4891,7 @@
                 <a:latin typeface="Cambria Math" panose="02040503050406030204" pitchFamily="18" charset="0"/>
                 <a:ea typeface="Cambria Math" panose="02040503050406030204" pitchFamily="18" charset="0"/>
               </a:rPr>
-              <a:t>Eighth Edition. Nagle, </a:t>
-            </a:r>
-            <a:r>
-              <a:rPr lang="en-US" sz="4000" dirty="0" err="1">
-                <a:solidFill>
-                  <a:schemeClr val="bg1"/>
-                </a:solidFill>
-                <a:latin typeface="Cambria Math" panose="02040503050406030204" pitchFamily="18" charset="0"/>
-                <a:ea typeface="Cambria Math" panose="02040503050406030204" pitchFamily="18" charset="0"/>
-              </a:rPr>
-              <a:t>Saff</a:t>
-            </a:r>
-            <a:r>
-              <a:rPr lang="en-US" sz="4000" dirty="0">
-                <a:solidFill>
-                  <a:schemeClr val="bg1"/>
-                </a:solidFill>
-                <a:latin typeface="Cambria Math" panose="02040503050406030204" pitchFamily="18" charset="0"/>
-                <a:ea typeface="Cambria Math" panose="02040503050406030204" pitchFamily="18" charset="0"/>
-              </a:rPr>
-              <a:t>, and Snider. Pg. 151-152</a:t>
+              <a:t>Second Edition. Timothy Sauer. Pg. 580-582</a:t>
             </a:r>
           </a:p>
         </p:txBody>
@@ -6196,13 +6176,6 @@
               </a:rPr>
               <a:t>What do the other structures look like?</a:t>
             </a:r>
-            <a:endParaRPr lang="en-US" sz="1800" dirty="0">
-              <a:solidFill>
-                <a:schemeClr val="bg1"/>
-              </a:solidFill>
-              <a:latin typeface="Cambria Math" panose="02040503050406030204" pitchFamily="18" charset="0"/>
-              <a:ea typeface="Cambria Math" panose="02040503050406030204" pitchFamily="18" charset="0"/>
-            </a:endParaRPr>
           </a:p>
         </p:txBody>
       </p:sp>
@@ -6615,8 +6588,8 @@
           <a:chExt cx="0" cy="0"/>
         </a:xfrm>
       </p:grpSpPr>
-      <mc:AlternateContent xmlns:mc="http://schemas.openxmlformats.org/markup-compatibility/2006">
-        <mc:Choice xmlns:a14="http://schemas.microsoft.com/office/drawing/2010/main" Requires="a14">
+      <mc:AlternateContent xmlns:mc="http://schemas.openxmlformats.org/markup-compatibility/2006" xmlns:a14="http://schemas.microsoft.com/office/drawing/2010/main">
+        <mc:Choice Requires="a14">
           <p:sp>
             <p:nvSpPr>
               <p:cNvPr id="2" name="Title 1">
@@ -7410,7 +7383,7 @@
             </p:txBody>
           </p:sp>
         </mc:Choice>
-        <mc:Fallback>
+        <mc:Fallback xmlns="">
           <p:sp>
             <p:nvSpPr>
               <p:cNvPr id="2" name="Title 1">
@@ -7671,8 +7644,8 @@
           <a:chExt cx="0" cy="0"/>
         </a:xfrm>
       </p:grpSpPr>
-      <mc:AlternateContent xmlns:mc="http://schemas.openxmlformats.org/markup-compatibility/2006">
-        <mc:Choice xmlns:a14="http://schemas.microsoft.com/office/drawing/2010/main" Requires="a14">
+      <mc:AlternateContent xmlns:mc="http://schemas.openxmlformats.org/markup-compatibility/2006" xmlns:a14="http://schemas.microsoft.com/office/drawing/2010/main">
+        <mc:Choice Requires="a14">
           <p:sp>
             <p:nvSpPr>
               <p:cNvPr id="2" name="Title 1">
@@ -8449,7 +8422,7 @@
             </p:txBody>
           </p:sp>
         </mc:Choice>
-        <mc:Fallback>
+        <mc:Fallback xmlns="">
           <p:sp>
             <p:nvSpPr>
               <p:cNvPr id="2" name="Title 1">
@@ -8576,8 +8549,8 @@
           </a:p>
         </p:txBody>
       </p:sp>
-      <mc:AlternateContent xmlns:mc="http://schemas.openxmlformats.org/markup-compatibility/2006">
-        <mc:Choice xmlns:a14="http://schemas.microsoft.com/office/drawing/2010/main" Requires="a14">
+      <mc:AlternateContent xmlns:mc="http://schemas.openxmlformats.org/markup-compatibility/2006" xmlns:a14="http://schemas.microsoft.com/office/drawing/2010/main">
+        <mc:Choice Requires="a14">
           <p:sp>
             <p:nvSpPr>
               <p:cNvPr id="4" name="TextBox 3">
@@ -8606,6 +8579,7 @@
               </a:bodyPr>
               <a:lstStyle/>
               <a:p>
+                <a:pPr/>
                 <a14:m>
                   <m:oMathPara xmlns:m="http://schemas.openxmlformats.org/officeDocument/2006/math">
                     <m:oMathParaPr>
@@ -9074,7 +9048,7 @@
             </p:txBody>
           </p:sp>
         </mc:Choice>
-        <mc:Fallback>
+        <mc:Fallback xmlns="">
           <p:sp>
             <p:nvSpPr>
               <p:cNvPr id="4" name="TextBox 3">

--- a/Lennard-Jones Structures.pptx
+++ b/Lennard-Jones Structures.pptx
@@ -3928,7 +3928,7 @@
         </p:nvSpPr>
         <p:spPr>
           <a:xfrm>
-            <a:off x="1524000" y="1122363"/>
+            <a:off x="1458939" y="1122363"/>
             <a:ext cx="9144000" cy="1260110"/>
           </a:xfrm>
         </p:spPr>
